--- a/Time-Card/ДОКУМЕНТЫ/МАТЕРИАЛ СТАТЬИ/End User Synchronization.pptx
+++ b/Time-Card/ДОКУМЕНТЫ/МАТЕРИАЛ СТАТЬИ/End User Synchronization.pptx
@@ -21,11 +21,10 @@
     <p:sldId id="271" r:id="rId15"/>
     <p:sldId id="272" r:id="rId16"/>
     <p:sldId id="273" r:id="rId17"/>
-    <p:sldId id="274" r:id="rId18"/>
-    <p:sldId id="275" r:id="rId19"/>
-    <p:sldId id="276" r:id="rId20"/>
-    <p:sldId id="277" r:id="rId21"/>
-    <p:sldId id="278" r:id="rId22"/>
+    <p:sldId id="275" r:id="rId18"/>
+    <p:sldId id="276" r:id="rId19"/>
+    <p:sldId id="277" r:id="rId20"/>
+    <p:sldId id="278" r:id="rId21"/>
   </p:sldIdLst>
   <p:sldSz cx="12192000" cy="6858000"/>
   <p:notesSz cx="12192000" cy="6858000"/>
@@ -10306,914 +10305,6 @@
         </p:nvSpPr>
         <p:spPr>
           <a:xfrm>
-            <a:off x="495096" y="464642"/>
-            <a:ext cx="5151120" cy="757555"/>
-          </a:xfrm>
-          <a:prstGeom prst="rect">
-            <a:avLst/>
-          </a:prstGeom>
-        </p:spPr>
-        <p:txBody>
-          <a:bodyPr vert="horz" wrap="square" lIns="0" tIns="12700" rIns="0" bIns="0" rtlCol="0">
-            <a:spAutoFit/>
-          </a:bodyPr>
-          <a:lstStyle/>
-          <a:p>
-            <a:pPr marL="12700">
-              <a:lnSpc>
-                <a:spcPct val="100000"/>
-              </a:lnSpc>
-              <a:spcBef>
-                <a:spcPts val="100"/>
-              </a:spcBef>
-            </a:pPr>
-            <a:r>
-              <a:rPr sz="4800" spc="215" dirty="0">
-                <a:solidFill>
-                  <a:srgbClr val="5F5F60"/>
-                </a:solidFill>
-              </a:rPr>
-              <a:t>Previous</a:t>
-            </a:r>
-            <a:r>
-              <a:rPr sz="4800" spc="500" dirty="0">
-                <a:solidFill>
-                  <a:srgbClr val="5F5F60"/>
-                </a:solidFill>
-              </a:rPr>
-              <a:t> </a:t>
-            </a:r>
-            <a:r>
-              <a:rPr sz="4800" spc="229" dirty="0">
-                <a:solidFill>
-                  <a:srgbClr val="5F5F60"/>
-                </a:solidFill>
-              </a:rPr>
-              <a:t>Versions</a:t>
-            </a:r>
-            <a:endParaRPr sz="4800"/>
-          </a:p>
-        </p:txBody>
-      </p:sp>
-      <p:pic>
-        <p:nvPicPr>
-          <p:cNvPr id="3" name="object 3"/>
-          <p:cNvPicPr/>
-          <p:nvPr/>
-        </p:nvPicPr>
-        <p:blipFill>
-          <a:blip r:embed="rId2" cstate="print"/>
-          <a:stretch>
-            <a:fillRect/>
-          </a:stretch>
-        </p:blipFill>
-        <p:spPr>
-          <a:xfrm>
-            <a:off x="9395459" y="1560575"/>
-            <a:ext cx="2380488" cy="1761744"/>
-          </a:xfrm>
-          <a:prstGeom prst="rect">
-            <a:avLst/>
-          </a:prstGeom>
-        </p:spPr>
-      </p:pic>
-      <p:sp>
-        <p:nvSpPr>
-          <p:cNvPr id="4" name="object 4"/>
-          <p:cNvSpPr txBox="1"/>
-          <p:nvPr/>
-        </p:nvSpPr>
-        <p:spPr>
-          <a:xfrm>
-            <a:off x="9745218" y="3272154"/>
-            <a:ext cx="1612900" cy="299720"/>
-          </a:xfrm>
-          <a:prstGeom prst="rect">
-            <a:avLst/>
-          </a:prstGeom>
-        </p:spPr>
-        <p:txBody>
-          <a:bodyPr vert="horz" wrap="square" lIns="0" tIns="12700" rIns="0" bIns="0" rtlCol="0">
-            <a:spAutoFit/>
-          </a:bodyPr>
-          <a:lstStyle/>
-          <a:p>
-            <a:pPr marL="12700">
-              <a:lnSpc>
-                <a:spcPct val="100000"/>
-              </a:lnSpc>
-              <a:spcBef>
-                <a:spcPts val="100"/>
-              </a:spcBef>
-            </a:pPr>
-            <a:r>
-              <a:rPr sz="1800" spc="-20" dirty="0">
-                <a:solidFill>
-                  <a:srgbClr val="5F5F60"/>
-                </a:solidFill>
-                <a:latin typeface="Franklin Gothic Medium"/>
-                <a:cs typeface="Franklin Gothic Medium"/>
-              </a:rPr>
-              <a:t>December</a:t>
-            </a:r>
-            <a:r>
-              <a:rPr sz="1800" spc="-80" dirty="0">
-                <a:solidFill>
-                  <a:srgbClr val="5F5F60"/>
-                </a:solidFill>
-                <a:latin typeface="Franklin Gothic Medium"/>
-                <a:cs typeface="Franklin Gothic Medium"/>
-              </a:rPr>
-              <a:t> </a:t>
-            </a:r>
-            <a:r>
-              <a:rPr sz="1800" spc="-5" dirty="0">
-                <a:solidFill>
-                  <a:srgbClr val="5F5F60"/>
-                </a:solidFill>
-                <a:latin typeface="Franklin Gothic Medium"/>
-                <a:cs typeface="Franklin Gothic Medium"/>
-              </a:rPr>
-              <a:t>2020</a:t>
-            </a:r>
-            <a:endParaRPr sz="1800">
-              <a:latin typeface="Franklin Gothic Medium"/>
-              <a:cs typeface="Franklin Gothic Medium"/>
-            </a:endParaRPr>
-          </a:p>
-        </p:txBody>
-      </p:sp>
-      <p:pic>
-        <p:nvPicPr>
-          <p:cNvPr id="5" name="object 5"/>
-          <p:cNvPicPr/>
-          <p:nvPr/>
-        </p:nvPicPr>
-        <p:blipFill>
-          <a:blip r:embed="rId3" cstate="print"/>
-          <a:stretch>
-            <a:fillRect/>
-          </a:stretch>
-        </p:blipFill>
-        <p:spPr>
-          <a:xfrm>
-            <a:off x="6391655" y="3560064"/>
-            <a:ext cx="2587752" cy="1761744"/>
-          </a:xfrm>
-          <a:prstGeom prst="rect">
-            <a:avLst/>
-          </a:prstGeom>
-        </p:spPr>
-      </p:pic>
-      <p:sp>
-        <p:nvSpPr>
-          <p:cNvPr id="6" name="object 6"/>
-          <p:cNvSpPr txBox="1"/>
-          <p:nvPr/>
-        </p:nvSpPr>
-        <p:spPr>
-          <a:xfrm>
-            <a:off x="6996430" y="5280405"/>
-            <a:ext cx="1218565" cy="299720"/>
-          </a:xfrm>
-          <a:prstGeom prst="rect">
-            <a:avLst/>
-          </a:prstGeom>
-        </p:spPr>
-        <p:txBody>
-          <a:bodyPr vert="horz" wrap="square" lIns="0" tIns="12700" rIns="0" bIns="0" rtlCol="0">
-            <a:spAutoFit/>
-          </a:bodyPr>
-          <a:lstStyle/>
-          <a:p>
-            <a:pPr marL="12700">
-              <a:lnSpc>
-                <a:spcPct val="100000"/>
-              </a:lnSpc>
-              <a:spcBef>
-                <a:spcPts val="100"/>
-              </a:spcBef>
-            </a:pPr>
-            <a:r>
-              <a:rPr sz="1800" spc="-10" dirty="0">
-                <a:solidFill>
-                  <a:srgbClr val="5F5F60"/>
-                </a:solidFill>
-                <a:latin typeface="Franklin Gothic Medium"/>
-                <a:cs typeface="Franklin Gothic Medium"/>
-              </a:rPr>
-              <a:t>March</a:t>
-            </a:r>
-            <a:r>
-              <a:rPr sz="1800" spc="-75" dirty="0">
-                <a:solidFill>
-                  <a:srgbClr val="5F5F60"/>
-                </a:solidFill>
-                <a:latin typeface="Franklin Gothic Medium"/>
-                <a:cs typeface="Franklin Gothic Medium"/>
-              </a:rPr>
-              <a:t> </a:t>
-            </a:r>
-            <a:r>
-              <a:rPr sz="1800" spc="-20" dirty="0">
-                <a:solidFill>
-                  <a:srgbClr val="5F5F60"/>
-                </a:solidFill>
-                <a:latin typeface="Franklin Gothic Medium"/>
-                <a:cs typeface="Franklin Gothic Medium"/>
-              </a:rPr>
-              <a:t>2021</a:t>
-            </a:r>
-            <a:endParaRPr sz="1800">
-              <a:latin typeface="Franklin Gothic Medium"/>
-              <a:cs typeface="Franklin Gothic Medium"/>
-            </a:endParaRPr>
-          </a:p>
-        </p:txBody>
-      </p:sp>
-      <p:sp>
-        <p:nvSpPr>
-          <p:cNvPr id="7" name="object 7"/>
-          <p:cNvSpPr txBox="1"/>
-          <p:nvPr/>
-        </p:nvSpPr>
-        <p:spPr>
-          <a:xfrm>
-            <a:off x="4100576" y="5295391"/>
-            <a:ext cx="1036319" cy="299720"/>
-          </a:xfrm>
-          <a:prstGeom prst="rect">
-            <a:avLst/>
-          </a:prstGeom>
-        </p:spPr>
-        <p:txBody>
-          <a:bodyPr vert="horz" wrap="square" lIns="0" tIns="12700" rIns="0" bIns="0" rtlCol="0">
-            <a:spAutoFit/>
-          </a:bodyPr>
-          <a:lstStyle/>
-          <a:p>
-            <a:pPr marL="12700">
-              <a:lnSpc>
-                <a:spcPct val="100000"/>
-              </a:lnSpc>
-              <a:spcBef>
-                <a:spcPts val="100"/>
-              </a:spcBef>
-            </a:pPr>
-            <a:r>
-              <a:rPr sz="1800" spc="-45" dirty="0">
-                <a:solidFill>
-                  <a:srgbClr val="5F5F60"/>
-                </a:solidFill>
-                <a:latin typeface="Franklin Gothic Medium"/>
-                <a:cs typeface="Franklin Gothic Medium"/>
-              </a:rPr>
-              <a:t>Apr</a:t>
-            </a:r>
-            <a:r>
-              <a:rPr sz="1800" u="sng" spc="-45" dirty="0">
-                <a:solidFill>
-                  <a:srgbClr val="5F5F60"/>
-                </a:solidFill>
-                <a:uFill>
-                  <a:solidFill>
-                    <a:srgbClr val="5F5F60"/>
-                  </a:solidFill>
-                </a:uFill>
-                <a:latin typeface="Franklin Gothic Medium"/>
-                <a:cs typeface="Franklin Gothic Medium"/>
-              </a:rPr>
-              <a:t>il</a:t>
-            </a:r>
-            <a:r>
-              <a:rPr sz="1800" spc="-50" dirty="0">
-                <a:solidFill>
-                  <a:srgbClr val="5F5F60"/>
-                </a:solidFill>
-                <a:latin typeface="Franklin Gothic Medium"/>
-                <a:cs typeface="Franklin Gothic Medium"/>
-              </a:rPr>
-              <a:t> </a:t>
-            </a:r>
-            <a:r>
-              <a:rPr sz="1800" spc="-20" dirty="0">
-                <a:solidFill>
-                  <a:srgbClr val="5F5F60"/>
-                </a:solidFill>
-                <a:latin typeface="Franklin Gothic Medium"/>
-                <a:cs typeface="Franklin Gothic Medium"/>
-              </a:rPr>
-              <a:t>2021</a:t>
-            </a:r>
-            <a:endParaRPr sz="1800">
-              <a:latin typeface="Franklin Gothic Medium"/>
-              <a:cs typeface="Franklin Gothic Medium"/>
-            </a:endParaRPr>
-          </a:p>
-        </p:txBody>
-      </p:sp>
-      <p:pic>
-        <p:nvPicPr>
-          <p:cNvPr id="8" name="object 8"/>
-          <p:cNvPicPr/>
-          <p:nvPr/>
-        </p:nvPicPr>
-        <p:blipFill>
-          <a:blip r:embed="rId4" cstate="print"/>
-          <a:stretch>
-            <a:fillRect/>
-          </a:stretch>
-        </p:blipFill>
-        <p:spPr>
-          <a:xfrm>
-            <a:off x="3432047" y="3579876"/>
-            <a:ext cx="2482596" cy="1764792"/>
-          </a:xfrm>
-          <a:prstGeom prst="rect">
-            <a:avLst/>
-          </a:prstGeom>
-        </p:spPr>
-      </p:pic>
-      <p:pic>
-        <p:nvPicPr>
-          <p:cNvPr id="9" name="object 9"/>
-          <p:cNvPicPr/>
-          <p:nvPr/>
-        </p:nvPicPr>
-        <p:blipFill>
-          <a:blip r:embed="rId5" cstate="print"/>
-          <a:stretch>
-            <a:fillRect/>
-          </a:stretch>
-        </p:blipFill>
-        <p:spPr>
-          <a:xfrm>
-            <a:off x="9421368" y="3579876"/>
-            <a:ext cx="2482596" cy="1764792"/>
-          </a:xfrm>
-          <a:prstGeom prst="rect">
-            <a:avLst/>
-          </a:prstGeom>
-        </p:spPr>
-      </p:pic>
-      <p:sp>
-        <p:nvSpPr>
-          <p:cNvPr id="10" name="object 10"/>
-          <p:cNvSpPr txBox="1"/>
-          <p:nvPr/>
-        </p:nvSpPr>
-        <p:spPr>
-          <a:xfrm>
-            <a:off x="10155428" y="5291708"/>
-            <a:ext cx="969010" cy="299720"/>
-          </a:xfrm>
-          <a:prstGeom prst="rect">
-            <a:avLst/>
-          </a:prstGeom>
-        </p:spPr>
-        <p:txBody>
-          <a:bodyPr vert="horz" wrap="square" lIns="0" tIns="12700" rIns="0" bIns="0" rtlCol="0">
-            <a:spAutoFit/>
-          </a:bodyPr>
-          <a:lstStyle/>
-          <a:p>
-            <a:pPr marL="12700">
-              <a:lnSpc>
-                <a:spcPct val="100000"/>
-              </a:lnSpc>
-              <a:spcBef>
-                <a:spcPts val="100"/>
-              </a:spcBef>
-            </a:pPr>
-            <a:r>
-              <a:rPr sz="1800" spc="-20" dirty="0">
-                <a:solidFill>
-                  <a:srgbClr val="5F5F60"/>
-                </a:solidFill>
-                <a:latin typeface="Franklin Gothic Medium"/>
-                <a:cs typeface="Franklin Gothic Medium"/>
-              </a:rPr>
-              <a:t>July</a:t>
-            </a:r>
-            <a:r>
-              <a:rPr sz="1800" spc="-60" dirty="0">
-                <a:solidFill>
-                  <a:srgbClr val="5F5F60"/>
-                </a:solidFill>
-                <a:latin typeface="Franklin Gothic Medium"/>
-                <a:cs typeface="Franklin Gothic Medium"/>
-              </a:rPr>
-              <a:t> </a:t>
-            </a:r>
-            <a:r>
-              <a:rPr sz="1800" spc="-20" dirty="0">
-                <a:solidFill>
-                  <a:srgbClr val="5F5F60"/>
-                </a:solidFill>
-                <a:latin typeface="Franklin Gothic Medium"/>
-                <a:cs typeface="Franklin Gothic Medium"/>
-              </a:rPr>
-              <a:t>2021</a:t>
-            </a:r>
-            <a:endParaRPr sz="1800">
-              <a:latin typeface="Franklin Gothic Medium"/>
-              <a:cs typeface="Franklin Gothic Medium"/>
-            </a:endParaRPr>
-          </a:p>
-        </p:txBody>
-      </p:sp>
-      <p:pic>
-        <p:nvPicPr>
-          <p:cNvPr id="11" name="object 11"/>
-          <p:cNvPicPr/>
-          <p:nvPr/>
-        </p:nvPicPr>
-        <p:blipFill>
-          <a:blip r:embed="rId6" cstate="print"/>
-          <a:stretch>
-            <a:fillRect/>
-          </a:stretch>
-        </p:blipFill>
-        <p:spPr>
-          <a:xfrm>
-            <a:off x="280415" y="3578352"/>
-            <a:ext cx="2673096" cy="1761744"/>
-          </a:xfrm>
-          <a:prstGeom prst="rect">
-            <a:avLst/>
-          </a:prstGeom>
-        </p:spPr>
-      </p:pic>
-      <p:sp>
-        <p:nvSpPr>
-          <p:cNvPr id="12" name="object 12"/>
-          <p:cNvSpPr txBox="1"/>
-          <p:nvPr/>
-        </p:nvSpPr>
-        <p:spPr>
-          <a:xfrm>
-            <a:off x="959611" y="5266690"/>
-            <a:ext cx="1459230" cy="299720"/>
-          </a:xfrm>
-          <a:prstGeom prst="rect">
-            <a:avLst/>
-          </a:prstGeom>
-        </p:spPr>
-        <p:txBody>
-          <a:bodyPr vert="horz" wrap="square" lIns="0" tIns="12700" rIns="0" bIns="0" rtlCol="0">
-            <a:spAutoFit/>
-          </a:bodyPr>
-          <a:lstStyle/>
-          <a:p>
-            <a:pPr marL="12700">
-              <a:lnSpc>
-                <a:spcPct val="100000"/>
-              </a:lnSpc>
-              <a:spcBef>
-                <a:spcPts val="100"/>
-              </a:spcBef>
-            </a:pPr>
-            <a:r>
-              <a:rPr sz="1800" spc="-15" dirty="0">
-                <a:solidFill>
-                  <a:srgbClr val="5F5F60"/>
-                </a:solidFill>
-                <a:latin typeface="Franklin Gothic Medium"/>
-                <a:cs typeface="Franklin Gothic Medium"/>
-              </a:rPr>
-              <a:t>February</a:t>
-            </a:r>
-            <a:r>
-              <a:rPr sz="1800" spc="-55" dirty="0">
-                <a:solidFill>
-                  <a:srgbClr val="5F5F60"/>
-                </a:solidFill>
-                <a:latin typeface="Franklin Gothic Medium"/>
-                <a:cs typeface="Franklin Gothic Medium"/>
-              </a:rPr>
-              <a:t> </a:t>
-            </a:r>
-            <a:r>
-              <a:rPr sz="1800" spc="-20" dirty="0">
-                <a:solidFill>
-                  <a:srgbClr val="5F5F60"/>
-                </a:solidFill>
-                <a:latin typeface="Franklin Gothic Medium"/>
-                <a:cs typeface="Franklin Gothic Medium"/>
-              </a:rPr>
-              <a:t>2021</a:t>
-            </a:r>
-            <a:endParaRPr sz="1800">
-              <a:latin typeface="Franklin Gothic Medium"/>
-              <a:cs typeface="Franklin Gothic Medium"/>
-            </a:endParaRPr>
-          </a:p>
-        </p:txBody>
-      </p:sp>
-      <p:sp>
-        <p:nvSpPr>
-          <p:cNvPr id="13" name="object 13"/>
-          <p:cNvSpPr txBox="1"/>
-          <p:nvPr/>
-        </p:nvSpPr>
-        <p:spPr>
-          <a:xfrm>
-            <a:off x="3973829" y="3272154"/>
-            <a:ext cx="1370965" cy="299720"/>
-          </a:xfrm>
-          <a:prstGeom prst="rect">
-            <a:avLst/>
-          </a:prstGeom>
-        </p:spPr>
-        <p:txBody>
-          <a:bodyPr vert="horz" wrap="square" lIns="0" tIns="12700" rIns="0" bIns="0" rtlCol="0">
-            <a:spAutoFit/>
-          </a:bodyPr>
-          <a:lstStyle/>
-          <a:p>
-            <a:pPr marL="12700">
-              <a:lnSpc>
-                <a:spcPct val="100000"/>
-              </a:lnSpc>
-              <a:spcBef>
-                <a:spcPts val="100"/>
-              </a:spcBef>
-            </a:pPr>
-            <a:r>
-              <a:rPr sz="1800" spc="-20" dirty="0">
-                <a:solidFill>
-                  <a:srgbClr val="5F5F60"/>
-                </a:solidFill>
-                <a:latin typeface="Franklin Gothic Medium"/>
-                <a:cs typeface="Franklin Gothic Medium"/>
-              </a:rPr>
-              <a:t>Oc</a:t>
-            </a:r>
-            <a:r>
-              <a:rPr sz="1800" spc="-40" dirty="0">
-                <a:solidFill>
-                  <a:srgbClr val="5F5F60"/>
-                </a:solidFill>
-                <a:latin typeface="Franklin Gothic Medium"/>
-                <a:cs typeface="Franklin Gothic Medium"/>
-              </a:rPr>
-              <a:t>t</a:t>
-            </a:r>
-            <a:r>
-              <a:rPr sz="1800" spc="-10" dirty="0">
-                <a:solidFill>
-                  <a:srgbClr val="5F5F60"/>
-                </a:solidFill>
-                <a:latin typeface="Franklin Gothic Medium"/>
-                <a:cs typeface="Franklin Gothic Medium"/>
-              </a:rPr>
-              <a:t>ober</a:t>
-            </a:r>
-            <a:r>
-              <a:rPr sz="1800" spc="-25" dirty="0">
-                <a:solidFill>
-                  <a:srgbClr val="5F5F60"/>
-                </a:solidFill>
-                <a:latin typeface="Franklin Gothic Medium"/>
-                <a:cs typeface="Franklin Gothic Medium"/>
-              </a:rPr>
-              <a:t> </a:t>
-            </a:r>
-            <a:r>
-              <a:rPr sz="1800" spc="-5" dirty="0">
-                <a:solidFill>
-                  <a:srgbClr val="5F5F60"/>
-                </a:solidFill>
-                <a:latin typeface="Franklin Gothic Medium"/>
-                <a:cs typeface="Franklin Gothic Medium"/>
-              </a:rPr>
-              <a:t>2020</a:t>
-            </a:r>
-            <a:endParaRPr sz="1800">
-              <a:latin typeface="Franklin Gothic Medium"/>
-              <a:cs typeface="Franklin Gothic Medium"/>
-            </a:endParaRPr>
-          </a:p>
-        </p:txBody>
-      </p:sp>
-      <p:pic>
-        <p:nvPicPr>
-          <p:cNvPr id="14" name="object 14"/>
-          <p:cNvPicPr/>
-          <p:nvPr/>
-        </p:nvPicPr>
-        <p:blipFill>
-          <a:blip r:embed="rId7" cstate="print"/>
-          <a:stretch>
-            <a:fillRect/>
-          </a:stretch>
-        </p:blipFill>
-        <p:spPr>
-          <a:xfrm>
-            <a:off x="3424428" y="1568196"/>
-            <a:ext cx="2534412" cy="1732788"/>
-          </a:xfrm>
-          <a:prstGeom prst="rect">
-            <a:avLst/>
-          </a:prstGeom>
-        </p:spPr>
-      </p:pic>
-      <p:pic>
-        <p:nvPicPr>
-          <p:cNvPr id="15" name="object 15"/>
-          <p:cNvPicPr/>
-          <p:nvPr/>
-        </p:nvPicPr>
-        <p:blipFill>
-          <a:blip r:embed="rId8" cstate="print"/>
-          <a:stretch>
-            <a:fillRect/>
-          </a:stretch>
-        </p:blipFill>
-        <p:spPr>
-          <a:xfrm>
-            <a:off x="417576" y="1423416"/>
-            <a:ext cx="2193036" cy="1743455"/>
-          </a:xfrm>
-          <a:prstGeom prst="rect">
-            <a:avLst/>
-          </a:prstGeom>
-        </p:spPr>
-      </p:pic>
-      <p:sp>
-        <p:nvSpPr>
-          <p:cNvPr id="16" name="object 16"/>
-          <p:cNvSpPr txBox="1"/>
-          <p:nvPr/>
-        </p:nvSpPr>
-        <p:spPr>
-          <a:xfrm>
-            <a:off x="984605" y="3137103"/>
-            <a:ext cx="989965" cy="300355"/>
-          </a:xfrm>
-          <a:prstGeom prst="rect">
-            <a:avLst/>
-          </a:prstGeom>
-        </p:spPr>
-        <p:txBody>
-          <a:bodyPr vert="horz" wrap="square" lIns="0" tIns="12700" rIns="0" bIns="0" rtlCol="0">
-            <a:spAutoFit/>
-          </a:bodyPr>
-          <a:lstStyle/>
-          <a:p>
-            <a:pPr marL="12700">
-              <a:lnSpc>
-                <a:spcPct val="100000"/>
-              </a:lnSpc>
-              <a:spcBef>
-                <a:spcPts val="100"/>
-              </a:spcBef>
-            </a:pPr>
-            <a:r>
-              <a:rPr sz="1800" spc="-10" dirty="0">
-                <a:solidFill>
-                  <a:srgbClr val="5F5F60"/>
-                </a:solidFill>
-                <a:latin typeface="Franklin Gothic Medium"/>
-                <a:cs typeface="Franklin Gothic Medium"/>
-              </a:rPr>
-              <a:t>Sep</a:t>
-            </a:r>
-            <a:r>
-              <a:rPr sz="1800" spc="-75" dirty="0">
-                <a:solidFill>
-                  <a:srgbClr val="5F5F60"/>
-                </a:solidFill>
-                <a:latin typeface="Franklin Gothic Medium"/>
-                <a:cs typeface="Franklin Gothic Medium"/>
-              </a:rPr>
-              <a:t> </a:t>
-            </a:r>
-            <a:r>
-              <a:rPr sz="1800" spc="-5" dirty="0">
-                <a:solidFill>
-                  <a:srgbClr val="5F5F60"/>
-                </a:solidFill>
-                <a:latin typeface="Franklin Gothic Medium"/>
-                <a:cs typeface="Franklin Gothic Medium"/>
-              </a:rPr>
-              <a:t>2020</a:t>
-            </a:r>
-            <a:endParaRPr sz="1800">
-              <a:latin typeface="Franklin Gothic Medium"/>
-              <a:cs typeface="Franklin Gothic Medium"/>
-            </a:endParaRPr>
-          </a:p>
-        </p:txBody>
-      </p:sp>
-      <p:pic>
-        <p:nvPicPr>
-          <p:cNvPr id="17" name="object 17"/>
-          <p:cNvPicPr/>
-          <p:nvPr/>
-        </p:nvPicPr>
-        <p:blipFill>
-          <a:blip r:embed="rId9" cstate="print"/>
-          <a:stretch>
-            <a:fillRect/>
-          </a:stretch>
-        </p:blipFill>
-        <p:spPr>
-          <a:xfrm>
-            <a:off x="6358128" y="1577339"/>
-            <a:ext cx="2534412" cy="1746503"/>
-          </a:xfrm>
-          <a:prstGeom prst="rect">
-            <a:avLst/>
-          </a:prstGeom>
-        </p:spPr>
-      </p:pic>
-      <p:sp>
-        <p:nvSpPr>
-          <p:cNvPr id="18" name="object 18"/>
-          <p:cNvSpPr txBox="1"/>
-          <p:nvPr/>
-        </p:nvSpPr>
-        <p:spPr>
-          <a:xfrm>
-            <a:off x="6853173" y="3281298"/>
-            <a:ext cx="1605915" cy="299720"/>
-          </a:xfrm>
-          <a:prstGeom prst="rect">
-            <a:avLst/>
-          </a:prstGeom>
-        </p:spPr>
-        <p:txBody>
-          <a:bodyPr vert="horz" wrap="square" lIns="0" tIns="12700" rIns="0" bIns="0" rtlCol="0">
-            <a:spAutoFit/>
-          </a:bodyPr>
-          <a:lstStyle/>
-          <a:p>
-            <a:pPr marL="12700">
-              <a:lnSpc>
-                <a:spcPct val="100000"/>
-              </a:lnSpc>
-              <a:spcBef>
-                <a:spcPts val="100"/>
-              </a:spcBef>
-            </a:pPr>
-            <a:r>
-              <a:rPr sz="1800" spc="-25" dirty="0">
-                <a:solidFill>
-                  <a:srgbClr val="5F5F60"/>
-                </a:solidFill>
-                <a:latin typeface="Franklin Gothic Medium"/>
-                <a:cs typeface="Franklin Gothic Medium"/>
-              </a:rPr>
-              <a:t>November</a:t>
-            </a:r>
-            <a:r>
-              <a:rPr sz="1800" spc="-70" dirty="0">
-                <a:solidFill>
-                  <a:srgbClr val="5F5F60"/>
-                </a:solidFill>
-                <a:latin typeface="Franklin Gothic Medium"/>
-                <a:cs typeface="Franklin Gothic Medium"/>
-              </a:rPr>
-              <a:t> </a:t>
-            </a:r>
-            <a:r>
-              <a:rPr sz="1800" spc="-5" dirty="0">
-                <a:solidFill>
-                  <a:srgbClr val="5F5F60"/>
-                </a:solidFill>
-                <a:latin typeface="Franklin Gothic Medium"/>
-                <a:cs typeface="Franklin Gothic Medium"/>
-              </a:rPr>
-              <a:t>2020</a:t>
-            </a:r>
-            <a:endParaRPr sz="1800">
-              <a:latin typeface="Franklin Gothic Medium"/>
-              <a:cs typeface="Franklin Gothic Medium"/>
-            </a:endParaRPr>
-          </a:p>
-        </p:txBody>
-      </p:sp>
-      <p:sp>
-        <p:nvSpPr>
-          <p:cNvPr id="19" name="object 19"/>
-          <p:cNvSpPr txBox="1"/>
-          <p:nvPr/>
-        </p:nvSpPr>
-        <p:spPr>
-          <a:xfrm>
-            <a:off x="8947784" y="6357170"/>
-            <a:ext cx="2855595" cy="255270"/>
-          </a:xfrm>
-          <a:prstGeom prst="rect">
-            <a:avLst/>
-          </a:prstGeom>
-        </p:spPr>
-        <p:txBody>
-          <a:bodyPr vert="horz" wrap="square" lIns="0" tIns="0" rIns="0" bIns="0" rtlCol="0">
-            <a:spAutoFit/>
-          </a:bodyPr>
-          <a:lstStyle/>
-          <a:p>
-            <a:pPr marL="12700">
-              <a:lnSpc>
-                <a:spcPts val="1885"/>
-              </a:lnSpc>
-            </a:pPr>
-            <a:r>
-              <a:rPr sz="1600" spc="-10" dirty="0">
-                <a:solidFill>
-                  <a:srgbClr val="FFFFFF"/>
-                </a:solidFill>
-                <a:latin typeface="Franklin Gothic Medium"/>
-                <a:cs typeface="Franklin Gothic Medium"/>
-              </a:rPr>
-              <a:t>Connect.</a:t>
-            </a:r>
-            <a:r>
-              <a:rPr sz="1600" dirty="0">
-                <a:solidFill>
-                  <a:srgbClr val="FFFFFF"/>
-                </a:solidFill>
-                <a:latin typeface="Franklin Gothic Medium"/>
-                <a:cs typeface="Franklin Gothic Medium"/>
-              </a:rPr>
-              <a:t> </a:t>
-            </a:r>
-            <a:r>
-              <a:rPr sz="1600" spc="-20" dirty="0">
-                <a:solidFill>
-                  <a:srgbClr val="FFFFFF"/>
-                </a:solidFill>
-                <a:latin typeface="Franklin Gothic Medium"/>
-                <a:cs typeface="Franklin Gothic Medium"/>
-              </a:rPr>
-              <a:t>Collaborate.</a:t>
-            </a:r>
-            <a:r>
-              <a:rPr sz="1600" spc="10" dirty="0">
-                <a:solidFill>
-                  <a:srgbClr val="FFFFFF"/>
-                </a:solidFill>
-                <a:latin typeface="Franklin Gothic Medium"/>
-                <a:cs typeface="Franklin Gothic Medium"/>
-              </a:rPr>
-              <a:t> </a:t>
-            </a:r>
-            <a:r>
-              <a:rPr sz="1600" spc="-25" dirty="0">
-                <a:solidFill>
-                  <a:srgbClr val="FFFFFF"/>
-                </a:solidFill>
-                <a:latin typeface="Franklin Gothic Medium"/>
-                <a:cs typeface="Franklin Gothic Medium"/>
-              </a:rPr>
-              <a:t>Accelerate.</a:t>
-            </a:r>
-            <a:endParaRPr sz="1600">
-              <a:latin typeface="Franklin Gothic Medium"/>
-              <a:cs typeface="Franklin Gothic Medium"/>
-            </a:endParaRPr>
-          </a:p>
-        </p:txBody>
-      </p:sp>
-    </p:spTree>
-  </p:cSld>
-  <p:clrMapOvr>
-    <a:masterClrMapping/>
-  </p:clrMapOvr>
-</p:sld>
-</file>
-
-<file path=ppt/slides/slide18.xml><?xml version="1.0" encoding="utf-8"?>
-<p:sld xmlns:a="http://schemas.openxmlformats.org/drawingml/2006/main" xmlns:r="http://schemas.openxmlformats.org/officeDocument/2006/relationships" xmlns:p="http://schemas.openxmlformats.org/presentationml/2006/main">
-  <p:cSld>
-    <p:spTree>
-      <p:nvGrpSpPr>
-        <p:cNvPr id="1" name=""/>
-        <p:cNvGrpSpPr/>
-        <p:nvPr/>
-      </p:nvGrpSpPr>
-      <p:grpSpPr>
-        <a:xfrm>
-          <a:off x="0" y="0"/>
-          <a:ext cx="0" cy="0"/>
-          <a:chOff x="0" y="0"/>
-          <a:chExt cx="0" cy="0"/>
-        </a:xfrm>
-      </p:grpSpPr>
-      <p:sp>
-        <p:nvSpPr>
-          <p:cNvPr id="2" name="object 2"/>
-          <p:cNvSpPr txBox="1">
-            <a:spLocks noGrp="1"/>
-          </p:cNvSpPr>
-          <p:nvPr>
-            <p:ph type="title"/>
-          </p:nvPr>
-        </p:nvSpPr>
-        <p:spPr>
-          <a:xfrm>
             <a:off x="650240" y="614248"/>
             <a:ext cx="7499984" cy="757555"/>
           </a:xfrm>
@@ -12425,7 +11516,7 @@
 </p:sld>
 </file>
 
-<file path=ppt/slides/slide19.xml><?xml version="1.0" encoding="utf-8"?>
+<file path=ppt/slides/slide18.xml><?xml version="1.0" encoding="utf-8"?>
 <p:sld xmlns:a="http://schemas.openxmlformats.org/drawingml/2006/main" xmlns:r="http://schemas.openxmlformats.org/officeDocument/2006/relationships" xmlns:p="http://schemas.openxmlformats.org/presentationml/2006/main" showMasterSp="0">
   <p:cSld>
     <p:spTree>
@@ -13607,6 +12698,1979 @@
               <a:t>Globally</a:t>
             </a:r>
             <a:endParaRPr sz="1800" dirty="0">
+              <a:latin typeface="Franklin Gothic Medium"/>
+              <a:cs typeface="Franklin Gothic Medium"/>
+            </a:endParaRPr>
+          </a:p>
+        </p:txBody>
+      </p:sp>
+    </p:spTree>
+  </p:cSld>
+  <p:clrMapOvr>
+    <a:masterClrMapping/>
+  </p:clrMapOvr>
+</p:sld>
+</file>
+
+<file path=ppt/slides/slide19.xml><?xml version="1.0" encoding="utf-8"?>
+<p:sld xmlns:a="http://schemas.openxmlformats.org/drawingml/2006/main" xmlns:r="http://schemas.openxmlformats.org/officeDocument/2006/relationships" xmlns:p="http://schemas.openxmlformats.org/presentationml/2006/main" showMasterSp="0">
+  <p:cSld>
+    <p:spTree>
+      <p:nvGrpSpPr>
+        <p:cNvPr id="1" name=""/>
+        <p:cNvGrpSpPr/>
+        <p:nvPr/>
+      </p:nvGrpSpPr>
+      <p:grpSpPr>
+        <a:xfrm>
+          <a:off x="0" y="0"/>
+          <a:ext cx="0" cy="0"/>
+          <a:chOff x="0" y="0"/>
+          <a:chExt cx="0" cy="0"/>
+        </a:xfrm>
+      </p:grpSpPr>
+      <p:sp>
+        <p:nvSpPr>
+          <p:cNvPr id="6" name="object 6"/>
+          <p:cNvSpPr txBox="1">
+            <a:spLocks noGrp="1"/>
+          </p:cNvSpPr>
+          <p:nvPr>
+            <p:ph type="title"/>
+          </p:nvPr>
+        </p:nvSpPr>
+        <p:spPr>
+          <a:xfrm>
+            <a:off x="1560957" y="617296"/>
+            <a:ext cx="8428990" cy="391795"/>
+          </a:xfrm>
+          <a:prstGeom prst="rect">
+            <a:avLst/>
+          </a:prstGeom>
+        </p:spPr>
+        <p:txBody>
+          <a:bodyPr vert="horz" wrap="square" lIns="0" tIns="12700" rIns="0" bIns="0" rtlCol="0">
+            <a:spAutoFit/>
+          </a:bodyPr>
+          <a:lstStyle/>
+          <a:p>
+            <a:pPr marL="12700">
+              <a:lnSpc>
+                <a:spcPct val="100000"/>
+              </a:lnSpc>
+              <a:spcBef>
+                <a:spcPts val="100"/>
+              </a:spcBef>
+              <a:tabLst>
+                <a:tab pos="749935" algn="l"/>
+                <a:tab pos="1776730" algn="l"/>
+                <a:tab pos="3547745" algn="l"/>
+                <a:tab pos="5079365" algn="l"/>
+                <a:tab pos="6330950" algn="l"/>
+                <a:tab pos="7017384" algn="l"/>
+              </a:tabLst>
+            </a:pPr>
+            <a:r>
+              <a:rPr sz="2400" spc="260" dirty="0">
+                <a:latin typeface="Trebuchet MS"/>
+                <a:cs typeface="Trebuchet MS"/>
+              </a:rPr>
+              <a:t>Use	</a:t>
+            </a:r>
+            <a:r>
+              <a:rPr sz="2400" spc="-75" dirty="0">
+                <a:latin typeface="Trebuchet MS"/>
+                <a:cs typeface="Trebuchet MS"/>
+              </a:rPr>
+              <a:t>C</a:t>
+            </a:r>
+            <a:r>
+              <a:rPr sz="2400" spc="-425" dirty="0">
+                <a:latin typeface="Trebuchet MS"/>
+                <a:cs typeface="Trebuchet MS"/>
+              </a:rPr>
+              <a:t> </a:t>
+            </a:r>
+            <a:r>
+              <a:rPr sz="2400" spc="200" dirty="0">
+                <a:latin typeface="Trebuchet MS"/>
+                <a:cs typeface="Trebuchet MS"/>
+              </a:rPr>
+              <a:t>ase:	</a:t>
+            </a:r>
+            <a:r>
+              <a:rPr sz="2400" spc="265" dirty="0">
+                <a:latin typeface="Trebuchet MS"/>
+                <a:cs typeface="Trebuchet MS"/>
+              </a:rPr>
+              <a:t>Multic</a:t>
+            </a:r>
+            <a:r>
+              <a:rPr sz="2400" spc="-420" dirty="0">
+                <a:latin typeface="Trebuchet MS"/>
+                <a:cs typeface="Trebuchet MS"/>
+              </a:rPr>
+              <a:t> </a:t>
+            </a:r>
+            <a:r>
+              <a:rPr sz="2400" spc="240" dirty="0">
+                <a:latin typeface="Trebuchet MS"/>
+                <a:cs typeface="Trebuchet MS"/>
+              </a:rPr>
+              <a:t>ore	</a:t>
+            </a:r>
+            <a:r>
+              <a:rPr sz="2400" spc="330" dirty="0">
+                <a:latin typeface="Trebuchet MS"/>
+                <a:cs typeface="Trebuchet MS"/>
+              </a:rPr>
+              <a:t>Systems	</a:t>
+            </a:r>
+            <a:r>
+              <a:rPr sz="2400" spc="-15" dirty="0">
+                <a:latin typeface="Trebuchet MS"/>
+                <a:cs typeface="Trebuchet MS"/>
+              </a:rPr>
+              <a:t>A</a:t>
+            </a:r>
+            <a:r>
+              <a:rPr sz="2400" spc="-420" dirty="0">
+                <a:latin typeface="Trebuchet MS"/>
+                <a:cs typeface="Trebuchet MS"/>
+              </a:rPr>
+              <a:t> </a:t>
+            </a:r>
+            <a:r>
+              <a:rPr sz="2400" spc="-40" dirty="0">
+                <a:latin typeface="Trebuchet MS"/>
+                <a:cs typeface="Trebuchet MS"/>
+              </a:rPr>
+              <a:t>c</a:t>
+            </a:r>
+            <a:r>
+              <a:rPr sz="2400" spc="-425" dirty="0">
+                <a:latin typeface="Trebuchet MS"/>
+                <a:cs typeface="Trebuchet MS"/>
+              </a:rPr>
+              <a:t> </a:t>
+            </a:r>
+            <a:r>
+              <a:rPr sz="2400" spc="335" dirty="0">
+                <a:latin typeface="Trebuchet MS"/>
+                <a:cs typeface="Trebuchet MS"/>
+              </a:rPr>
+              <a:t>ross	</a:t>
+            </a:r>
+            <a:r>
+              <a:rPr sz="2400" spc="204" dirty="0">
+                <a:latin typeface="Trebuchet MS"/>
+                <a:cs typeface="Trebuchet MS"/>
+              </a:rPr>
+              <a:t>the	</a:t>
+            </a:r>
+            <a:r>
+              <a:rPr sz="2400" spc="280" dirty="0">
+                <a:latin typeface="Trebuchet MS"/>
+                <a:cs typeface="Trebuchet MS"/>
+              </a:rPr>
+              <a:t>Network</a:t>
+            </a:r>
+            <a:endParaRPr sz="2400" dirty="0">
+              <a:latin typeface="Trebuchet MS"/>
+              <a:cs typeface="Trebuchet MS"/>
+            </a:endParaRPr>
+          </a:p>
+        </p:txBody>
+      </p:sp>
+      <p:pic>
+        <p:nvPicPr>
+          <p:cNvPr id="7" name="object 7"/>
+          <p:cNvPicPr/>
+          <p:nvPr/>
+        </p:nvPicPr>
+        <p:blipFill>
+          <a:blip r:embed="rId2" cstate="print"/>
+          <a:stretch>
+            <a:fillRect/>
+          </a:stretch>
+        </p:blipFill>
+        <p:spPr>
+          <a:xfrm>
+            <a:off x="7851647" y="2447544"/>
+            <a:ext cx="4253484" cy="2836164"/>
+          </a:xfrm>
+          <a:prstGeom prst="rect">
+            <a:avLst/>
+          </a:prstGeom>
+        </p:spPr>
+      </p:pic>
+      <p:sp>
+        <p:nvSpPr>
+          <p:cNvPr id="9" name="object 9"/>
+          <p:cNvSpPr txBox="1"/>
+          <p:nvPr/>
+        </p:nvSpPr>
+        <p:spPr>
+          <a:xfrm>
+            <a:off x="1419225" y="1275281"/>
+            <a:ext cx="6280785" cy="5146922"/>
+          </a:xfrm>
+          <a:prstGeom prst="rect">
+            <a:avLst/>
+          </a:prstGeom>
+        </p:spPr>
+        <p:txBody>
+          <a:bodyPr vert="horz" wrap="square" lIns="0" tIns="45085" rIns="0" bIns="0" rtlCol="0">
+            <a:spAutoFit/>
+          </a:bodyPr>
+          <a:lstStyle/>
+          <a:p>
+            <a:pPr marL="241300" indent="-228600">
+              <a:lnSpc>
+                <a:spcPct val="100000"/>
+              </a:lnSpc>
+              <a:spcBef>
+                <a:spcPts val="355"/>
+              </a:spcBef>
+              <a:buClr>
+                <a:srgbClr val="8DC53E"/>
+              </a:buClr>
+              <a:buFont typeface="Arial MT"/>
+              <a:buChar char="•"/>
+              <a:tabLst>
+                <a:tab pos="240665" algn="l"/>
+                <a:tab pos="241300" algn="l"/>
+              </a:tabLst>
+            </a:pPr>
+            <a:r>
+              <a:rPr sz="2000" spc="-25" dirty="0">
+                <a:solidFill>
+                  <a:srgbClr val="5F5F61"/>
+                </a:solidFill>
+                <a:latin typeface="Franklin Gothic Medium"/>
+                <a:cs typeface="Franklin Gothic Medium"/>
+              </a:rPr>
+              <a:t>Data</a:t>
+            </a:r>
+            <a:r>
+              <a:rPr sz="2000" spc="-5" dirty="0">
+                <a:solidFill>
+                  <a:srgbClr val="5F5F61"/>
+                </a:solidFill>
+                <a:latin typeface="Franklin Gothic Medium"/>
+                <a:cs typeface="Franklin Gothic Medium"/>
+              </a:rPr>
+              <a:t> </a:t>
+            </a:r>
+            <a:r>
+              <a:rPr sz="2000" spc="-15" dirty="0">
+                <a:solidFill>
+                  <a:srgbClr val="5F5F61"/>
+                </a:solidFill>
+                <a:latin typeface="Franklin Gothic Medium"/>
+                <a:cs typeface="Franklin Gothic Medium"/>
+              </a:rPr>
+              <a:t>Center</a:t>
+            </a:r>
+            <a:r>
+              <a:rPr sz="2000" spc="-20" dirty="0">
+                <a:solidFill>
+                  <a:srgbClr val="5F5F61"/>
+                </a:solidFill>
+                <a:latin typeface="Franklin Gothic Medium"/>
+                <a:cs typeface="Franklin Gothic Medium"/>
+              </a:rPr>
+              <a:t> </a:t>
+            </a:r>
+            <a:r>
+              <a:rPr sz="2000" spc="-35" dirty="0">
+                <a:solidFill>
+                  <a:srgbClr val="5F5F61"/>
+                </a:solidFill>
+                <a:latin typeface="Franklin Gothic Medium"/>
+                <a:cs typeface="Franklin Gothic Medium"/>
+              </a:rPr>
+              <a:t>Network</a:t>
+            </a:r>
+            <a:r>
+              <a:rPr sz="2000" spc="-30" dirty="0">
+                <a:solidFill>
+                  <a:srgbClr val="5F5F61"/>
+                </a:solidFill>
+                <a:latin typeface="Franklin Gothic Medium"/>
+                <a:cs typeface="Franklin Gothic Medium"/>
+              </a:rPr>
+              <a:t> </a:t>
+            </a:r>
+            <a:r>
+              <a:rPr sz="2000" spc="-10" dirty="0">
+                <a:solidFill>
+                  <a:srgbClr val="5F5F61"/>
+                </a:solidFill>
+                <a:latin typeface="Franklin Gothic Medium"/>
+                <a:cs typeface="Franklin Gothic Medium"/>
+              </a:rPr>
+              <a:t>is</a:t>
+            </a:r>
+            <a:r>
+              <a:rPr sz="2000" spc="-15" dirty="0">
+                <a:solidFill>
+                  <a:srgbClr val="5F5F61"/>
+                </a:solidFill>
+                <a:latin typeface="Franklin Gothic Medium"/>
+                <a:cs typeface="Franklin Gothic Medium"/>
+              </a:rPr>
+              <a:t> the</a:t>
+            </a:r>
+            <a:r>
+              <a:rPr sz="2000" spc="-10" dirty="0">
+                <a:solidFill>
+                  <a:srgbClr val="5F5F61"/>
+                </a:solidFill>
+                <a:latin typeface="Franklin Gothic Medium"/>
+                <a:cs typeface="Franklin Gothic Medium"/>
+              </a:rPr>
+              <a:t> </a:t>
+            </a:r>
+            <a:r>
+              <a:rPr sz="2000" spc="-20" dirty="0">
+                <a:solidFill>
+                  <a:srgbClr val="5F5F61"/>
+                </a:solidFill>
+                <a:latin typeface="Franklin Gothic Medium"/>
+                <a:cs typeface="Franklin Gothic Medium"/>
+              </a:rPr>
+              <a:t>Fabric</a:t>
+            </a:r>
+            <a:endParaRPr sz="2000" dirty="0">
+              <a:latin typeface="Franklin Gothic Medium"/>
+              <a:cs typeface="Franklin Gothic Medium"/>
+            </a:endParaRPr>
+          </a:p>
+          <a:p>
+            <a:pPr marL="469900" lvl="1" indent="-228600">
+              <a:lnSpc>
+                <a:spcPct val="100000"/>
+              </a:lnSpc>
+              <a:spcBef>
+                <a:spcPts val="254"/>
+              </a:spcBef>
+              <a:buClr>
+                <a:srgbClr val="8DC53E"/>
+              </a:buClr>
+              <a:buFont typeface="Cambria Math"/>
+              <a:buChar char="–"/>
+              <a:tabLst>
+                <a:tab pos="469900" algn="l"/>
+              </a:tabLst>
+            </a:pPr>
+            <a:r>
+              <a:rPr sz="2000" spc="-25" dirty="0">
+                <a:solidFill>
+                  <a:srgbClr val="5F5F61"/>
+                </a:solidFill>
+                <a:latin typeface="Franklin Gothic Medium"/>
+                <a:cs typeface="Franklin Gothic Medium"/>
+              </a:rPr>
+              <a:t>Ultra-Path</a:t>
+            </a:r>
+            <a:r>
+              <a:rPr sz="2000" spc="10" dirty="0">
+                <a:solidFill>
+                  <a:srgbClr val="5F5F61"/>
+                </a:solidFill>
+                <a:latin typeface="Franklin Gothic Medium"/>
+                <a:cs typeface="Franklin Gothic Medium"/>
+              </a:rPr>
+              <a:t> </a:t>
+            </a:r>
+            <a:r>
+              <a:rPr sz="2000" spc="-15" dirty="0">
+                <a:solidFill>
+                  <a:srgbClr val="5F5F61"/>
+                </a:solidFill>
+                <a:latin typeface="Franklin Gothic Medium"/>
+                <a:cs typeface="Franklin Gothic Medium"/>
+              </a:rPr>
+              <a:t>Interconnect</a:t>
+            </a:r>
+            <a:r>
+              <a:rPr sz="2000" spc="-25" dirty="0">
+                <a:solidFill>
+                  <a:srgbClr val="5F5F61"/>
+                </a:solidFill>
+                <a:latin typeface="Franklin Gothic Medium"/>
+                <a:cs typeface="Franklin Gothic Medium"/>
+              </a:rPr>
+              <a:t> (UPI)</a:t>
+            </a:r>
+            <a:r>
+              <a:rPr sz="2000" spc="-15" dirty="0">
+                <a:solidFill>
+                  <a:srgbClr val="5F5F61"/>
+                </a:solidFill>
+                <a:latin typeface="Franklin Gothic Medium"/>
+                <a:cs typeface="Franklin Gothic Medium"/>
+              </a:rPr>
+              <a:t> </a:t>
+            </a:r>
+            <a:r>
+              <a:rPr sz="2000" spc="-25" dirty="0">
+                <a:solidFill>
+                  <a:srgbClr val="5F5F61"/>
+                </a:solidFill>
+                <a:latin typeface="Franklin Gothic Medium"/>
+                <a:cs typeface="Franklin Gothic Medium"/>
+              </a:rPr>
+              <a:t>over</a:t>
+            </a:r>
+            <a:r>
+              <a:rPr sz="2000" spc="-10" dirty="0">
+                <a:solidFill>
+                  <a:srgbClr val="5F5F61"/>
+                </a:solidFill>
+                <a:latin typeface="Franklin Gothic Medium"/>
+                <a:cs typeface="Franklin Gothic Medium"/>
+              </a:rPr>
+              <a:t> </a:t>
+            </a:r>
+            <a:r>
+              <a:rPr sz="2000" spc="-20" dirty="0">
+                <a:solidFill>
+                  <a:srgbClr val="5F5F61"/>
+                </a:solidFill>
+                <a:latin typeface="Franklin Gothic Medium"/>
+                <a:cs typeface="Franklin Gothic Medium"/>
+              </a:rPr>
+              <a:t>the</a:t>
+            </a:r>
+            <a:r>
+              <a:rPr sz="2000" spc="-10" dirty="0">
+                <a:solidFill>
+                  <a:srgbClr val="5F5F61"/>
+                </a:solidFill>
+                <a:latin typeface="Franklin Gothic Medium"/>
+                <a:cs typeface="Franklin Gothic Medium"/>
+              </a:rPr>
+              <a:t> </a:t>
+            </a:r>
+            <a:r>
+              <a:rPr sz="2000" spc="-35" dirty="0">
+                <a:solidFill>
+                  <a:srgbClr val="5F5F61"/>
+                </a:solidFill>
+                <a:latin typeface="Franklin Gothic Medium"/>
+                <a:cs typeface="Franklin Gothic Medium"/>
+              </a:rPr>
+              <a:t>network</a:t>
+            </a:r>
+            <a:endParaRPr sz="2000" dirty="0">
+              <a:latin typeface="Franklin Gothic Medium"/>
+              <a:cs typeface="Franklin Gothic Medium"/>
+            </a:endParaRPr>
+          </a:p>
+          <a:p>
+            <a:pPr marL="469900" marR="26034" lvl="1" indent="-228600">
+              <a:lnSpc>
+                <a:spcPts val="2160"/>
+              </a:lnSpc>
+              <a:spcBef>
+                <a:spcPts val="535"/>
+              </a:spcBef>
+              <a:buClr>
+                <a:srgbClr val="8DC53E"/>
+              </a:buClr>
+              <a:buFont typeface="Cambria Math"/>
+              <a:buChar char="–"/>
+              <a:tabLst>
+                <a:tab pos="469900" algn="l"/>
+              </a:tabLst>
+            </a:pPr>
+            <a:r>
+              <a:rPr sz="2000" spc="-15" dirty="0">
+                <a:solidFill>
+                  <a:srgbClr val="5F5F61"/>
+                </a:solidFill>
+                <a:latin typeface="Franklin Gothic Medium"/>
+                <a:cs typeface="Franklin Gothic Medium"/>
+              </a:rPr>
+              <a:t>Input-Output</a:t>
+            </a:r>
+            <a:r>
+              <a:rPr sz="2000" spc="-5" dirty="0">
+                <a:solidFill>
+                  <a:srgbClr val="5F5F61"/>
+                </a:solidFill>
+                <a:latin typeface="Franklin Gothic Medium"/>
+                <a:cs typeface="Franklin Gothic Medium"/>
+              </a:rPr>
+              <a:t> </a:t>
+            </a:r>
+            <a:r>
+              <a:rPr sz="2000" spc="-25" dirty="0">
+                <a:solidFill>
+                  <a:srgbClr val="5F5F61"/>
+                </a:solidFill>
+                <a:latin typeface="Franklin Gothic Medium"/>
+                <a:cs typeface="Franklin Gothic Medium"/>
+              </a:rPr>
+              <a:t>Memory</a:t>
+            </a:r>
+            <a:r>
+              <a:rPr sz="2000" spc="-15" dirty="0">
+                <a:solidFill>
+                  <a:srgbClr val="5F5F61"/>
+                </a:solidFill>
+                <a:latin typeface="Franklin Gothic Medium"/>
+                <a:cs typeface="Franklin Gothic Medium"/>
+              </a:rPr>
+              <a:t> </a:t>
+            </a:r>
+            <a:r>
+              <a:rPr sz="2000" spc="-25" dirty="0">
+                <a:solidFill>
+                  <a:srgbClr val="5F5F61"/>
+                </a:solidFill>
+                <a:latin typeface="Franklin Gothic Medium"/>
+                <a:cs typeface="Franklin Gothic Medium"/>
+              </a:rPr>
+              <a:t>Management</a:t>
+            </a:r>
+            <a:r>
+              <a:rPr sz="2000" spc="-15" dirty="0">
+                <a:solidFill>
+                  <a:srgbClr val="5F5F61"/>
+                </a:solidFill>
+                <a:latin typeface="Franklin Gothic Medium"/>
+                <a:cs typeface="Franklin Gothic Medium"/>
+              </a:rPr>
+              <a:t> Unit</a:t>
+            </a:r>
+            <a:r>
+              <a:rPr sz="2000" dirty="0">
+                <a:solidFill>
+                  <a:srgbClr val="5F5F61"/>
+                </a:solidFill>
+                <a:latin typeface="Franklin Gothic Medium"/>
+                <a:cs typeface="Franklin Gothic Medium"/>
+              </a:rPr>
+              <a:t> </a:t>
+            </a:r>
+            <a:r>
+              <a:rPr sz="2000" spc="-5" dirty="0">
+                <a:solidFill>
+                  <a:srgbClr val="5F5F61"/>
+                </a:solidFill>
+                <a:latin typeface="Franklin Gothic Medium"/>
+                <a:cs typeface="Franklin Gothic Medium"/>
+              </a:rPr>
+              <a:t>(IOMMU) </a:t>
+            </a:r>
+            <a:r>
+              <a:rPr sz="2000" spc="-25" dirty="0">
+                <a:solidFill>
+                  <a:srgbClr val="5F5F61"/>
+                </a:solidFill>
+                <a:latin typeface="Franklin Gothic Medium"/>
+                <a:cs typeface="Franklin Gothic Medium"/>
+              </a:rPr>
+              <a:t>over </a:t>
+            </a:r>
+            <a:r>
+              <a:rPr sz="2000" spc="-484" dirty="0">
+                <a:solidFill>
+                  <a:srgbClr val="5F5F61"/>
+                </a:solidFill>
+                <a:latin typeface="Franklin Gothic Medium"/>
+                <a:cs typeface="Franklin Gothic Medium"/>
+              </a:rPr>
+              <a:t> </a:t>
+            </a:r>
+            <a:r>
+              <a:rPr sz="2000" spc="-20" dirty="0">
+                <a:solidFill>
+                  <a:srgbClr val="5F5F61"/>
+                </a:solidFill>
+                <a:latin typeface="Franklin Gothic Medium"/>
+                <a:cs typeface="Franklin Gothic Medium"/>
+              </a:rPr>
+              <a:t>the</a:t>
+            </a:r>
+            <a:r>
+              <a:rPr sz="2000" spc="-15" dirty="0">
+                <a:solidFill>
+                  <a:srgbClr val="5F5F61"/>
+                </a:solidFill>
+                <a:latin typeface="Franklin Gothic Medium"/>
+                <a:cs typeface="Franklin Gothic Medium"/>
+              </a:rPr>
+              <a:t> </a:t>
+            </a:r>
+            <a:r>
+              <a:rPr sz="2000" spc="-35" dirty="0">
+                <a:solidFill>
+                  <a:srgbClr val="5F5F61"/>
+                </a:solidFill>
+                <a:latin typeface="Franklin Gothic Medium"/>
+                <a:cs typeface="Franklin Gothic Medium"/>
+              </a:rPr>
+              <a:t>network</a:t>
+            </a:r>
+            <a:endParaRPr sz="2000" dirty="0">
+              <a:latin typeface="Franklin Gothic Medium"/>
+              <a:cs typeface="Franklin Gothic Medium"/>
+            </a:endParaRPr>
+          </a:p>
+          <a:p>
+            <a:pPr marL="241300" indent="-228600">
+              <a:lnSpc>
+                <a:spcPct val="100000"/>
+              </a:lnSpc>
+              <a:spcBef>
+                <a:spcPts val="725"/>
+              </a:spcBef>
+              <a:buClr>
+                <a:srgbClr val="8DC53E"/>
+              </a:buClr>
+              <a:buFont typeface="Arial MT"/>
+              <a:buChar char="•"/>
+              <a:tabLst>
+                <a:tab pos="240665" algn="l"/>
+                <a:tab pos="241300" algn="l"/>
+              </a:tabLst>
+            </a:pPr>
+            <a:r>
+              <a:rPr sz="2000" spc="-10" dirty="0">
+                <a:solidFill>
+                  <a:srgbClr val="5F5F61"/>
+                </a:solidFill>
+                <a:latin typeface="Franklin Gothic Medium"/>
+                <a:cs typeface="Franklin Gothic Medium"/>
+              </a:rPr>
+              <a:t>Can</a:t>
+            </a:r>
+            <a:r>
+              <a:rPr sz="2000" spc="-5" dirty="0">
+                <a:solidFill>
+                  <a:srgbClr val="5F5F61"/>
+                </a:solidFill>
+                <a:latin typeface="Franklin Gothic Medium"/>
+                <a:cs typeface="Franklin Gothic Medium"/>
+              </a:rPr>
+              <a:t> </a:t>
+            </a:r>
+            <a:r>
+              <a:rPr sz="2000" spc="-50" dirty="0">
+                <a:solidFill>
+                  <a:srgbClr val="5F5F61"/>
+                </a:solidFill>
+                <a:latin typeface="Franklin Gothic Medium"/>
+                <a:cs typeface="Franklin Gothic Medium"/>
+              </a:rPr>
+              <a:t>we</a:t>
+            </a:r>
+            <a:r>
+              <a:rPr sz="2000" spc="-20" dirty="0">
+                <a:solidFill>
+                  <a:srgbClr val="5F5F61"/>
+                </a:solidFill>
+                <a:latin typeface="Franklin Gothic Medium"/>
+                <a:cs typeface="Franklin Gothic Medium"/>
+              </a:rPr>
+              <a:t> </a:t>
+            </a:r>
+            <a:r>
+              <a:rPr sz="2000" spc="-40" dirty="0">
+                <a:solidFill>
+                  <a:srgbClr val="5F5F61"/>
+                </a:solidFill>
+                <a:latin typeface="Franklin Gothic Medium"/>
+                <a:cs typeface="Franklin Gothic Medium"/>
+              </a:rPr>
+              <a:t>program</a:t>
+            </a:r>
+            <a:r>
+              <a:rPr sz="2000" spc="-15" dirty="0">
+                <a:solidFill>
+                  <a:srgbClr val="5F5F61"/>
+                </a:solidFill>
+                <a:latin typeface="Franklin Gothic Medium"/>
+                <a:cs typeface="Franklin Gothic Medium"/>
+              </a:rPr>
+              <a:t> </a:t>
+            </a:r>
+            <a:r>
+              <a:rPr sz="2000" spc="-25" dirty="0">
+                <a:solidFill>
+                  <a:srgbClr val="5F5F61"/>
+                </a:solidFill>
+                <a:latin typeface="Franklin Gothic Medium"/>
+                <a:cs typeface="Franklin Gothic Medium"/>
+              </a:rPr>
+              <a:t>a</a:t>
+            </a:r>
+            <a:r>
+              <a:rPr sz="2000" spc="5" dirty="0">
+                <a:solidFill>
+                  <a:srgbClr val="5F5F61"/>
+                </a:solidFill>
+                <a:latin typeface="Franklin Gothic Medium"/>
+                <a:cs typeface="Franklin Gothic Medium"/>
+              </a:rPr>
+              <a:t> </a:t>
+            </a:r>
+            <a:r>
+              <a:rPr sz="2000" spc="-5" dirty="0">
+                <a:solidFill>
+                  <a:srgbClr val="5F5F61"/>
+                </a:solidFill>
+                <a:latin typeface="Franklin Gothic Medium"/>
+                <a:cs typeface="Franklin Gothic Medium"/>
+              </a:rPr>
+              <a:t>DC</a:t>
+            </a:r>
+            <a:r>
+              <a:rPr sz="2000" spc="-15" dirty="0">
+                <a:solidFill>
+                  <a:srgbClr val="5F5F61"/>
+                </a:solidFill>
+                <a:latin typeface="Franklin Gothic Medium"/>
+                <a:cs typeface="Franklin Gothic Medium"/>
+              </a:rPr>
+              <a:t> </a:t>
+            </a:r>
+            <a:r>
+              <a:rPr sz="2000" spc="-50" dirty="0">
+                <a:solidFill>
+                  <a:srgbClr val="5F5F61"/>
+                </a:solidFill>
+                <a:latin typeface="Franklin Gothic Medium"/>
+                <a:cs typeface="Franklin Gothic Medium"/>
+              </a:rPr>
+              <a:t>like</a:t>
+            </a:r>
+            <a:r>
+              <a:rPr sz="2000" dirty="0">
+                <a:solidFill>
+                  <a:srgbClr val="5F5F61"/>
+                </a:solidFill>
+                <a:latin typeface="Franklin Gothic Medium"/>
+                <a:cs typeface="Franklin Gothic Medium"/>
+              </a:rPr>
+              <a:t> </a:t>
+            </a:r>
+            <a:r>
+              <a:rPr sz="2000" spc="-25" dirty="0">
+                <a:solidFill>
+                  <a:srgbClr val="5F5F61"/>
+                </a:solidFill>
+                <a:latin typeface="Franklin Gothic Medium"/>
+                <a:cs typeface="Franklin Gothic Medium"/>
+              </a:rPr>
+              <a:t>a</a:t>
+            </a:r>
+            <a:r>
+              <a:rPr sz="2000" spc="5" dirty="0">
+                <a:solidFill>
+                  <a:srgbClr val="5F5F61"/>
+                </a:solidFill>
+                <a:latin typeface="Franklin Gothic Medium"/>
+                <a:cs typeface="Franklin Gothic Medium"/>
+              </a:rPr>
+              <a:t> </a:t>
+            </a:r>
+            <a:r>
+              <a:rPr sz="2000" spc="-30" dirty="0">
+                <a:solidFill>
+                  <a:srgbClr val="5F5F61"/>
+                </a:solidFill>
+                <a:latin typeface="Franklin Gothic Medium"/>
+                <a:cs typeface="Franklin Gothic Medium"/>
+              </a:rPr>
+              <a:t>PC?</a:t>
+            </a:r>
+            <a:endParaRPr sz="2000" dirty="0">
+              <a:latin typeface="Franklin Gothic Medium"/>
+              <a:cs typeface="Franklin Gothic Medium"/>
+            </a:endParaRPr>
+          </a:p>
+          <a:p>
+            <a:pPr marL="469900" lvl="1" indent="-228600">
+              <a:lnSpc>
+                <a:spcPct val="100000"/>
+              </a:lnSpc>
+              <a:spcBef>
+                <a:spcPts val="265"/>
+              </a:spcBef>
+              <a:buClr>
+                <a:srgbClr val="8DC53E"/>
+              </a:buClr>
+              <a:buFont typeface="Cambria Math"/>
+              <a:buChar char="–"/>
+              <a:tabLst>
+                <a:tab pos="469900" algn="l"/>
+              </a:tabLst>
+            </a:pPr>
+            <a:r>
+              <a:rPr sz="2000" spc="-90" dirty="0">
+                <a:solidFill>
+                  <a:srgbClr val="5F5F61"/>
+                </a:solidFill>
+                <a:latin typeface="Franklin Gothic Medium"/>
+                <a:cs typeface="Franklin Gothic Medium"/>
+              </a:rPr>
+              <a:t>We</a:t>
+            </a:r>
+            <a:r>
+              <a:rPr sz="2000" spc="-15" dirty="0">
+                <a:solidFill>
+                  <a:srgbClr val="5F5F61"/>
+                </a:solidFill>
+                <a:latin typeface="Franklin Gothic Medium"/>
+                <a:cs typeface="Franklin Gothic Medium"/>
+              </a:rPr>
+              <a:t> </a:t>
+            </a:r>
+            <a:r>
+              <a:rPr sz="2000" spc="-40" dirty="0">
+                <a:solidFill>
+                  <a:srgbClr val="5F5F61"/>
+                </a:solidFill>
+                <a:latin typeface="Franklin Gothic Medium"/>
+                <a:cs typeface="Franklin Gothic Medium"/>
+              </a:rPr>
+              <a:t>know</a:t>
+            </a:r>
+            <a:r>
+              <a:rPr sz="2000" spc="-35" dirty="0">
+                <a:solidFill>
+                  <a:srgbClr val="5F5F61"/>
+                </a:solidFill>
+                <a:latin typeface="Franklin Gothic Medium"/>
+                <a:cs typeface="Franklin Gothic Medium"/>
+              </a:rPr>
+              <a:t> </a:t>
+            </a:r>
+            <a:r>
+              <a:rPr sz="2000" spc="-40" dirty="0">
+                <a:solidFill>
+                  <a:srgbClr val="5F5F61"/>
+                </a:solidFill>
+                <a:latin typeface="Franklin Gothic Medium"/>
+                <a:cs typeface="Franklin Gothic Medium"/>
+              </a:rPr>
+              <a:t>how</a:t>
+            </a:r>
+            <a:r>
+              <a:rPr sz="2000" spc="-20" dirty="0">
+                <a:solidFill>
+                  <a:srgbClr val="5F5F61"/>
+                </a:solidFill>
+                <a:latin typeface="Franklin Gothic Medium"/>
+                <a:cs typeface="Franklin Gothic Medium"/>
+              </a:rPr>
+              <a:t> </a:t>
+            </a:r>
+            <a:r>
+              <a:rPr sz="2000" spc="-45" dirty="0">
+                <a:solidFill>
+                  <a:srgbClr val="5F5F61"/>
+                </a:solidFill>
+                <a:latin typeface="Franklin Gothic Medium"/>
+                <a:cs typeface="Franklin Gothic Medium"/>
+              </a:rPr>
+              <a:t>to</a:t>
+            </a:r>
+            <a:r>
+              <a:rPr sz="2000" spc="-10" dirty="0">
+                <a:solidFill>
+                  <a:srgbClr val="5F5F61"/>
+                </a:solidFill>
+                <a:latin typeface="Franklin Gothic Medium"/>
+                <a:cs typeface="Franklin Gothic Medium"/>
+              </a:rPr>
+              <a:t> </a:t>
+            </a:r>
+            <a:r>
+              <a:rPr sz="2000" spc="-40" dirty="0">
+                <a:solidFill>
+                  <a:srgbClr val="5F5F61"/>
+                </a:solidFill>
+                <a:latin typeface="Franklin Gothic Medium"/>
+                <a:cs typeface="Franklin Gothic Medium"/>
+              </a:rPr>
+              <a:t>program</a:t>
+            </a:r>
+            <a:r>
+              <a:rPr sz="2000" spc="-5" dirty="0">
+                <a:solidFill>
+                  <a:srgbClr val="5F5F61"/>
+                </a:solidFill>
+                <a:latin typeface="Franklin Gothic Medium"/>
+                <a:cs typeface="Franklin Gothic Medium"/>
+              </a:rPr>
+              <a:t> </a:t>
+            </a:r>
+            <a:r>
+              <a:rPr sz="2000" spc="-25" dirty="0">
+                <a:solidFill>
+                  <a:srgbClr val="5F5F61"/>
+                </a:solidFill>
+                <a:latin typeface="Franklin Gothic Medium"/>
+                <a:cs typeface="Franklin Gothic Medium"/>
+              </a:rPr>
+              <a:t>a</a:t>
+            </a:r>
+            <a:r>
+              <a:rPr sz="2000" dirty="0">
+                <a:solidFill>
+                  <a:srgbClr val="5F5F61"/>
+                </a:solidFill>
+                <a:latin typeface="Franklin Gothic Medium"/>
+                <a:cs typeface="Franklin Gothic Medium"/>
+              </a:rPr>
+              <a:t> </a:t>
+            </a:r>
+            <a:r>
+              <a:rPr sz="2000" spc="-25" dirty="0">
+                <a:solidFill>
+                  <a:srgbClr val="5F5F61"/>
+                </a:solidFill>
+                <a:latin typeface="Franklin Gothic Medium"/>
+                <a:cs typeface="Franklin Gothic Medium"/>
+              </a:rPr>
+              <a:t>Personal</a:t>
+            </a:r>
+            <a:r>
+              <a:rPr sz="2000" spc="-10" dirty="0">
+                <a:solidFill>
+                  <a:srgbClr val="5F5F61"/>
+                </a:solidFill>
+                <a:latin typeface="Franklin Gothic Medium"/>
+                <a:cs typeface="Franklin Gothic Medium"/>
+              </a:rPr>
+              <a:t> </a:t>
+            </a:r>
+            <a:r>
+              <a:rPr sz="2000" spc="-30" dirty="0">
+                <a:solidFill>
+                  <a:srgbClr val="5F5F61"/>
+                </a:solidFill>
+                <a:latin typeface="Franklin Gothic Medium"/>
+                <a:cs typeface="Franklin Gothic Medium"/>
+              </a:rPr>
+              <a:t>Computer</a:t>
+            </a:r>
+            <a:r>
+              <a:rPr sz="2000" spc="-25" dirty="0">
+                <a:solidFill>
+                  <a:srgbClr val="5F5F61"/>
+                </a:solidFill>
+                <a:latin typeface="Franklin Gothic Medium"/>
+                <a:cs typeface="Franklin Gothic Medium"/>
+              </a:rPr>
+              <a:t> </a:t>
+            </a:r>
+            <a:r>
+              <a:rPr sz="2000" spc="-30" dirty="0">
+                <a:solidFill>
+                  <a:srgbClr val="5F5F61"/>
+                </a:solidFill>
+                <a:latin typeface="Franklin Gothic Medium"/>
+                <a:cs typeface="Franklin Gothic Medium"/>
+              </a:rPr>
+              <a:t>well.</a:t>
+            </a:r>
+            <a:endParaRPr sz="2000" dirty="0">
+              <a:latin typeface="Franklin Gothic Medium"/>
+              <a:cs typeface="Franklin Gothic Medium"/>
+            </a:endParaRPr>
+          </a:p>
+          <a:p>
+            <a:pPr marL="469900" marR="461645" lvl="1" indent="-228600">
+              <a:lnSpc>
+                <a:spcPts val="2160"/>
+              </a:lnSpc>
+              <a:spcBef>
+                <a:spcPts val="535"/>
+              </a:spcBef>
+              <a:buClr>
+                <a:srgbClr val="8DC53E"/>
+              </a:buClr>
+              <a:buFont typeface="Cambria Math"/>
+              <a:buChar char="–"/>
+              <a:tabLst>
+                <a:tab pos="469900" algn="l"/>
+              </a:tabLst>
+            </a:pPr>
+            <a:r>
+              <a:rPr sz="2000" spc="-20" dirty="0">
+                <a:solidFill>
+                  <a:srgbClr val="5F5F61"/>
+                </a:solidFill>
+                <a:latin typeface="Franklin Gothic Medium"/>
+                <a:cs typeface="Franklin Gothic Medium"/>
+              </a:rPr>
+              <a:t>Precise</a:t>
+            </a:r>
+            <a:r>
+              <a:rPr sz="2000" spc="-15" dirty="0">
+                <a:solidFill>
+                  <a:srgbClr val="5F5F61"/>
+                </a:solidFill>
+                <a:latin typeface="Franklin Gothic Medium"/>
+                <a:cs typeface="Franklin Gothic Medium"/>
+              </a:rPr>
+              <a:t> </a:t>
+            </a:r>
+            <a:r>
+              <a:rPr sz="2000" spc="-50" dirty="0">
+                <a:solidFill>
+                  <a:srgbClr val="5F5F61"/>
+                </a:solidFill>
+                <a:latin typeface="Franklin Gothic Medium"/>
+                <a:cs typeface="Franklin Gothic Medium"/>
+              </a:rPr>
+              <a:t>time</a:t>
+            </a:r>
+            <a:r>
+              <a:rPr sz="2000" spc="-10" dirty="0">
+                <a:solidFill>
+                  <a:srgbClr val="5F5F61"/>
+                </a:solidFill>
+                <a:latin typeface="Franklin Gothic Medium"/>
+                <a:cs typeface="Franklin Gothic Medium"/>
+              </a:rPr>
+              <a:t> can</a:t>
+            </a:r>
+            <a:r>
+              <a:rPr sz="2000" spc="5" dirty="0">
+                <a:solidFill>
+                  <a:srgbClr val="5F5F61"/>
+                </a:solidFill>
+                <a:latin typeface="Franklin Gothic Medium"/>
+                <a:cs typeface="Franklin Gothic Medium"/>
+              </a:rPr>
+              <a:t> </a:t>
+            </a:r>
+            <a:r>
+              <a:rPr sz="2000" spc="-20" dirty="0">
+                <a:solidFill>
+                  <a:srgbClr val="5F5F61"/>
+                </a:solidFill>
+                <a:latin typeface="Franklin Gothic Medium"/>
+                <a:cs typeface="Franklin Gothic Medium"/>
+              </a:rPr>
+              <a:t>help</a:t>
+            </a:r>
+            <a:r>
+              <a:rPr sz="2000" spc="-15" dirty="0">
+                <a:solidFill>
+                  <a:srgbClr val="5F5F61"/>
+                </a:solidFill>
+                <a:latin typeface="Franklin Gothic Medium"/>
+                <a:cs typeface="Franklin Gothic Medium"/>
+              </a:rPr>
+              <a:t> </a:t>
+            </a:r>
+            <a:r>
+              <a:rPr sz="2000" spc="10" dirty="0">
+                <a:solidFill>
+                  <a:srgbClr val="5F5F61"/>
+                </a:solidFill>
+                <a:latin typeface="Franklin Gothic Medium"/>
+                <a:cs typeface="Franklin Gothic Medium"/>
+              </a:rPr>
+              <a:t>us</a:t>
+            </a:r>
+            <a:r>
+              <a:rPr sz="2000" spc="5" dirty="0">
+                <a:solidFill>
+                  <a:srgbClr val="5F5F61"/>
+                </a:solidFill>
+                <a:latin typeface="Franklin Gothic Medium"/>
+                <a:cs typeface="Franklin Gothic Medium"/>
+              </a:rPr>
+              <a:t> </a:t>
+            </a:r>
+            <a:r>
+              <a:rPr sz="2000" spc="-40" dirty="0">
+                <a:solidFill>
+                  <a:srgbClr val="5F5F61"/>
+                </a:solidFill>
+                <a:latin typeface="Franklin Gothic Medium"/>
+                <a:cs typeface="Franklin Gothic Medium"/>
+              </a:rPr>
+              <a:t>program</a:t>
+            </a:r>
+            <a:r>
+              <a:rPr sz="2000" spc="-5" dirty="0">
+                <a:solidFill>
+                  <a:srgbClr val="5F5F61"/>
+                </a:solidFill>
+                <a:latin typeface="Franklin Gothic Medium"/>
+                <a:cs typeface="Franklin Gothic Medium"/>
+              </a:rPr>
+              <a:t> </a:t>
+            </a:r>
+            <a:r>
+              <a:rPr sz="2000" spc="-20" dirty="0">
+                <a:solidFill>
+                  <a:srgbClr val="5F5F61"/>
+                </a:solidFill>
+                <a:latin typeface="Franklin Gothic Medium"/>
+                <a:cs typeface="Franklin Gothic Medium"/>
+              </a:rPr>
+              <a:t>the</a:t>
+            </a:r>
+            <a:r>
+              <a:rPr sz="2000" spc="-10" dirty="0">
+                <a:solidFill>
+                  <a:srgbClr val="5F5F61"/>
+                </a:solidFill>
+                <a:latin typeface="Franklin Gothic Medium"/>
+                <a:cs typeface="Franklin Gothic Medium"/>
+              </a:rPr>
+              <a:t> </a:t>
+            </a:r>
+            <a:r>
+              <a:rPr sz="2000" spc="-25" dirty="0">
+                <a:solidFill>
+                  <a:srgbClr val="5F5F61"/>
+                </a:solidFill>
+                <a:latin typeface="Franklin Gothic Medium"/>
+                <a:cs typeface="Franklin Gothic Medium"/>
+              </a:rPr>
+              <a:t>Data</a:t>
+            </a:r>
+            <a:r>
+              <a:rPr sz="2000" spc="5" dirty="0">
+                <a:solidFill>
+                  <a:srgbClr val="5F5F61"/>
+                </a:solidFill>
+                <a:latin typeface="Franklin Gothic Medium"/>
+                <a:cs typeface="Franklin Gothic Medium"/>
+              </a:rPr>
+              <a:t> </a:t>
+            </a:r>
+            <a:r>
+              <a:rPr sz="2000" spc="-15" dirty="0">
+                <a:solidFill>
+                  <a:srgbClr val="5F5F61"/>
+                </a:solidFill>
+                <a:latin typeface="Franklin Gothic Medium"/>
+                <a:cs typeface="Franklin Gothic Medium"/>
+              </a:rPr>
+              <a:t>Center </a:t>
+            </a:r>
+            <a:r>
+              <a:rPr sz="2000" spc="-484" dirty="0">
+                <a:solidFill>
+                  <a:srgbClr val="5F5F61"/>
+                </a:solidFill>
+                <a:latin typeface="Franklin Gothic Medium"/>
+                <a:cs typeface="Franklin Gothic Medium"/>
+              </a:rPr>
+              <a:t> </a:t>
+            </a:r>
+            <a:r>
+              <a:rPr sz="2000" spc="-25" dirty="0">
+                <a:solidFill>
+                  <a:srgbClr val="5F5F61"/>
+                </a:solidFill>
+                <a:latin typeface="Franklin Gothic Medium"/>
+                <a:cs typeface="Franklin Gothic Medium"/>
+              </a:rPr>
+              <a:t>Better</a:t>
+            </a:r>
+            <a:endParaRPr sz="2000" dirty="0">
+              <a:latin typeface="Franklin Gothic Medium"/>
+              <a:cs typeface="Franklin Gothic Medium"/>
+            </a:endParaRPr>
+          </a:p>
+          <a:p>
+            <a:pPr marL="469900" lvl="1" indent="-228600">
+              <a:lnSpc>
+                <a:spcPct val="100000"/>
+              </a:lnSpc>
+              <a:spcBef>
+                <a:spcPts val="220"/>
+              </a:spcBef>
+              <a:buClr>
+                <a:srgbClr val="8DC53E"/>
+              </a:buClr>
+              <a:buFont typeface="Cambria Math"/>
+              <a:buChar char="–"/>
+              <a:tabLst>
+                <a:tab pos="469900" algn="l"/>
+              </a:tabLst>
+            </a:pPr>
+            <a:r>
+              <a:rPr sz="2000" spc="-70" dirty="0">
+                <a:solidFill>
+                  <a:srgbClr val="5F5F61"/>
+                </a:solidFill>
+                <a:latin typeface="Franklin Gothic Medium"/>
+                <a:cs typeface="Franklin Gothic Medium"/>
+              </a:rPr>
+              <a:t>All</a:t>
+            </a:r>
+            <a:r>
+              <a:rPr sz="2000" dirty="0">
+                <a:solidFill>
+                  <a:srgbClr val="5F5F61"/>
+                </a:solidFill>
+                <a:latin typeface="Franklin Gothic Medium"/>
+                <a:cs typeface="Franklin Gothic Medium"/>
+              </a:rPr>
+              <a:t> </a:t>
+            </a:r>
+            <a:r>
+              <a:rPr sz="2000" spc="-10" dirty="0">
+                <a:solidFill>
+                  <a:srgbClr val="5F5F61"/>
+                </a:solidFill>
+                <a:latin typeface="Franklin Gothic Medium"/>
+                <a:cs typeface="Franklin Gothic Medium"/>
+              </a:rPr>
+              <a:t>DC</a:t>
+            </a:r>
+            <a:r>
+              <a:rPr sz="2000" spc="10" dirty="0">
+                <a:solidFill>
+                  <a:srgbClr val="5F5F61"/>
+                </a:solidFill>
+                <a:latin typeface="Franklin Gothic Medium"/>
+                <a:cs typeface="Franklin Gothic Medium"/>
+              </a:rPr>
+              <a:t> </a:t>
+            </a:r>
+            <a:r>
+              <a:rPr sz="2000" spc="-30" dirty="0">
+                <a:solidFill>
+                  <a:srgbClr val="5F5F61"/>
+                </a:solidFill>
+                <a:latin typeface="Franklin Gothic Medium"/>
+                <a:cs typeface="Franklin Gothic Medium"/>
+              </a:rPr>
+              <a:t>equipment</a:t>
+            </a:r>
+            <a:r>
+              <a:rPr sz="2000" dirty="0">
+                <a:solidFill>
+                  <a:srgbClr val="5F5F61"/>
+                </a:solidFill>
+                <a:latin typeface="Franklin Gothic Medium"/>
+                <a:cs typeface="Franklin Gothic Medium"/>
+              </a:rPr>
+              <a:t> </a:t>
+            </a:r>
+            <a:r>
+              <a:rPr sz="2000" spc="-40" dirty="0">
+                <a:solidFill>
+                  <a:srgbClr val="5F5F61"/>
+                </a:solidFill>
+                <a:latin typeface="Franklin Gothic Medium"/>
+                <a:cs typeface="Franklin Gothic Medium"/>
+              </a:rPr>
+              <a:t>follows</a:t>
+            </a:r>
+            <a:r>
+              <a:rPr sz="2000" spc="-15" dirty="0">
+                <a:solidFill>
+                  <a:srgbClr val="5F5F61"/>
+                </a:solidFill>
+                <a:latin typeface="Franklin Gothic Medium"/>
+                <a:cs typeface="Franklin Gothic Medium"/>
+              </a:rPr>
+              <a:t> </a:t>
+            </a:r>
+            <a:r>
+              <a:rPr sz="2000" spc="-20" dirty="0">
+                <a:solidFill>
+                  <a:srgbClr val="5F5F61"/>
+                </a:solidFill>
+                <a:latin typeface="Franklin Gothic Medium"/>
+                <a:cs typeface="Franklin Gothic Medium"/>
+              </a:rPr>
+              <a:t>the</a:t>
+            </a:r>
+            <a:r>
+              <a:rPr sz="2000" spc="-15" dirty="0">
+                <a:solidFill>
+                  <a:srgbClr val="5F5F61"/>
+                </a:solidFill>
+                <a:latin typeface="Franklin Gothic Medium"/>
+                <a:cs typeface="Franklin Gothic Medium"/>
+              </a:rPr>
+              <a:t> </a:t>
+            </a:r>
+            <a:r>
+              <a:rPr sz="2000" spc="-35" dirty="0">
+                <a:solidFill>
+                  <a:srgbClr val="5F5F61"/>
+                </a:solidFill>
+                <a:latin typeface="Franklin Gothic Medium"/>
+                <a:cs typeface="Franklin Gothic Medium"/>
+              </a:rPr>
+              <a:t>same</a:t>
+            </a:r>
+            <a:r>
+              <a:rPr sz="2000" spc="5" dirty="0">
+                <a:solidFill>
+                  <a:srgbClr val="5F5F61"/>
+                </a:solidFill>
+                <a:latin typeface="Franklin Gothic Medium"/>
+                <a:cs typeface="Franklin Gothic Medium"/>
+              </a:rPr>
+              <a:t> </a:t>
+            </a:r>
+            <a:r>
+              <a:rPr sz="2000" spc="-10" dirty="0">
+                <a:solidFill>
+                  <a:srgbClr val="5F5F61"/>
+                </a:solidFill>
+                <a:latin typeface="Franklin Gothic Medium"/>
+                <a:cs typeface="Franklin Gothic Medium"/>
+              </a:rPr>
+              <a:t>precise</a:t>
+            </a:r>
+            <a:r>
+              <a:rPr sz="2000" spc="-5" dirty="0">
+                <a:solidFill>
+                  <a:srgbClr val="5F5F61"/>
+                </a:solidFill>
+                <a:latin typeface="Franklin Gothic Medium"/>
+                <a:cs typeface="Franklin Gothic Medium"/>
+              </a:rPr>
+              <a:t> </a:t>
+            </a:r>
+            <a:r>
+              <a:rPr sz="2000" spc="-50" dirty="0">
+                <a:solidFill>
+                  <a:srgbClr val="5F5F61"/>
+                </a:solidFill>
+                <a:latin typeface="Franklin Gothic Medium"/>
+                <a:cs typeface="Franklin Gothic Medium"/>
+              </a:rPr>
+              <a:t>time</a:t>
+            </a:r>
+            <a:r>
+              <a:rPr sz="2000" spc="-10" dirty="0">
+                <a:solidFill>
+                  <a:srgbClr val="5F5F61"/>
+                </a:solidFill>
+                <a:latin typeface="Franklin Gothic Medium"/>
+                <a:cs typeface="Franklin Gothic Medium"/>
+              </a:rPr>
+              <a:t> </a:t>
+            </a:r>
+            <a:r>
+              <a:rPr sz="2000" spc="-20" dirty="0">
+                <a:solidFill>
+                  <a:srgbClr val="5F5F61"/>
+                </a:solidFill>
+                <a:latin typeface="Franklin Gothic Medium"/>
+                <a:cs typeface="Franklin Gothic Medium"/>
+              </a:rPr>
+              <a:t>vector</a:t>
+            </a:r>
+            <a:endParaRPr sz="2000" dirty="0">
+              <a:latin typeface="Franklin Gothic Medium"/>
+              <a:cs typeface="Franklin Gothic Medium"/>
+            </a:endParaRPr>
+          </a:p>
+          <a:p>
+            <a:pPr marL="241300" indent="-228600">
+              <a:lnSpc>
+                <a:spcPct val="100000"/>
+              </a:lnSpc>
+              <a:spcBef>
+                <a:spcPts val="775"/>
+              </a:spcBef>
+              <a:buClr>
+                <a:srgbClr val="8DC53E"/>
+              </a:buClr>
+              <a:buFont typeface="Arial MT"/>
+              <a:buChar char="•"/>
+              <a:tabLst>
+                <a:tab pos="240665" algn="l"/>
+                <a:tab pos="241300" algn="l"/>
+              </a:tabLst>
+            </a:pPr>
+            <a:r>
+              <a:rPr sz="2000" spc="-15" dirty="0">
+                <a:solidFill>
+                  <a:srgbClr val="5F5F61"/>
+                </a:solidFill>
+                <a:latin typeface="Franklin Gothic Medium"/>
+                <a:cs typeface="Franklin Gothic Medium"/>
+              </a:rPr>
+              <a:t>Benefit:</a:t>
+            </a:r>
+            <a:endParaRPr sz="2000" dirty="0">
+              <a:latin typeface="Franklin Gothic Medium"/>
+              <a:cs typeface="Franklin Gothic Medium"/>
+            </a:endParaRPr>
+          </a:p>
+          <a:p>
+            <a:pPr marL="469900" lvl="1" indent="-228600">
+              <a:lnSpc>
+                <a:spcPct val="100000"/>
+              </a:lnSpc>
+              <a:spcBef>
+                <a:spcPts val="250"/>
+              </a:spcBef>
+              <a:buClr>
+                <a:srgbClr val="8DC53E"/>
+              </a:buClr>
+              <a:buFont typeface="Cambria Math"/>
+              <a:buChar char="–"/>
+              <a:tabLst>
+                <a:tab pos="469900" algn="l"/>
+              </a:tabLst>
+            </a:pPr>
+            <a:r>
+              <a:rPr sz="2000" spc="-10" dirty="0">
+                <a:solidFill>
+                  <a:srgbClr val="5F5F61"/>
+                </a:solidFill>
+                <a:latin typeface="Franklin Gothic Medium"/>
+                <a:cs typeface="Franklin Gothic Medium"/>
+              </a:rPr>
+              <a:t>Current</a:t>
+            </a:r>
+            <a:r>
+              <a:rPr sz="2000" spc="-5" dirty="0">
+                <a:solidFill>
+                  <a:srgbClr val="5F5F61"/>
+                </a:solidFill>
+                <a:latin typeface="Franklin Gothic Medium"/>
+                <a:cs typeface="Franklin Gothic Medium"/>
+              </a:rPr>
+              <a:t> </a:t>
+            </a:r>
+            <a:r>
+              <a:rPr sz="2000" spc="-25" dirty="0">
+                <a:solidFill>
+                  <a:srgbClr val="5F5F61"/>
+                </a:solidFill>
+                <a:latin typeface="Franklin Gothic Medium"/>
+                <a:cs typeface="Franklin Gothic Medium"/>
+              </a:rPr>
+              <a:t>data</a:t>
+            </a:r>
+            <a:r>
+              <a:rPr sz="2000" spc="-5" dirty="0">
+                <a:solidFill>
+                  <a:srgbClr val="5F5F61"/>
+                </a:solidFill>
+                <a:latin typeface="Franklin Gothic Medium"/>
+                <a:cs typeface="Franklin Gothic Medium"/>
+              </a:rPr>
+              <a:t> </a:t>
+            </a:r>
+            <a:r>
+              <a:rPr sz="2000" spc="-15" dirty="0">
+                <a:solidFill>
+                  <a:srgbClr val="5F5F61"/>
+                </a:solidFill>
+                <a:latin typeface="Franklin Gothic Medium"/>
+                <a:cs typeface="Franklin Gothic Medium"/>
+              </a:rPr>
+              <a:t>center</a:t>
+            </a:r>
+            <a:r>
+              <a:rPr sz="2000" spc="-10" dirty="0">
+                <a:solidFill>
+                  <a:srgbClr val="5F5F61"/>
+                </a:solidFill>
+                <a:latin typeface="Franklin Gothic Medium"/>
+                <a:cs typeface="Franklin Gothic Medium"/>
+              </a:rPr>
+              <a:t> </a:t>
+            </a:r>
+            <a:r>
+              <a:rPr sz="2000" spc="-15" dirty="0">
+                <a:solidFill>
+                  <a:srgbClr val="5F5F61"/>
+                </a:solidFill>
+                <a:latin typeface="Franklin Gothic Medium"/>
+                <a:cs typeface="Franklin Gothic Medium"/>
+              </a:rPr>
+              <a:t>loads</a:t>
+            </a:r>
+            <a:r>
+              <a:rPr sz="2000" spc="-10" dirty="0">
+                <a:solidFill>
+                  <a:srgbClr val="5F5F61"/>
+                </a:solidFill>
+                <a:latin typeface="Franklin Gothic Medium"/>
+                <a:cs typeface="Franklin Gothic Medium"/>
+              </a:rPr>
+              <a:t> are</a:t>
+            </a:r>
+            <a:r>
+              <a:rPr sz="2000" dirty="0">
+                <a:solidFill>
+                  <a:srgbClr val="5F5F61"/>
+                </a:solidFill>
+                <a:latin typeface="Franklin Gothic Medium"/>
+                <a:cs typeface="Franklin Gothic Medium"/>
+              </a:rPr>
+              <a:t> </a:t>
+            </a:r>
+            <a:r>
+              <a:rPr sz="2000" spc="-25" dirty="0">
+                <a:solidFill>
+                  <a:srgbClr val="5F5F61"/>
+                </a:solidFill>
+                <a:latin typeface="Franklin Gothic Medium"/>
+                <a:cs typeface="Franklin Gothic Medium"/>
+              </a:rPr>
+              <a:t>far</a:t>
+            </a:r>
+            <a:r>
+              <a:rPr sz="2000" spc="-5" dirty="0">
+                <a:solidFill>
+                  <a:srgbClr val="5F5F61"/>
+                </a:solidFill>
+                <a:latin typeface="Franklin Gothic Medium"/>
+                <a:cs typeface="Franklin Gothic Medium"/>
+              </a:rPr>
+              <a:t> </a:t>
+            </a:r>
+            <a:r>
+              <a:rPr sz="2000" spc="-50" dirty="0">
+                <a:solidFill>
+                  <a:srgbClr val="5F5F61"/>
+                </a:solidFill>
+                <a:latin typeface="Franklin Gothic Medium"/>
+                <a:cs typeface="Franklin Gothic Medium"/>
+              </a:rPr>
+              <a:t>from</a:t>
+            </a:r>
+            <a:r>
+              <a:rPr sz="2000" spc="-20" dirty="0">
+                <a:solidFill>
+                  <a:srgbClr val="5F5F61"/>
+                </a:solidFill>
+                <a:latin typeface="Franklin Gothic Medium"/>
+                <a:cs typeface="Franklin Gothic Medium"/>
+              </a:rPr>
+              <a:t> </a:t>
+            </a:r>
+            <a:r>
+              <a:rPr sz="2000" spc="-45" dirty="0">
+                <a:solidFill>
+                  <a:srgbClr val="5F5F61"/>
+                </a:solidFill>
+                <a:latin typeface="Franklin Gothic Medium"/>
+                <a:cs typeface="Franklin Gothic Medium"/>
+              </a:rPr>
+              <a:t>100%</a:t>
+            </a:r>
+            <a:endParaRPr sz="2000" dirty="0">
+              <a:latin typeface="Franklin Gothic Medium"/>
+              <a:cs typeface="Franklin Gothic Medium"/>
+            </a:endParaRPr>
+          </a:p>
+          <a:p>
+            <a:pPr marL="469900" marR="115570" lvl="1" indent="-228600">
+              <a:lnSpc>
+                <a:spcPts val="2160"/>
+              </a:lnSpc>
+              <a:spcBef>
+                <a:spcPts val="535"/>
+              </a:spcBef>
+              <a:buClr>
+                <a:srgbClr val="8DC53E"/>
+              </a:buClr>
+              <a:buFont typeface="Cambria Math"/>
+              <a:buChar char="–"/>
+              <a:tabLst>
+                <a:tab pos="469900" algn="l"/>
+                <a:tab pos="2094864" algn="l"/>
+              </a:tabLst>
+            </a:pPr>
+            <a:r>
+              <a:rPr sz="2000" spc="-30" dirty="0">
+                <a:solidFill>
+                  <a:srgbClr val="5F5F61"/>
+                </a:solidFill>
+                <a:latin typeface="Franklin Gothic Medium"/>
+                <a:cs typeface="Franklin Gothic Medium"/>
+              </a:rPr>
+              <a:t>Determinism:	</a:t>
+            </a:r>
+            <a:r>
+              <a:rPr sz="2000" spc="-35" dirty="0">
+                <a:solidFill>
+                  <a:srgbClr val="5F5F61"/>
+                </a:solidFill>
+                <a:latin typeface="Franklin Gothic Medium"/>
+                <a:cs typeface="Franklin Gothic Medium"/>
+              </a:rPr>
+              <a:t>If</a:t>
+            </a:r>
+            <a:r>
+              <a:rPr sz="2000" spc="-10" dirty="0">
+                <a:solidFill>
+                  <a:srgbClr val="5F5F61"/>
+                </a:solidFill>
+                <a:latin typeface="Franklin Gothic Medium"/>
+                <a:cs typeface="Franklin Gothic Medium"/>
+              </a:rPr>
+              <a:t> </a:t>
+            </a:r>
+            <a:r>
+              <a:rPr sz="2000" spc="-35" dirty="0">
+                <a:solidFill>
+                  <a:srgbClr val="5F5F61"/>
+                </a:solidFill>
+                <a:latin typeface="Franklin Gothic Medium"/>
+                <a:cs typeface="Franklin Gothic Medium"/>
+              </a:rPr>
+              <a:t>you</a:t>
+            </a:r>
+            <a:r>
+              <a:rPr sz="2000" dirty="0">
+                <a:solidFill>
+                  <a:srgbClr val="5F5F61"/>
+                </a:solidFill>
+                <a:latin typeface="Franklin Gothic Medium"/>
+                <a:cs typeface="Franklin Gothic Medium"/>
+              </a:rPr>
+              <a:t> </a:t>
+            </a:r>
+            <a:r>
+              <a:rPr sz="2000" spc="-40" dirty="0">
+                <a:solidFill>
+                  <a:srgbClr val="5F5F61"/>
+                </a:solidFill>
+                <a:latin typeface="Franklin Gothic Medium"/>
+                <a:cs typeface="Franklin Gothic Medium"/>
+              </a:rPr>
+              <a:t>know</a:t>
+            </a:r>
+            <a:r>
+              <a:rPr sz="2000" spc="-30" dirty="0">
+                <a:solidFill>
+                  <a:srgbClr val="5F5F61"/>
+                </a:solidFill>
+                <a:latin typeface="Franklin Gothic Medium"/>
+                <a:cs typeface="Franklin Gothic Medium"/>
+              </a:rPr>
+              <a:t> </a:t>
+            </a:r>
+            <a:r>
+              <a:rPr sz="2000" spc="-25" dirty="0">
+                <a:solidFill>
+                  <a:srgbClr val="5F5F61"/>
+                </a:solidFill>
+                <a:latin typeface="Franklin Gothic Medium"/>
+                <a:cs typeface="Franklin Gothic Medium"/>
+              </a:rPr>
+              <a:t>when</a:t>
+            </a:r>
+            <a:r>
+              <a:rPr sz="2000" spc="-20" dirty="0">
+                <a:solidFill>
+                  <a:srgbClr val="5F5F61"/>
+                </a:solidFill>
+                <a:latin typeface="Franklin Gothic Medium"/>
+                <a:cs typeface="Franklin Gothic Medium"/>
+              </a:rPr>
+              <a:t> </a:t>
+            </a:r>
+            <a:r>
+              <a:rPr sz="2000" spc="-25" dirty="0">
+                <a:solidFill>
+                  <a:srgbClr val="5F5F61"/>
+                </a:solidFill>
+                <a:latin typeface="Franklin Gothic Medium"/>
+                <a:cs typeface="Franklin Gothic Medium"/>
+              </a:rPr>
+              <a:t>everything</a:t>
+            </a:r>
+            <a:r>
+              <a:rPr sz="2000" spc="-5" dirty="0">
+                <a:solidFill>
+                  <a:srgbClr val="5F5F61"/>
+                </a:solidFill>
+                <a:latin typeface="Franklin Gothic Medium"/>
+                <a:cs typeface="Franklin Gothic Medium"/>
+              </a:rPr>
+              <a:t> </a:t>
+            </a:r>
+            <a:r>
+              <a:rPr sz="2000" spc="-10" dirty="0">
+                <a:solidFill>
+                  <a:srgbClr val="5F5F61"/>
+                </a:solidFill>
+                <a:latin typeface="Franklin Gothic Medium"/>
+                <a:cs typeface="Franklin Gothic Medium"/>
+              </a:rPr>
+              <a:t>happens, </a:t>
+            </a:r>
+            <a:r>
+              <a:rPr sz="2000" spc="-484" dirty="0">
+                <a:solidFill>
+                  <a:srgbClr val="5F5F61"/>
+                </a:solidFill>
+                <a:latin typeface="Franklin Gothic Medium"/>
+                <a:cs typeface="Franklin Gothic Medium"/>
+              </a:rPr>
+              <a:t> </a:t>
+            </a:r>
+            <a:r>
+              <a:rPr sz="2000" spc="-20" dirty="0">
+                <a:solidFill>
+                  <a:srgbClr val="5F5F61"/>
+                </a:solidFill>
+                <a:latin typeface="Franklin Gothic Medium"/>
+                <a:cs typeface="Franklin Gothic Medium"/>
+              </a:rPr>
+              <a:t>the</a:t>
+            </a:r>
+            <a:r>
+              <a:rPr sz="2000" spc="-15" dirty="0">
+                <a:solidFill>
+                  <a:srgbClr val="5F5F61"/>
+                </a:solidFill>
+                <a:latin typeface="Franklin Gothic Medium"/>
+                <a:cs typeface="Franklin Gothic Medium"/>
+              </a:rPr>
+              <a:t> </a:t>
+            </a:r>
+            <a:r>
+              <a:rPr sz="2000" spc="-20" dirty="0">
+                <a:solidFill>
+                  <a:srgbClr val="5F5F61"/>
+                </a:solidFill>
+                <a:latin typeface="Franklin Gothic Medium"/>
+                <a:cs typeface="Franklin Gothic Medium"/>
+              </a:rPr>
+              <a:t>load</a:t>
+            </a:r>
+            <a:r>
+              <a:rPr sz="2000" dirty="0">
+                <a:solidFill>
+                  <a:srgbClr val="5F5F61"/>
+                </a:solidFill>
+                <a:latin typeface="Franklin Gothic Medium"/>
+                <a:cs typeface="Franklin Gothic Medium"/>
+              </a:rPr>
+              <a:t> </a:t>
+            </a:r>
+            <a:r>
+              <a:rPr sz="2000" spc="-10" dirty="0">
+                <a:solidFill>
+                  <a:srgbClr val="5F5F61"/>
+                </a:solidFill>
+                <a:latin typeface="Franklin Gothic Medium"/>
+                <a:cs typeface="Franklin Gothic Medium"/>
+              </a:rPr>
+              <a:t>could</a:t>
+            </a:r>
+            <a:r>
+              <a:rPr sz="2000" dirty="0">
+                <a:solidFill>
+                  <a:srgbClr val="5F5F61"/>
+                </a:solidFill>
+                <a:latin typeface="Franklin Gothic Medium"/>
+                <a:cs typeface="Franklin Gothic Medium"/>
+              </a:rPr>
+              <a:t> </a:t>
+            </a:r>
+            <a:r>
+              <a:rPr sz="2000" spc="-10" dirty="0">
+                <a:solidFill>
+                  <a:srgbClr val="5F5F61"/>
+                </a:solidFill>
+                <a:latin typeface="Franklin Gothic Medium"/>
+                <a:cs typeface="Franklin Gothic Medium"/>
+              </a:rPr>
+              <a:t>be</a:t>
+            </a:r>
+            <a:r>
+              <a:rPr sz="2000" spc="-20" dirty="0">
+                <a:solidFill>
+                  <a:srgbClr val="5F5F61"/>
+                </a:solidFill>
+                <a:latin typeface="Franklin Gothic Medium"/>
+                <a:cs typeface="Franklin Gothic Medium"/>
+              </a:rPr>
+              <a:t> </a:t>
+            </a:r>
+            <a:r>
+              <a:rPr sz="2000" spc="-10" dirty="0">
+                <a:solidFill>
+                  <a:srgbClr val="5F5F61"/>
+                </a:solidFill>
+                <a:latin typeface="Franklin Gothic Medium"/>
+                <a:cs typeface="Franklin Gothic Medium"/>
+              </a:rPr>
+              <a:t>closer</a:t>
+            </a:r>
+            <a:r>
+              <a:rPr sz="2000" dirty="0">
+                <a:solidFill>
+                  <a:srgbClr val="5F5F61"/>
+                </a:solidFill>
+                <a:latin typeface="Franklin Gothic Medium"/>
+                <a:cs typeface="Franklin Gothic Medium"/>
+              </a:rPr>
+              <a:t> </a:t>
+            </a:r>
+            <a:r>
+              <a:rPr sz="2000" spc="-45" dirty="0">
+                <a:solidFill>
+                  <a:srgbClr val="5F5F61"/>
+                </a:solidFill>
+                <a:latin typeface="Franklin Gothic Medium"/>
+                <a:cs typeface="Franklin Gothic Medium"/>
+              </a:rPr>
+              <a:t>to</a:t>
+            </a:r>
+            <a:r>
+              <a:rPr sz="2000" spc="-10" dirty="0">
+                <a:solidFill>
+                  <a:srgbClr val="5F5F61"/>
+                </a:solidFill>
+                <a:latin typeface="Franklin Gothic Medium"/>
+                <a:cs typeface="Franklin Gothic Medium"/>
+              </a:rPr>
+              <a:t> </a:t>
+            </a:r>
+            <a:r>
+              <a:rPr sz="2000" spc="-45" dirty="0">
+                <a:solidFill>
+                  <a:srgbClr val="5F5F61"/>
+                </a:solidFill>
+                <a:latin typeface="Franklin Gothic Medium"/>
+                <a:cs typeface="Franklin Gothic Medium"/>
+              </a:rPr>
+              <a:t>100%</a:t>
+            </a:r>
+            <a:endParaRPr sz="2000" dirty="0">
+              <a:latin typeface="Franklin Gothic Medium"/>
+              <a:cs typeface="Franklin Gothic Medium"/>
+            </a:endParaRPr>
+          </a:p>
+          <a:p>
+            <a:pPr marL="241300" indent="-228600">
+              <a:lnSpc>
+                <a:spcPct val="100000"/>
+              </a:lnSpc>
+              <a:spcBef>
+                <a:spcPts val="725"/>
+              </a:spcBef>
+              <a:buClr>
+                <a:srgbClr val="8DC53E"/>
+              </a:buClr>
+              <a:buFont typeface="Arial MT"/>
+              <a:buChar char="•"/>
+              <a:tabLst>
+                <a:tab pos="240665" algn="l"/>
+                <a:tab pos="241300" algn="l"/>
+              </a:tabLst>
+            </a:pPr>
+            <a:r>
+              <a:rPr sz="2000" spc="-25" dirty="0">
+                <a:solidFill>
+                  <a:srgbClr val="5F5F61"/>
+                </a:solidFill>
+                <a:latin typeface="Franklin Gothic Medium"/>
+                <a:cs typeface="Franklin Gothic Medium"/>
+              </a:rPr>
+              <a:t>Requires</a:t>
+            </a:r>
+            <a:r>
+              <a:rPr sz="2000" spc="-10" dirty="0">
+                <a:solidFill>
+                  <a:srgbClr val="5F5F61"/>
+                </a:solidFill>
+                <a:latin typeface="Franklin Gothic Medium"/>
+                <a:cs typeface="Franklin Gothic Medium"/>
+              </a:rPr>
+              <a:t> </a:t>
+            </a:r>
+            <a:r>
+              <a:rPr sz="2000" dirty="0">
+                <a:solidFill>
+                  <a:srgbClr val="5F5F61"/>
+                </a:solidFill>
+                <a:latin typeface="Franklin Gothic Medium"/>
+                <a:cs typeface="Franklin Gothic Medium"/>
+              </a:rPr>
+              <a:t>End-to-End</a:t>
+            </a:r>
+            <a:r>
+              <a:rPr sz="2000" spc="-5" dirty="0">
+                <a:solidFill>
+                  <a:srgbClr val="5F5F61"/>
+                </a:solidFill>
+                <a:latin typeface="Franklin Gothic Medium"/>
+                <a:cs typeface="Franklin Gothic Medium"/>
+              </a:rPr>
+              <a:t> </a:t>
+            </a:r>
+            <a:r>
+              <a:rPr sz="2000" spc="-20" dirty="0">
+                <a:solidFill>
+                  <a:srgbClr val="5F5F61"/>
+                </a:solidFill>
+                <a:latin typeface="Franklin Gothic Medium"/>
+                <a:cs typeface="Franklin Gothic Medium"/>
+              </a:rPr>
+              <a:t>Precision</a:t>
+            </a:r>
+            <a:r>
+              <a:rPr sz="2000" spc="-10" dirty="0">
+                <a:solidFill>
+                  <a:srgbClr val="5F5F61"/>
+                </a:solidFill>
+                <a:latin typeface="Franklin Gothic Medium"/>
+                <a:cs typeface="Franklin Gothic Medium"/>
+              </a:rPr>
+              <a:t> </a:t>
+            </a:r>
+            <a:r>
+              <a:rPr sz="2000" spc="-25" dirty="0">
+                <a:solidFill>
+                  <a:srgbClr val="5F5F61"/>
+                </a:solidFill>
+                <a:latin typeface="Franklin Gothic Medium"/>
+                <a:cs typeface="Franklin Gothic Medium"/>
+              </a:rPr>
+              <a:t>of</a:t>
+            </a:r>
+            <a:r>
+              <a:rPr sz="2000" spc="-10" dirty="0">
+                <a:solidFill>
+                  <a:srgbClr val="5F5F61"/>
+                </a:solidFill>
+                <a:latin typeface="Franklin Gothic Medium"/>
+                <a:cs typeface="Franklin Gothic Medium"/>
+              </a:rPr>
+              <a:t> &lt;10ns</a:t>
+            </a:r>
+            <a:endParaRPr sz="2000" dirty="0">
+              <a:latin typeface="Franklin Gothic Medium"/>
+              <a:cs typeface="Franklin Gothic Medium"/>
+            </a:endParaRPr>
+          </a:p>
+          <a:p>
+            <a:pPr>
+              <a:lnSpc>
+                <a:spcPct val="100000"/>
+              </a:lnSpc>
+              <a:spcBef>
+                <a:spcPts val="15"/>
+              </a:spcBef>
+            </a:pPr>
+            <a:endParaRPr sz="2150" dirty="0">
               <a:latin typeface="Franklin Gothic Medium"/>
               <a:cs typeface="Franklin Gothic Medium"/>
             </a:endParaRPr>
@@ -15847,1979 +16911,6 @@
           <a:chExt cx="0" cy="0"/>
         </a:xfrm>
       </p:grpSpPr>
-      <p:sp>
-        <p:nvSpPr>
-          <p:cNvPr id="6" name="object 6"/>
-          <p:cNvSpPr txBox="1">
-            <a:spLocks noGrp="1"/>
-          </p:cNvSpPr>
-          <p:nvPr>
-            <p:ph type="title"/>
-          </p:nvPr>
-        </p:nvSpPr>
-        <p:spPr>
-          <a:xfrm>
-            <a:off x="1560957" y="617296"/>
-            <a:ext cx="8428990" cy="391795"/>
-          </a:xfrm>
-          <a:prstGeom prst="rect">
-            <a:avLst/>
-          </a:prstGeom>
-        </p:spPr>
-        <p:txBody>
-          <a:bodyPr vert="horz" wrap="square" lIns="0" tIns="12700" rIns="0" bIns="0" rtlCol="0">
-            <a:spAutoFit/>
-          </a:bodyPr>
-          <a:lstStyle/>
-          <a:p>
-            <a:pPr marL="12700">
-              <a:lnSpc>
-                <a:spcPct val="100000"/>
-              </a:lnSpc>
-              <a:spcBef>
-                <a:spcPts val="100"/>
-              </a:spcBef>
-              <a:tabLst>
-                <a:tab pos="749935" algn="l"/>
-                <a:tab pos="1776730" algn="l"/>
-                <a:tab pos="3547745" algn="l"/>
-                <a:tab pos="5079365" algn="l"/>
-                <a:tab pos="6330950" algn="l"/>
-                <a:tab pos="7017384" algn="l"/>
-              </a:tabLst>
-            </a:pPr>
-            <a:r>
-              <a:rPr sz="2400" spc="260" dirty="0">
-                <a:latin typeface="Trebuchet MS"/>
-                <a:cs typeface="Trebuchet MS"/>
-              </a:rPr>
-              <a:t>Use	</a:t>
-            </a:r>
-            <a:r>
-              <a:rPr sz="2400" spc="-75" dirty="0">
-                <a:latin typeface="Trebuchet MS"/>
-                <a:cs typeface="Trebuchet MS"/>
-              </a:rPr>
-              <a:t>C</a:t>
-            </a:r>
-            <a:r>
-              <a:rPr sz="2400" spc="-425" dirty="0">
-                <a:latin typeface="Trebuchet MS"/>
-                <a:cs typeface="Trebuchet MS"/>
-              </a:rPr>
-              <a:t> </a:t>
-            </a:r>
-            <a:r>
-              <a:rPr sz="2400" spc="200" dirty="0">
-                <a:latin typeface="Trebuchet MS"/>
-                <a:cs typeface="Trebuchet MS"/>
-              </a:rPr>
-              <a:t>ase:	</a:t>
-            </a:r>
-            <a:r>
-              <a:rPr sz="2400" spc="265" dirty="0">
-                <a:latin typeface="Trebuchet MS"/>
-                <a:cs typeface="Trebuchet MS"/>
-              </a:rPr>
-              <a:t>Multic</a:t>
-            </a:r>
-            <a:r>
-              <a:rPr sz="2400" spc="-420" dirty="0">
-                <a:latin typeface="Trebuchet MS"/>
-                <a:cs typeface="Trebuchet MS"/>
-              </a:rPr>
-              <a:t> </a:t>
-            </a:r>
-            <a:r>
-              <a:rPr sz="2400" spc="240" dirty="0">
-                <a:latin typeface="Trebuchet MS"/>
-                <a:cs typeface="Trebuchet MS"/>
-              </a:rPr>
-              <a:t>ore	</a:t>
-            </a:r>
-            <a:r>
-              <a:rPr sz="2400" spc="330" dirty="0">
-                <a:latin typeface="Trebuchet MS"/>
-                <a:cs typeface="Trebuchet MS"/>
-              </a:rPr>
-              <a:t>Systems	</a:t>
-            </a:r>
-            <a:r>
-              <a:rPr sz="2400" spc="-15" dirty="0">
-                <a:latin typeface="Trebuchet MS"/>
-                <a:cs typeface="Trebuchet MS"/>
-              </a:rPr>
-              <a:t>A</a:t>
-            </a:r>
-            <a:r>
-              <a:rPr sz="2400" spc="-420" dirty="0">
-                <a:latin typeface="Trebuchet MS"/>
-                <a:cs typeface="Trebuchet MS"/>
-              </a:rPr>
-              <a:t> </a:t>
-            </a:r>
-            <a:r>
-              <a:rPr sz="2400" spc="-40" dirty="0">
-                <a:latin typeface="Trebuchet MS"/>
-                <a:cs typeface="Trebuchet MS"/>
-              </a:rPr>
-              <a:t>c</a:t>
-            </a:r>
-            <a:r>
-              <a:rPr sz="2400" spc="-425" dirty="0">
-                <a:latin typeface="Trebuchet MS"/>
-                <a:cs typeface="Trebuchet MS"/>
-              </a:rPr>
-              <a:t> </a:t>
-            </a:r>
-            <a:r>
-              <a:rPr sz="2400" spc="335" dirty="0">
-                <a:latin typeface="Trebuchet MS"/>
-                <a:cs typeface="Trebuchet MS"/>
-              </a:rPr>
-              <a:t>ross	</a:t>
-            </a:r>
-            <a:r>
-              <a:rPr sz="2400" spc="204" dirty="0">
-                <a:latin typeface="Trebuchet MS"/>
-                <a:cs typeface="Trebuchet MS"/>
-              </a:rPr>
-              <a:t>the	</a:t>
-            </a:r>
-            <a:r>
-              <a:rPr sz="2400" spc="280" dirty="0">
-                <a:latin typeface="Trebuchet MS"/>
-                <a:cs typeface="Trebuchet MS"/>
-              </a:rPr>
-              <a:t>Network</a:t>
-            </a:r>
-            <a:endParaRPr sz="2400" dirty="0">
-              <a:latin typeface="Trebuchet MS"/>
-              <a:cs typeface="Trebuchet MS"/>
-            </a:endParaRPr>
-          </a:p>
-        </p:txBody>
-      </p:sp>
-      <p:pic>
-        <p:nvPicPr>
-          <p:cNvPr id="7" name="object 7"/>
-          <p:cNvPicPr/>
-          <p:nvPr/>
-        </p:nvPicPr>
-        <p:blipFill>
-          <a:blip r:embed="rId2" cstate="print"/>
-          <a:stretch>
-            <a:fillRect/>
-          </a:stretch>
-        </p:blipFill>
-        <p:spPr>
-          <a:xfrm>
-            <a:off x="7851647" y="2447544"/>
-            <a:ext cx="4253484" cy="2836164"/>
-          </a:xfrm>
-          <a:prstGeom prst="rect">
-            <a:avLst/>
-          </a:prstGeom>
-        </p:spPr>
-      </p:pic>
-      <p:sp>
-        <p:nvSpPr>
-          <p:cNvPr id="9" name="object 9"/>
-          <p:cNvSpPr txBox="1"/>
-          <p:nvPr/>
-        </p:nvSpPr>
-        <p:spPr>
-          <a:xfrm>
-            <a:off x="1419225" y="1275281"/>
-            <a:ext cx="6280785" cy="5146922"/>
-          </a:xfrm>
-          <a:prstGeom prst="rect">
-            <a:avLst/>
-          </a:prstGeom>
-        </p:spPr>
-        <p:txBody>
-          <a:bodyPr vert="horz" wrap="square" lIns="0" tIns="45085" rIns="0" bIns="0" rtlCol="0">
-            <a:spAutoFit/>
-          </a:bodyPr>
-          <a:lstStyle/>
-          <a:p>
-            <a:pPr marL="241300" indent="-228600">
-              <a:lnSpc>
-                <a:spcPct val="100000"/>
-              </a:lnSpc>
-              <a:spcBef>
-                <a:spcPts val="355"/>
-              </a:spcBef>
-              <a:buClr>
-                <a:srgbClr val="8DC53E"/>
-              </a:buClr>
-              <a:buFont typeface="Arial MT"/>
-              <a:buChar char="•"/>
-              <a:tabLst>
-                <a:tab pos="240665" algn="l"/>
-                <a:tab pos="241300" algn="l"/>
-              </a:tabLst>
-            </a:pPr>
-            <a:r>
-              <a:rPr sz="2000" spc="-25" dirty="0">
-                <a:solidFill>
-                  <a:srgbClr val="5F5F61"/>
-                </a:solidFill>
-                <a:latin typeface="Franklin Gothic Medium"/>
-                <a:cs typeface="Franklin Gothic Medium"/>
-              </a:rPr>
-              <a:t>Data</a:t>
-            </a:r>
-            <a:r>
-              <a:rPr sz="2000" spc="-5" dirty="0">
-                <a:solidFill>
-                  <a:srgbClr val="5F5F61"/>
-                </a:solidFill>
-                <a:latin typeface="Franklin Gothic Medium"/>
-                <a:cs typeface="Franklin Gothic Medium"/>
-              </a:rPr>
-              <a:t> </a:t>
-            </a:r>
-            <a:r>
-              <a:rPr sz="2000" spc="-15" dirty="0">
-                <a:solidFill>
-                  <a:srgbClr val="5F5F61"/>
-                </a:solidFill>
-                <a:latin typeface="Franklin Gothic Medium"/>
-                <a:cs typeface="Franklin Gothic Medium"/>
-              </a:rPr>
-              <a:t>Center</a:t>
-            </a:r>
-            <a:r>
-              <a:rPr sz="2000" spc="-20" dirty="0">
-                <a:solidFill>
-                  <a:srgbClr val="5F5F61"/>
-                </a:solidFill>
-                <a:latin typeface="Franklin Gothic Medium"/>
-                <a:cs typeface="Franklin Gothic Medium"/>
-              </a:rPr>
-              <a:t> </a:t>
-            </a:r>
-            <a:r>
-              <a:rPr sz="2000" spc="-35" dirty="0">
-                <a:solidFill>
-                  <a:srgbClr val="5F5F61"/>
-                </a:solidFill>
-                <a:latin typeface="Franklin Gothic Medium"/>
-                <a:cs typeface="Franklin Gothic Medium"/>
-              </a:rPr>
-              <a:t>Network</a:t>
-            </a:r>
-            <a:r>
-              <a:rPr sz="2000" spc="-30" dirty="0">
-                <a:solidFill>
-                  <a:srgbClr val="5F5F61"/>
-                </a:solidFill>
-                <a:latin typeface="Franklin Gothic Medium"/>
-                <a:cs typeface="Franklin Gothic Medium"/>
-              </a:rPr>
-              <a:t> </a:t>
-            </a:r>
-            <a:r>
-              <a:rPr sz="2000" spc="-10" dirty="0">
-                <a:solidFill>
-                  <a:srgbClr val="5F5F61"/>
-                </a:solidFill>
-                <a:latin typeface="Franklin Gothic Medium"/>
-                <a:cs typeface="Franklin Gothic Medium"/>
-              </a:rPr>
-              <a:t>is</a:t>
-            </a:r>
-            <a:r>
-              <a:rPr sz="2000" spc="-15" dirty="0">
-                <a:solidFill>
-                  <a:srgbClr val="5F5F61"/>
-                </a:solidFill>
-                <a:latin typeface="Franklin Gothic Medium"/>
-                <a:cs typeface="Franklin Gothic Medium"/>
-              </a:rPr>
-              <a:t> the</a:t>
-            </a:r>
-            <a:r>
-              <a:rPr sz="2000" spc="-10" dirty="0">
-                <a:solidFill>
-                  <a:srgbClr val="5F5F61"/>
-                </a:solidFill>
-                <a:latin typeface="Franklin Gothic Medium"/>
-                <a:cs typeface="Franklin Gothic Medium"/>
-              </a:rPr>
-              <a:t> </a:t>
-            </a:r>
-            <a:r>
-              <a:rPr sz="2000" spc="-20" dirty="0">
-                <a:solidFill>
-                  <a:srgbClr val="5F5F61"/>
-                </a:solidFill>
-                <a:latin typeface="Franklin Gothic Medium"/>
-                <a:cs typeface="Franklin Gothic Medium"/>
-              </a:rPr>
-              <a:t>Fabric</a:t>
-            </a:r>
-            <a:endParaRPr sz="2000" dirty="0">
-              <a:latin typeface="Franklin Gothic Medium"/>
-              <a:cs typeface="Franklin Gothic Medium"/>
-            </a:endParaRPr>
-          </a:p>
-          <a:p>
-            <a:pPr marL="469900" lvl="1" indent="-228600">
-              <a:lnSpc>
-                <a:spcPct val="100000"/>
-              </a:lnSpc>
-              <a:spcBef>
-                <a:spcPts val="254"/>
-              </a:spcBef>
-              <a:buClr>
-                <a:srgbClr val="8DC53E"/>
-              </a:buClr>
-              <a:buFont typeface="Cambria Math"/>
-              <a:buChar char="–"/>
-              <a:tabLst>
-                <a:tab pos="469900" algn="l"/>
-              </a:tabLst>
-            </a:pPr>
-            <a:r>
-              <a:rPr sz="2000" spc="-25" dirty="0">
-                <a:solidFill>
-                  <a:srgbClr val="5F5F61"/>
-                </a:solidFill>
-                <a:latin typeface="Franklin Gothic Medium"/>
-                <a:cs typeface="Franklin Gothic Medium"/>
-              </a:rPr>
-              <a:t>Ultra-Path</a:t>
-            </a:r>
-            <a:r>
-              <a:rPr sz="2000" spc="10" dirty="0">
-                <a:solidFill>
-                  <a:srgbClr val="5F5F61"/>
-                </a:solidFill>
-                <a:latin typeface="Franklin Gothic Medium"/>
-                <a:cs typeface="Franklin Gothic Medium"/>
-              </a:rPr>
-              <a:t> </a:t>
-            </a:r>
-            <a:r>
-              <a:rPr sz="2000" spc="-15" dirty="0">
-                <a:solidFill>
-                  <a:srgbClr val="5F5F61"/>
-                </a:solidFill>
-                <a:latin typeface="Franklin Gothic Medium"/>
-                <a:cs typeface="Franklin Gothic Medium"/>
-              </a:rPr>
-              <a:t>Interconnect</a:t>
-            </a:r>
-            <a:r>
-              <a:rPr sz="2000" spc="-25" dirty="0">
-                <a:solidFill>
-                  <a:srgbClr val="5F5F61"/>
-                </a:solidFill>
-                <a:latin typeface="Franklin Gothic Medium"/>
-                <a:cs typeface="Franklin Gothic Medium"/>
-              </a:rPr>
-              <a:t> (UPI)</a:t>
-            </a:r>
-            <a:r>
-              <a:rPr sz="2000" spc="-15" dirty="0">
-                <a:solidFill>
-                  <a:srgbClr val="5F5F61"/>
-                </a:solidFill>
-                <a:latin typeface="Franklin Gothic Medium"/>
-                <a:cs typeface="Franklin Gothic Medium"/>
-              </a:rPr>
-              <a:t> </a:t>
-            </a:r>
-            <a:r>
-              <a:rPr sz="2000" spc="-25" dirty="0">
-                <a:solidFill>
-                  <a:srgbClr val="5F5F61"/>
-                </a:solidFill>
-                <a:latin typeface="Franklin Gothic Medium"/>
-                <a:cs typeface="Franklin Gothic Medium"/>
-              </a:rPr>
-              <a:t>over</a:t>
-            </a:r>
-            <a:r>
-              <a:rPr sz="2000" spc="-10" dirty="0">
-                <a:solidFill>
-                  <a:srgbClr val="5F5F61"/>
-                </a:solidFill>
-                <a:latin typeface="Franklin Gothic Medium"/>
-                <a:cs typeface="Franklin Gothic Medium"/>
-              </a:rPr>
-              <a:t> </a:t>
-            </a:r>
-            <a:r>
-              <a:rPr sz="2000" spc="-20" dirty="0">
-                <a:solidFill>
-                  <a:srgbClr val="5F5F61"/>
-                </a:solidFill>
-                <a:latin typeface="Franklin Gothic Medium"/>
-                <a:cs typeface="Franklin Gothic Medium"/>
-              </a:rPr>
-              <a:t>the</a:t>
-            </a:r>
-            <a:r>
-              <a:rPr sz="2000" spc="-10" dirty="0">
-                <a:solidFill>
-                  <a:srgbClr val="5F5F61"/>
-                </a:solidFill>
-                <a:latin typeface="Franklin Gothic Medium"/>
-                <a:cs typeface="Franklin Gothic Medium"/>
-              </a:rPr>
-              <a:t> </a:t>
-            </a:r>
-            <a:r>
-              <a:rPr sz="2000" spc="-35" dirty="0">
-                <a:solidFill>
-                  <a:srgbClr val="5F5F61"/>
-                </a:solidFill>
-                <a:latin typeface="Franklin Gothic Medium"/>
-                <a:cs typeface="Franklin Gothic Medium"/>
-              </a:rPr>
-              <a:t>network</a:t>
-            </a:r>
-            <a:endParaRPr sz="2000" dirty="0">
-              <a:latin typeface="Franklin Gothic Medium"/>
-              <a:cs typeface="Franklin Gothic Medium"/>
-            </a:endParaRPr>
-          </a:p>
-          <a:p>
-            <a:pPr marL="469900" marR="26034" lvl="1" indent="-228600">
-              <a:lnSpc>
-                <a:spcPts val="2160"/>
-              </a:lnSpc>
-              <a:spcBef>
-                <a:spcPts val="535"/>
-              </a:spcBef>
-              <a:buClr>
-                <a:srgbClr val="8DC53E"/>
-              </a:buClr>
-              <a:buFont typeface="Cambria Math"/>
-              <a:buChar char="–"/>
-              <a:tabLst>
-                <a:tab pos="469900" algn="l"/>
-              </a:tabLst>
-            </a:pPr>
-            <a:r>
-              <a:rPr sz="2000" spc="-15" dirty="0">
-                <a:solidFill>
-                  <a:srgbClr val="5F5F61"/>
-                </a:solidFill>
-                <a:latin typeface="Franklin Gothic Medium"/>
-                <a:cs typeface="Franklin Gothic Medium"/>
-              </a:rPr>
-              <a:t>Input-Output</a:t>
-            </a:r>
-            <a:r>
-              <a:rPr sz="2000" spc="-5" dirty="0">
-                <a:solidFill>
-                  <a:srgbClr val="5F5F61"/>
-                </a:solidFill>
-                <a:latin typeface="Franklin Gothic Medium"/>
-                <a:cs typeface="Franklin Gothic Medium"/>
-              </a:rPr>
-              <a:t> </a:t>
-            </a:r>
-            <a:r>
-              <a:rPr sz="2000" spc="-25" dirty="0">
-                <a:solidFill>
-                  <a:srgbClr val="5F5F61"/>
-                </a:solidFill>
-                <a:latin typeface="Franklin Gothic Medium"/>
-                <a:cs typeface="Franklin Gothic Medium"/>
-              </a:rPr>
-              <a:t>Memory</a:t>
-            </a:r>
-            <a:r>
-              <a:rPr sz="2000" spc="-15" dirty="0">
-                <a:solidFill>
-                  <a:srgbClr val="5F5F61"/>
-                </a:solidFill>
-                <a:latin typeface="Franklin Gothic Medium"/>
-                <a:cs typeface="Franklin Gothic Medium"/>
-              </a:rPr>
-              <a:t> </a:t>
-            </a:r>
-            <a:r>
-              <a:rPr sz="2000" spc="-25" dirty="0">
-                <a:solidFill>
-                  <a:srgbClr val="5F5F61"/>
-                </a:solidFill>
-                <a:latin typeface="Franklin Gothic Medium"/>
-                <a:cs typeface="Franklin Gothic Medium"/>
-              </a:rPr>
-              <a:t>Management</a:t>
-            </a:r>
-            <a:r>
-              <a:rPr sz="2000" spc="-15" dirty="0">
-                <a:solidFill>
-                  <a:srgbClr val="5F5F61"/>
-                </a:solidFill>
-                <a:latin typeface="Franklin Gothic Medium"/>
-                <a:cs typeface="Franklin Gothic Medium"/>
-              </a:rPr>
-              <a:t> Unit</a:t>
-            </a:r>
-            <a:r>
-              <a:rPr sz="2000" dirty="0">
-                <a:solidFill>
-                  <a:srgbClr val="5F5F61"/>
-                </a:solidFill>
-                <a:latin typeface="Franklin Gothic Medium"/>
-                <a:cs typeface="Franklin Gothic Medium"/>
-              </a:rPr>
-              <a:t> </a:t>
-            </a:r>
-            <a:r>
-              <a:rPr sz="2000" spc="-5" dirty="0">
-                <a:solidFill>
-                  <a:srgbClr val="5F5F61"/>
-                </a:solidFill>
-                <a:latin typeface="Franklin Gothic Medium"/>
-                <a:cs typeface="Franklin Gothic Medium"/>
-              </a:rPr>
-              <a:t>(IOMMU) </a:t>
-            </a:r>
-            <a:r>
-              <a:rPr sz="2000" spc="-25" dirty="0">
-                <a:solidFill>
-                  <a:srgbClr val="5F5F61"/>
-                </a:solidFill>
-                <a:latin typeface="Franklin Gothic Medium"/>
-                <a:cs typeface="Franklin Gothic Medium"/>
-              </a:rPr>
-              <a:t>over </a:t>
-            </a:r>
-            <a:r>
-              <a:rPr sz="2000" spc="-484" dirty="0">
-                <a:solidFill>
-                  <a:srgbClr val="5F5F61"/>
-                </a:solidFill>
-                <a:latin typeface="Franklin Gothic Medium"/>
-                <a:cs typeface="Franklin Gothic Medium"/>
-              </a:rPr>
-              <a:t> </a:t>
-            </a:r>
-            <a:r>
-              <a:rPr sz="2000" spc="-20" dirty="0">
-                <a:solidFill>
-                  <a:srgbClr val="5F5F61"/>
-                </a:solidFill>
-                <a:latin typeface="Franklin Gothic Medium"/>
-                <a:cs typeface="Franklin Gothic Medium"/>
-              </a:rPr>
-              <a:t>the</a:t>
-            </a:r>
-            <a:r>
-              <a:rPr sz="2000" spc="-15" dirty="0">
-                <a:solidFill>
-                  <a:srgbClr val="5F5F61"/>
-                </a:solidFill>
-                <a:latin typeface="Franklin Gothic Medium"/>
-                <a:cs typeface="Franklin Gothic Medium"/>
-              </a:rPr>
-              <a:t> </a:t>
-            </a:r>
-            <a:r>
-              <a:rPr sz="2000" spc="-35" dirty="0">
-                <a:solidFill>
-                  <a:srgbClr val="5F5F61"/>
-                </a:solidFill>
-                <a:latin typeface="Franklin Gothic Medium"/>
-                <a:cs typeface="Franklin Gothic Medium"/>
-              </a:rPr>
-              <a:t>network</a:t>
-            </a:r>
-            <a:endParaRPr sz="2000" dirty="0">
-              <a:latin typeface="Franklin Gothic Medium"/>
-              <a:cs typeface="Franklin Gothic Medium"/>
-            </a:endParaRPr>
-          </a:p>
-          <a:p>
-            <a:pPr marL="241300" indent="-228600">
-              <a:lnSpc>
-                <a:spcPct val="100000"/>
-              </a:lnSpc>
-              <a:spcBef>
-                <a:spcPts val="725"/>
-              </a:spcBef>
-              <a:buClr>
-                <a:srgbClr val="8DC53E"/>
-              </a:buClr>
-              <a:buFont typeface="Arial MT"/>
-              <a:buChar char="•"/>
-              <a:tabLst>
-                <a:tab pos="240665" algn="l"/>
-                <a:tab pos="241300" algn="l"/>
-              </a:tabLst>
-            </a:pPr>
-            <a:r>
-              <a:rPr sz="2000" spc="-10" dirty="0">
-                <a:solidFill>
-                  <a:srgbClr val="5F5F61"/>
-                </a:solidFill>
-                <a:latin typeface="Franklin Gothic Medium"/>
-                <a:cs typeface="Franklin Gothic Medium"/>
-              </a:rPr>
-              <a:t>Can</a:t>
-            </a:r>
-            <a:r>
-              <a:rPr sz="2000" spc="-5" dirty="0">
-                <a:solidFill>
-                  <a:srgbClr val="5F5F61"/>
-                </a:solidFill>
-                <a:latin typeface="Franklin Gothic Medium"/>
-                <a:cs typeface="Franklin Gothic Medium"/>
-              </a:rPr>
-              <a:t> </a:t>
-            </a:r>
-            <a:r>
-              <a:rPr sz="2000" spc="-50" dirty="0">
-                <a:solidFill>
-                  <a:srgbClr val="5F5F61"/>
-                </a:solidFill>
-                <a:latin typeface="Franklin Gothic Medium"/>
-                <a:cs typeface="Franklin Gothic Medium"/>
-              </a:rPr>
-              <a:t>we</a:t>
-            </a:r>
-            <a:r>
-              <a:rPr sz="2000" spc="-20" dirty="0">
-                <a:solidFill>
-                  <a:srgbClr val="5F5F61"/>
-                </a:solidFill>
-                <a:latin typeface="Franklin Gothic Medium"/>
-                <a:cs typeface="Franklin Gothic Medium"/>
-              </a:rPr>
-              <a:t> </a:t>
-            </a:r>
-            <a:r>
-              <a:rPr sz="2000" spc="-40" dirty="0">
-                <a:solidFill>
-                  <a:srgbClr val="5F5F61"/>
-                </a:solidFill>
-                <a:latin typeface="Franklin Gothic Medium"/>
-                <a:cs typeface="Franklin Gothic Medium"/>
-              </a:rPr>
-              <a:t>program</a:t>
-            </a:r>
-            <a:r>
-              <a:rPr sz="2000" spc="-15" dirty="0">
-                <a:solidFill>
-                  <a:srgbClr val="5F5F61"/>
-                </a:solidFill>
-                <a:latin typeface="Franklin Gothic Medium"/>
-                <a:cs typeface="Franklin Gothic Medium"/>
-              </a:rPr>
-              <a:t> </a:t>
-            </a:r>
-            <a:r>
-              <a:rPr sz="2000" spc="-25" dirty="0">
-                <a:solidFill>
-                  <a:srgbClr val="5F5F61"/>
-                </a:solidFill>
-                <a:latin typeface="Franklin Gothic Medium"/>
-                <a:cs typeface="Franklin Gothic Medium"/>
-              </a:rPr>
-              <a:t>a</a:t>
-            </a:r>
-            <a:r>
-              <a:rPr sz="2000" spc="5" dirty="0">
-                <a:solidFill>
-                  <a:srgbClr val="5F5F61"/>
-                </a:solidFill>
-                <a:latin typeface="Franklin Gothic Medium"/>
-                <a:cs typeface="Franklin Gothic Medium"/>
-              </a:rPr>
-              <a:t> </a:t>
-            </a:r>
-            <a:r>
-              <a:rPr sz="2000" spc="-5" dirty="0">
-                <a:solidFill>
-                  <a:srgbClr val="5F5F61"/>
-                </a:solidFill>
-                <a:latin typeface="Franklin Gothic Medium"/>
-                <a:cs typeface="Franklin Gothic Medium"/>
-              </a:rPr>
-              <a:t>DC</a:t>
-            </a:r>
-            <a:r>
-              <a:rPr sz="2000" spc="-15" dirty="0">
-                <a:solidFill>
-                  <a:srgbClr val="5F5F61"/>
-                </a:solidFill>
-                <a:latin typeface="Franklin Gothic Medium"/>
-                <a:cs typeface="Franklin Gothic Medium"/>
-              </a:rPr>
-              <a:t> </a:t>
-            </a:r>
-            <a:r>
-              <a:rPr sz="2000" spc="-50" dirty="0">
-                <a:solidFill>
-                  <a:srgbClr val="5F5F61"/>
-                </a:solidFill>
-                <a:latin typeface="Franklin Gothic Medium"/>
-                <a:cs typeface="Franklin Gothic Medium"/>
-              </a:rPr>
-              <a:t>like</a:t>
-            </a:r>
-            <a:r>
-              <a:rPr sz="2000" dirty="0">
-                <a:solidFill>
-                  <a:srgbClr val="5F5F61"/>
-                </a:solidFill>
-                <a:latin typeface="Franklin Gothic Medium"/>
-                <a:cs typeface="Franklin Gothic Medium"/>
-              </a:rPr>
-              <a:t> </a:t>
-            </a:r>
-            <a:r>
-              <a:rPr sz="2000" spc="-25" dirty="0">
-                <a:solidFill>
-                  <a:srgbClr val="5F5F61"/>
-                </a:solidFill>
-                <a:latin typeface="Franklin Gothic Medium"/>
-                <a:cs typeface="Franklin Gothic Medium"/>
-              </a:rPr>
-              <a:t>a</a:t>
-            </a:r>
-            <a:r>
-              <a:rPr sz="2000" spc="5" dirty="0">
-                <a:solidFill>
-                  <a:srgbClr val="5F5F61"/>
-                </a:solidFill>
-                <a:latin typeface="Franklin Gothic Medium"/>
-                <a:cs typeface="Franklin Gothic Medium"/>
-              </a:rPr>
-              <a:t> </a:t>
-            </a:r>
-            <a:r>
-              <a:rPr sz="2000" spc="-30" dirty="0">
-                <a:solidFill>
-                  <a:srgbClr val="5F5F61"/>
-                </a:solidFill>
-                <a:latin typeface="Franklin Gothic Medium"/>
-                <a:cs typeface="Franklin Gothic Medium"/>
-              </a:rPr>
-              <a:t>PC?</a:t>
-            </a:r>
-            <a:endParaRPr sz="2000" dirty="0">
-              <a:latin typeface="Franklin Gothic Medium"/>
-              <a:cs typeface="Franklin Gothic Medium"/>
-            </a:endParaRPr>
-          </a:p>
-          <a:p>
-            <a:pPr marL="469900" lvl="1" indent="-228600">
-              <a:lnSpc>
-                <a:spcPct val="100000"/>
-              </a:lnSpc>
-              <a:spcBef>
-                <a:spcPts val="265"/>
-              </a:spcBef>
-              <a:buClr>
-                <a:srgbClr val="8DC53E"/>
-              </a:buClr>
-              <a:buFont typeface="Cambria Math"/>
-              <a:buChar char="–"/>
-              <a:tabLst>
-                <a:tab pos="469900" algn="l"/>
-              </a:tabLst>
-            </a:pPr>
-            <a:r>
-              <a:rPr sz="2000" spc="-90" dirty="0">
-                <a:solidFill>
-                  <a:srgbClr val="5F5F61"/>
-                </a:solidFill>
-                <a:latin typeface="Franklin Gothic Medium"/>
-                <a:cs typeface="Franklin Gothic Medium"/>
-              </a:rPr>
-              <a:t>We</a:t>
-            </a:r>
-            <a:r>
-              <a:rPr sz="2000" spc="-15" dirty="0">
-                <a:solidFill>
-                  <a:srgbClr val="5F5F61"/>
-                </a:solidFill>
-                <a:latin typeface="Franklin Gothic Medium"/>
-                <a:cs typeface="Franklin Gothic Medium"/>
-              </a:rPr>
-              <a:t> </a:t>
-            </a:r>
-            <a:r>
-              <a:rPr sz="2000" spc="-40" dirty="0">
-                <a:solidFill>
-                  <a:srgbClr val="5F5F61"/>
-                </a:solidFill>
-                <a:latin typeface="Franklin Gothic Medium"/>
-                <a:cs typeface="Franklin Gothic Medium"/>
-              </a:rPr>
-              <a:t>know</a:t>
-            </a:r>
-            <a:r>
-              <a:rPr sz="2000" spc="-35" dirty="0">
-                <a:solidFill>
-                  <a:srgbClr val="5F5F61"/>
-                </a:solidFill>
-                <a:latin typeface="Franklin Gothic Medium"/>
-                <a:cs typeface="Franklin Gothic Medium"/>
-              </a:rPr>
-              <a:t> </a:t>
-            </a:r>
-            <a:r>
-              <a:rPr sz="2000" spc="-40" dirty="0">
-                <a:solidFill>
-                  <a:srgbClr val="5F5F61"/>
-                </a:solidFill>
-                <a:latin typeface="Franklin Gothic Medium"/>
-                <a:cs typeface="Franklin Gothic Medium"/>
-              </a:rPr>
-              <a:t>how</a:t>
-            </a:r>
-            <a:r>
-              <a:rPr sz="2000" spc="-20" dirty="0">
-                <a:solidFill>
-                  <a:srgbClr val="5F5F61"/>
-                </a:solidFill>
-                <a:latin typeface="Franklin Gothic Medium"/>
-                <a:cs typeface="Franklin Gothic Medium"/>
-              </a:rPr>
-              <a:t> </a:t>
-            </a:r>
-            <a:r>
-              <a:rPr sz="2000" spc="-45" dirty="0">
-                <a:solidFill>
-                  <a:srgbClr val="5F5F61"/>
-                </a:solidFill>
-                <a:latin typeface="Franklin Gothic Medium"/>
-                <a:cs typeface="Franklin Gothic Medium"/>
-              </a:rPr>
-              <a:t>to</a:t>
-            </a:r>
-            <a:r>
-              <a:rPr sz="2000" spc="-10" dirty="0">
-                <a:solidFill>
-                  <a:srgbClr val="5F5F61"/>
-                </a:solidFill>
-                <a:latin typeface="Franklin Gothic Medium"/>
-                <a:cs typeface="Franklin Gothic Medium"/>
-              </a:rPr>
-              <a:t> </a:t>
-            </a:r>
-            <a:r>
-              <a:rPr sz="2000" spc="-40" dirty="0">
-                <a:solidFill>
-                  <a:srgbClr val="5F5F61"/>
-                </a:solidFill>
-                <a:latin typeface="Franklin Gothic Medium"/>
-                <a:cs typeface="Franklin Gothic Medium"/>
-              </a:rPr>
-              <a:t>program</a:t>
-            </a:r>
-            <a:r>
-              <a:rPr sz="2000" spc="-5" dirty="0">
-                <a:solidFill>
-                  <a:srgbClr val="5F5F61"/>
-                </a:solidFill>
-                <a:latin typeface="Franklin Gothic Medium"/>
-                <a:cs typeface="Franklin Gothic Medium"/>
-              </a:rPr>
-              <a:t> </a:t>
-            </a:r>
-            <a:r>
-              <a:rPr sz="2000" spc="-25" dirty="0">
-                <a:solidFill>
-                  <a:srgbClr val="5F5F61"/>
-                </a:solidFill>
-                <a:latin typeface="Franklin Gothic Medium"/>
-                <a:cs typeface="Franklin Gothic Medium"/>
-              </a:rPr>
-              <a:t>a</a:t>
-            </a:r>
-            <a:r>
-              <a:rPr sz="2000" dirty="0">
-                <a:solidFill>
-                  <a:srgbClr val="5F5F61"/>
-                </a:solidFill>
-                <a:latin typeface="Franklin Gothic Medium"/>
-                <a:cs typeface="Franklin Gothic Medium"/>
-              </a:rPr>
-              <a:t> </a:t>
-            </a:r>
-            <a:r>
-              <a:rPr sz="2000" spc="-25" dirty="0">
-                <a:solidFill>
-                  <a:srgbClr val="5F5F61"/>
-                </a:solidFill>
-                <a:latin typeface="Franklin Gothic Medium"/>
-                <a:cs typeface="Franklin Gothic Medium"/>
-              </a:rPr>
-              <a:t>Personal</a:t>
-            </a:r>
-            <a:r>
-              <a:rPr sz="2000" spc="-10" dirty="0">
-                <a:solidFill>
-                  <a:srgbClr val="5F5F61"/>
-                </a:solidFill>
-                <a:latin typeface="Franklin Gothic Medium"/>
-                <a:cs typeface="Franklin Gothic Medium"/>
-              </a:rPr>
-              <a:t> </a:t>
-            </a:r>
-            <a:r>
-              <a:rPr sz="2000" spc="-30" dirty="0">
-                <a:solidFill>
-                  <a:srgbClr val="5F5F61"/>
-                </a:solidFill>
-                <a:latin typeface="Franklin Gothic Medium"/>
-                <a:cs typeface="Franklin Gothic Medium"/>
-              </a:rPr>
-              <a:t>Computer</a:t>
-            </a:r>
-            <a:r>
-              <a:rPr sz="2000" spc="-25" dirty="0">
-                <a:solidFill>
-                  <a:srgbClr val="5F5F61"/>
-                </a:solidFill>
-                <a:latin typeface="Franklin Gothic Medium"/>
-                <a:cs typeface="Franklin Gothic Medium"/>
-              </a:rPr>
-              <a:t> </a:t>
-            </a:r>
-            <a:r>
-              <a:rPr sz="2000" spc="-30" dirty="0">
-                <a:solidFill>
-                  <a:srgbClr val="5F5F61"/>
-                </a:solidFill>
-                <a:latin typeface="Franklin Gothic Medium"/>
-                <a:cs typeface="Franklin Gothic Medium"/>
-              </a:rPr>
-              <a:t>well.</a:t>
-            </a:r>
-            <a:endParaRPr sz="2000" dirty="0">
-              <a:latin typeface="Franklin Gothic Medium"/>
-              <a:cs typeface="Franklin Gothic Medium"/>
-            </a:endParaRPr>
-          </a:p>
-          <a:p>
-            <a:pPr marL="469900" marR="461645" lvl="1" indent="-228600">
-              <a:lnSpc>
-                <a:spcPts val="2160"/>
-              </a:lnSpc>
-              <a:spcBef>
-                <a:spcPts val="535"/>
-              </a:spcBef>
-              <a:buClr>
-                <a:srgbClr val="8DC53E"/>
-              </a:buClr>
-              <a:buFont typeface="Cambria Math"/>
-              <a:buChar char="–"/>
-              <a:tabLst>
-                <a:tab pos="469900" algn="l"/>
-              </a:tabLst>
-            </a:pPr>
-            <a:r>
-              <a:rPr sz="2000" spc="-20" dirty="0">
-                <a:solidFill>
-                  <a:srgbClr val="5F5F61"/>
-                </a:solidFill>
-                <a:latin typeface="Franklin Gothic Medium"/>
-                <a:cs typeface="Franklin Gothic Medium"/>
-              </a:rPr>
-              <a:t>Precise</a:t>
-            </a:r>
-            <a:r>
-              <a:rPr sz="2000" spc="-15" dirty="0">
-                <a:solidFill>
-                  <a:srgbClr val="5F5F61"/>
-                </a:solidFill>
-                <a:latin typeface="Franklin Gothic Medium"/>
-                <a:cs typeface="Franklin Gothic Medium"/>
-              </a:rPr>
-              <a:t> </a:t>
-            </a:r>
-            <a:r>
-              <a:rPr sz="2000" spc="-50" dirty="0">
-                <a:solidFill>
-                  <a:srgbClr val="5F5F61"/>
-                </a:solidFill>
-                <a:latin typeface="Franklin Gothic Medium"/>
-                <a:cs typeface="Franklin Gothic Medium"/>
-              </a:rPr>
-              <a:t>time</a:t>
-            </a:r>
-            <a:r>
-              <a:rPr sz="2000" spc="-10" dirty="0">
-                <a:solidFill>
-                  <a:srgbClr val="5F5F61"/>
-                </a:solidFill>
-                <a:latin typeface="Franklin Gothic Medium"/>
-                <a:cs typeface="Franklin Gothic Medium"/>
-              </a:rPr>
-              <a:t> can</a:t>
-            </a:r>
-            <a:r>
-              <a:rPr sz="2000" spc="5" dirty="0">
-                <a:solidFill>
-                  <a:srgbClr val="5F5F61"/>
-                </a:solidFill>
-                <a:latin typeface="Franklin Gothic Medium"/>
-                <a:cs typeface="Franklin Gothic Medium"/>
-              </a:rPr>
-              <a:t> </a:t>
-            </a:r>
-            <a:r>
-              <a:rPr sz="2000" spc="-20" dirty="0">
-                <a:solidFill>
-                  <a:srgbClr val="5F5F61"/>
-                </a:solidFill>
-                <a:latin typeface="Franklin Gothic Medium"/>
-                <a:cs typeface="Franklin Gothic Medium"/>
-              </a:rPr>
-              <a:t>help</a:t>
-            </a:r>
-            <a:r>
-              <a:rPr sz="2000" spc="-15" dirty="0">
-                <a:solidFill>
-                  <a:srgbClr val="5F5F61"/>
-                </a:solidFill>
-                <a:latin typeface="Franklin Gothic Medium"/>
-                <a:cs typeface="Franklin Gothic Medium"/>
-              </a:rPr>
-              <a:t> </a:t>
-            </a:r>
-            <a:r>
-              <a:rPr sz="2000" spc="10" dirty="0">
-                <a:solidFill>
-                  <a:srgbClr val="5F5F61"/>
-                </a:solidFill>
-                <a:latin typeface="Franklin Gothic Medium"/>
-                <a:cs typeface="Franklin Gothic Medium"/>
-              </a:rPr>
-              <a:t>us</a:t>
-            </a:r>
-            <a:r>
-              <a:rPr sz="2000" spc="5" dirty="0">
-                <a:solidFill>
-                  <a:srgbClr val="5F5F61"/>
-                </a:solidFill>
-                <a:latin typeface="Franklin Gothic Medium"/>
-                <a:cs typeface="Franklin Gothic Medium"/>
-              </a:rPr>
-              <a:t> </a:t>
-            </a:r>
-            <a:r>
-              <a:rPr sz="2000" spc="-40" dirty="0">
-                <a:solidFill>
-                  <a:srgbClr val="5F5F61"/>
-                </a:solidFill>
-                <a:latin typeface="Franklin Gothic Medium"/>
-                <a:cs typeface="Franklin Gothic Medium"/>
-              </a:rPr>
-              <a:t>program</a:t>
-            </a:r>
-            <a:r>
-              <a:rPr sz="2000" spc="-5" dirty="0">
-                <a:solidFill>
-                  <a:srgbClr val="5F5F61"/>
-                </a:solidFill>
-                <a:latin typeface="Franklin Gothic Medium"/>
-                <a:cs typeface="Franklin Gothic Medium"/>
-              </a:rPr>
-              <a:t> </a:t>
-            </a:r>
-            <a:r>
-              <a:rPr sz="2000" spc="-20" dirty="0">
-                <a:solidFill>
-                  <a:srgbClr val="5F5F61"/>
-                </a:solidFill>
-                <a:latin typeface="Franklin Gothic Medium"/>
-                <a:cs typeface="Franklin Gothic Medium"/>
-              </a:rPr>
-              <a:t>the</a:t>
-            </a:r>
-            <a:r>
-              <a:rPr sz="2000" spc="-10" dirty="0">
-                <a:solidFill>
-                  <a:srgbClr val="5F5F61"/>
-                </a:solidFill>
-                <a:latin typeface="Franklin Gothic Medium"/>
-                <a:cs typeface="Franklin Gothic Medium"/>
-              </a:rPr>
-              <a:t> </a:t>
-            </a:r>
-            <a:r>
-              <a:rPr sz="2000" spc="-25" dirty="0">
-                <a:solidFill>
-                  <a:srgbClr val="5F5F61"/>
-                </a:solidFill>
-                <a:latin typeface="Franklin Gothic Medium"/>
-                <a:cs typeface="Franklin Gothic Medium"/>
-              </a:rPr>
-              <a:t>Data</a:t>
-            </a:r>
-            <a:r>
-              <a:rPr sz="2000" spc="5" dirty="0">
-                <a:solidFill>
-                  <a:srgbClr val="5F5F61"/>
-                </a:solidFill>
-                <a:latin typeface="Franklin Gothic Medium"/>
-                <a:cs typeface="Franklin Gothic Medium"/>
-              </a:rPr>
-              <a:t> </a:t>
-            </a:r>
-            <a:r>
-              <a:rPr sz="2000" spc="-15" dirty="0">
-                <a:solidFill>
-                  <a:srgbClr val="5F5F61"/>
-                </a:solidFill>
-                <a:latin typeface="Franklin Gothic Medium"/>
-                <a:cs typeface="Franklin Gothic Medium"/>
-              </a:rPr>
-              <a:t>Center </a:t>
-            </a:r>
-            <a:r>
-              <a:rPr sz="2000" spc="-484" dirty="0">
-                <a:solidFill>
-                  <a:srgbClr val="5F5F61"/>
-                </a:solidFill>
-                <a:latin typeface="Franklin Gothic Medium"/>
-                <a:cs typeface="Franklin Gothic Medium"/>
-              </a:rPr>
-              <a:t> </a:t>
-            </a:r>
-            <a:r>
-              <a:rPr sz="2000" spc="-25" dirty="0">
-                <a:solidFill>
-                  <a:srgbClr val="5F5F61"/>
-                </a:solidFill>
-                <a:latin typeface="Franklin Gothic Medium"/>
-                <a:cs typeface="Franklin Gothic Medium"/>
-              </a:rPr>
-              <a:t>Better</a:t>
-            </a:r>
-            <a:endParaRPr sz="2000" dirty="0">
-              <a:latin typeface="Franklin Gothic Medium"/>
-              <a:cs typeface="Franklin Gothic Medium"/>
-            </a:endParaRPr>
-          </a:p>
-          <a:p>
-            <a:pPr marL="469900" lvl="1" indent="-228600">
-              <a:lnSpc>
-                <a:spcPct val="100000"/>
-              </a:lnSpc>
-              <a:spcBef>
-                <a:spcPts val="220"/>
-              </a:spcBef>
-              <a:buClr>
-                <a:srgbClr val="8DC53E"/>
-              </a:buClr>
-              <a:buFont typeface="Cambria Math"/>
-              <a:buChar char="–"/>
-              <a:tabLst>
-                <a:tab pos="469900" algn="l"/>
-              </a:tabLst>
-            </a:pPr>
-            <a:r>
-              <a:rPr sz="2000" spc="-70" dirty="0">
-                <a:solidFill>
-                  <a:srgbClr val="5F5F61"/>
-                </a:solidFill>
-                <a:latin typeface="Franklin Gothic Medium"/>
-                <a:cs typeface="Franklin Gothic Medium"/>
-              </a:rPr>
-              <a:t>All</a:t>
-            </a:r>
-            <a:r>
-              <a:rPr sz="2000" dirty="0">
-                <a:solidFill>
-                  <a:srgbClr val="5F5F61"/>
-                </a:solidFill>
-                <a:latin typeface="Franklin Gothic Medium"/>
-                <a:cs typeface="Franklin Gothic Medium"/>
-              </a:rPr>
-              <a:t> </a:t>
-            </a:r>
-            <a:r>
-              <a:rPr sz="2000" spc="-10" dirty="0">
-                <a:solidFill>
-                  <a:srgbClr val="5F5F61"/>
-                </a:solidFill>
-                <a:latin typeface="Franklin Gothic Medium"/>
-                <a:cs typeface="Franklin Gothic Medium"/>
-              </a:rPr>
-              <a:t>DC</a:t>
-            </a:r>
-            <a:r>
-              <a:rPr sz="2000" spc="10" dirty="0">
-                <a:solidFill>
-                  <a:srgbClr val="5F5F61"/>
-                </a:solidFill>
-                <a:latin typeface="Franklin Gothic Medium"/>
-                <a:cs typeface="Franklin Gothic Medium"/>
-              </a:rPr>
-              <a:t> </a:t>
-            </a:r>
-            <a:r>
-              <a:rPr sz="2000" spc="-30" dirty="0">
-                <a:solidFill>
-                  <a:srgbClr val="5F5F61"/>
-                </a:solidFill>
-                <a:latin typeface="Franklin Gothic Medium"/>
-                <a:cs typeface="Franklin Gothic Medium"/>
-              </a:rPr>
-              <a:t>equipment</a:t>
-            </a:r>
-            <a:r>
-              <a:rPr sz="2000" dirty="0">
-                <a:solidFill>
-                  <a:srgbClr val="5F5F61"/>
-                </a:solidFill>
-                <a:latin typeface="Franklin Gothic Medium"/>
-                <a:cs typeface="Franklin Gothic Medium"/>
-              </a:rPr>
-              <a:t> </a:t>
-            </a:r>
-            <a:r>
-              <a:rPr sz="2000" spc="-40" dirty="0">
-                <a:solidFill>
-                  <a:srgbClr val="5F5F61"/>
-                </a:solidFill>
-                <a:latin typeface="Franklin Gothic Medium"/>
-                <a:cs typeface="Franklin Gothic Medium"/>
-              </a:rPr>
-              <a:t>follows</a:t>
-            </a:r>
-            <a:r>
-              <a:rPr sz="2000" spc="-15" dirty="0">
-                <a:solidFill>
-                  <a:srgbClr val="5F5F61"/>
-                </a:solidFill>
-                <a:latin typeface="Franklin Gothic Medium"/>
-                <a:cs typeface="Franklin Gothic Medium"/>
-              </a:rPr>
-              <a:t> </a:t>
-            </a:r>
-            <a:r>
-              <a:rPr sz="2000" spc="-20" dirty="0">
-                <a:solidFill>
-                  <a:srgbClr val="5F5F61"/>
-                </a:solidFill>
-                <a:latin typeface="Franklin Gothic Medium"/>
-                <a:cs typeface="Franklin Gothic Medium"/>
-              </a:rPr>
-              <a:t>the</a:t>
-            </a:r>
-            <a:r>
-              <a:rPr sz="2000" spc="-15" dirty="0">
-                <a:solidFill>
-                  <a:srgbClr val="5F5F61"/>
-                </a:solidFill>
-                <a:latin typeface="Franklin Gothic Medium"/>
-                <a:cs typeface="Franklin Gothic Medium"/>
-              </a:rPr>
-              <a:t> </a:t>
-            </a:r>
-            <a:r>
-              <a:rPr sz="2000" spc="-35" dirty="0">
-                <a:solidFill>
-                  <a:srgbClr val="5F5F61"/>
-                </a:solidFill>
-                <a:latin typeface="Franklin Gothic Medium"/>
-                <a:cs typeface="Franklin Gothic Medium"/>
-              </a:rPr>
-              <a:t>same</a:t>
-            </a:r>
-            <a:r>
-              <a:rPr sz="2000" spc="5" dirty="0">
-                <a:solidFill>
-                  <a:srgbClr val="5F5F61"/>
-                </a:solidFill>
-                <a:latin typeface="Franklin Gothic Medium"/>
-                <a:cs typeface="Franklin Gothic Medium"/>
-              </a:rPr>
-              <a:t> </a:t>
-            </a:r>
-            <a:r>
-              <a:rPr sz="2000" spc="-10" dirty="0">
-                <a:solidFill>
-                  <a:srgbClr val="5F5F61"/>
-                </a:solidFill>
-                <a:latin typeface="Franklin Gothic Medium"/>
-                <a:cs typeface="Franklin Gothic Medium"/>
-              </a:rPr>
-              <a:t>precise</a:t>
-            </a:r>
-            <a:r>
-              <a:rPr sz="2000" spc="-5" dirty="0">
-                <a:solidFill>
-                  <a:srgbClr val="5F5F61"/>
-                </a:solidFill>
-                <a:latin typeface="Franklin Gothic Medium"/>
-                <a:cs typeface="Franklin Gothic Medium"/>
-              </a:rPr>
-              <a:t> </a:t>
-            </a:r>
-            <a:r>
-              <a:rPr sz="2000" spc="-50" dirty="0">
-                <a:solidFill>
-                  <a:srgbClr val="5F5F61"/>
-                </a:solidFill>
-                <a:latin typeface="Franklin Gothic Medium"/>
-                <a:cs typeface="Franklin Gothic Medium"/>
-              </a:rPr>
-              <a:t>time</a:t>
-            </a:r>
-            <a:r>
-              <a:rPr sz="2000" spc="-10" dirty="0">
-                <a:solidFill>
-                  <a:srgbClr val="5F5F61"/>
-                </a:solidFill>
-                <a:latin typeface="Franklin Gothic Medium"/>
-                <a:cs typeface="Franklin Gothic Medium"/>
-              </a:rPr>
-              <a:t> </a:t>
-            </a:r>
-            <a:r>
-              <a:rPr sz="2000" spc="-20" dirty="0">
-                <a:solidFill>
-                  <a:srgbClr val="5F5F61"/>
-                </a:solidFill>
-                <a:latin typeface="Franklin Gothic Medium"/>
-                <a:cs typeface="Franklin Gothic Medium"/>
-              </a:rPr>
-              <a:t>vector</a:t>
-            </a:r>
-            <a:endParaRPr sz="2000" dirty="0">
-              <a:latin typeface="Franklin Gothic Medium"/>
-              <a:cs typeface="Franklin Gothic Medium"/>
-            </a:endParaRPr>
-          </a:p>
-          <a:p>
-            <a:pPr marL="241300" indent="-228600">
-              <a:lnSpc>
-                <a:spcPct val="100000"/>
-              </a:lnSpc>
-              <a:spcBef>
-                <a:spcPts val="775"/>
-              </a:spcBef>
-              <a:buClr>
-                <a:srgbClr val="8DC53E"/>
-              </a:buClr>
-              <a:buFont typeface="Arial MT"/>
-              <a:buChar char="•"/>
-              <a:tabLst>
-                <a:tab pos="240665" algn="l"/>
-                <a:tab pos="241300" algn="l"/>
-              </a:tabLst>
-            </a:pPr>
-            <a:r>
-              <a:rPr sz="2000" spc="-15" dirty="0">
-                <a:solidFill>
-                  <a:srgbClr val="5F5F61"/>
-                </a:solidFill>
-                <a:latin typeface="Franklin Gothic Medium"/>
-                <a:cs typeface="Franklin Gothic Medium"/>
-              </a:rPr>
-              <a:t>Benefit:</a:t>
-            </a:r>
-            <a:endParaRPr sz="2000" dirty="0">
-              <a:latin typeface="Franklin Gothic Medium"/>
-              <a:cs typeface="Franklin Gothic Medium"/>
-            </a:endParaRPr>
-          </a:p>
-          <a:p>
-            <a:pPr marL="469900" lvl="1" indent="-228600">
-              <a:lnSpc>
-                <a:spcPct val="100000"/>
-              </a:lnSpc>
-              <a:spcBef>
-                <a:spcPts val="250"/>
-              </a:spcBef>
-              <a:buClr>
-                <a:srgbClr val="8DC53E"/>
-              </a:buClr>
-              <a:buFont typeface="Cambria Math"/>
-              <a:buChar char="–"/>
-              <a:tabLst>
-                <a:tab pos="469900" algn="l"/>
-              </a:tabLst>
-            </a:pPr>
-            <a:r>
-              <a:rPr sz="2000" spc="-10" dirty="0">
-                <a:solidFill>
-                  <a:srgbClr val="5F5F61"/>
-                </a:solidFill>
-                <a:latin typeface="Franklin Gothic Medium"/>
-                <a:cs typeface="Franklin Gothic Medium"/>
-              </a:rPr>
-              <a:t>Current</a:t>
-            </a:r>
-            <a:r>
-              <a:rPr sz="2000" spc="-5" dirty="0">
-                <a:solidFill>
-                  <a:srgbClr val="5F5F61"/>
-                </a:solidFill>
-                <a:latin typeface="Franklin Gothic Medium"/>
-                <a:cs typeface="Franklin Gothic Medium"/>
-              </a:rPr>
-              <a:t> </a:t>
-            </a:r>
-            <a:r>
-              <a:rPr sz="2000" spc="-25" dirty="0">
-                <a:solidFill>
-                  <a:srgbClr val="5F5F61"/>
-                </a:solidFill>
-                <a:latin typeface="Franklin Gothic Medium"/>
-                <a:cs typeface="Franklin Gothic Medium"/>
-              </a:rPr>
-              <a:t>data</a:t>
-            </a:r>
-            <a:r>
-              <a:rPr sz="2000" spc="-5" dirty="0">
-                <a:solidFill>
-                  <a:srgbClr val="5F5F61"/>
-                </a:solidFill>
-                <a:latin typeface="Franklin Gothic Medium"/>
-                <a:cs typeface="Franklin Gothic Medium"/>
-              </a:rPr>
-              <a:t> </a:t>
-            </a:r>
-            <a:r>
-              <a:rPr sz="2000" spc="-15" dirty="0">
-                <a:solidFill>
-                  <a:srgbClr val="5F5F61"/>
-                </a:solidFill>
-                <a:latin typeface="Franklin Gothic Medium"/>
-                <a:cs typeface="Franklin Gothic Medium"/>
-              </a:rPr>
-              <a:t>center</a:t>
-            </a:r>
-            <a:r>
-              <a:rPr sz="2000" spc="-10" dirty="0">
-                <a:solidFill>
-                  <a:srgbClr val="5F5F61"/>
-                </a:solidFill>
-                <a:latin typeface="Franklin Gothic Medium"/>
-                <a:cs typeface="Franklin Gothic Medium"/>
-              </a:rPr>
-              <a:t> </a:t>
-            </a:r>
-            <a:r>
-              <a:rPr sz="2000" spc="-15" dirty="0">
-                <a:solidFill>
-                  <a:srgbClr val="5F5F61"/>
-                </a:solidFill>
-                <a:latin typeface="Franklin Gothic Medium"/>
-                <a:cs typeface="Franklin Gothic Medium"/>
-              </a:rPr>
-              <a:t>loads</a:t>
-            </a:r>
-            <a:r>
-              <a:rPr sz="2000" spc="-10" dirty="0">
-                <a:solidFill>
-                  <a:srgbClr val="5F5F61"/>
-                </a:solidFill>
-                <a:latin typeface="Franklin Gothic Medium"/>
-                <a:cs typeface="Franklin Gothic Medium"/>
-              </a:rPr>
-              <a:t> are</a:t>
-            </a:r>
-            <a:r>
-              <a:rPr sz="2000" dirty="0">
-                <a:solidFill>
-                  <a:srgbClr val="5F5F61"/>
-                </a:solidFill>
-                <a:latin typeface="Franklin Gothic Medium"/>
-                <a:cs typeface="Franklin Gothic Medium"/>
-              </a:rPr>
-              <a:t> </a:t>
-            </a:r>
-            <a:r>
-              <a:rPr sz="2000" spc="-25" dirty="0">
-                <a:solidFill>
-                  <a:srgbClr val="5F5F61"/>
-                </a:solidFill>
-                <a:latin typeface="Franklin Gothic Medium"/>
-                <a:cs typeface="Franklin Gothic Medium"/>
-              </a:rPr>
-              <a:t>far</a:t>
-            </a:r>
-            <a:r>
-              <a:rPr sz="2000" spc="-5" dirty="0">
-                <a:solidFill>
-                  <a:srgbClr val="5F5F61"/>
-                </a:solidFill>
-                <a:latin typeface="Franklin Gothic Medium"/>
-                <a:cs typeface="Franklin Gothic Medium"/>
-              </a:rPr>
-              <a:t> </a:t>
-            </a:r>
-            <a:r>
-              <a:rPr sz="2000" spc="-50" dirty="0">
-                <a:solidFill>
-                  <a:srgbClr val="5F5F61"/>
-                </a:solidFill>
-                <a:latin typeface="Franklin Gothic Medium"/>
-                <a:cs typeface="Franklin Gothic Medium"/>
-              </a:rPr>
-              <a:t>from</a:t>
-            </a:r>
-            <a:r>
-              <a:rPr sz="2000" spc="-20" dirty="0">
-                <a:solidFill>
-                  <a:srgbClr val="5F5F61"/>
-                </a:solidFill>
-                <a:latin typeface="Franklin Gothic Medium"/>
-                <a:cs typeface="Franklin Gothic Medium"/>
-              </a:rPr>
-              <a:t> </a:t>
-            </a:r>
-            <a:r>
-              <a:rPr sz="2000" spc="-45" dirty="0">
-                <a:solidFill>
-                  <a:srgbClr val="5F5F61"/>
-                </a:solidFill>
-                <a:latin typeface="Franklin Gothic Medium"/>
-                <a:cs typeface="Franklin Gothic Medium"/>
-              </a:rPr>
-              <a:t>100%</a:t>
-            </a:r>
-            <a:endParaRPr sz="2000" dirty="0">
-              <a:latin typeface="Franklin Gothic Medium"/>
-              <a:cs typeface="Franklin Gothic Medium"/>
-            </a:endParaRPr>
-          </a:p>
-          <a:p>
-            <a:pPr marL="469900" marR="115570" lvl="1" indent="-228600">
-              <a:lnSpc>
-                <a:spcPts val="2160"/>
-              </a:lnSpc>
-              <a:spcBef>
-                <a:spcPts val="535"/>
-              </a:spcBef>
-              <a:buClr>
-                <a:srgbClr val="8DC53E"/>
-              </a:buClr>
-              <a:buFont typeface="Cambria Math"/>
-              <a:buChar char="–"/>
-              <a:tabLst>
-                <a:tab pos="469900" algn="l"/>
-                <a:tab pos="2094864" algn="l"/>
-              </a:tabLst>
-            </a:pPr>
-            <a:r>
-              <a:rPr sz="2000" spc="-30" dirty="0">
-                <a:solidFill>
-                  <a:srgbClr val="5F5F61"/>
-                </a:solidFill>
-                <a:latin typeface="Franklin Gothic Medium"/>
-                <a:cs typeface="Franklin Gothic Medium"/>
-              </a:rPr>
-              <a:t>Determinism:	</a:t>
-            </a:r>
-            <a:r>
-              <a:rPr sz="2000" spc="-35" dirty="0">
-                <a:solidFill>
-                  <a:srgbClr val="5F5F61"/>
-                </a:solidFill>
-                <a:latin typeface="Franklin Gothic Medium"/>
-                <a:cs typeface="Franklin Gothic Medium"/>
-              </a:rPr>
-              <a:t>If</a:t>
-            </a:r>
-            <a:r>
-              <a:rPr sz="2000" spc="-10" dirty="0">
-                <a:solidFill>
-                  <a:srgbClr val="5F5F61"/>
-                </a:solidFill>
-                <a:latin typeface="Franklin Gothic Medium"/>
-                <a:cs typeface="Franklin Gothic Medium"/>
-              </a:rPr>
-              <a:t> </a:t>
-            </a:r>
-            <a:r>
-              <a:rPr sz="2000" spc="-35" dirty="0">
-                <a:solidFill>
-                  <a:srgbClr val="5F5F61"/>
-                </a:solidFill>
-                <a:latin typeface="Franklin Gothic Medium"/>
-                <a:cs typeface="Franklin Gothic Medium"/>
-              </a:rPr>
-              <a:t>you</a:t>
-            </a:r>
-            <a:r>
-              <a:rPr sz="2000" dirty="0">
-                <a:solidFill>
-                  <a:srgbClr val="5F5F61"/>
-                </a:solidFill>
-                <a:latin typeface="Franklin Gothic Medium"/>
-                <a:cs typeface="Franklin Gothic Medium"/>
-              </a:rPr>
-              <a:t> </a:t>
-            </a:r>
-            <a:r>
-              <a:rPr sz="2000" spc="-40" dirty="0">
-                <a:solidFill>
-                  <a:srgbClr val="5F5F61"/>
-                </a:solidFill>
-                <a:latin typeface="Franklin Gothic Medium"/>
-                <a:cs typeface="Franklin Gothic Medium"/>
-              </a:rPr>
-              <a:t>know</a:t>
-            </a:r>
-            <a:r>
-              <a:rPr sz="2000" spc="-30" dirty="0">
-                <a:solidFill>
-                  <a:srgbClr val="5F5F61"/>
-                </a:solidFill>
-                <a:latin typeface="Franklin Gothic Medium"/>
-                <a:cs typeface="Franklin Gothic Medium"/>
-              </a:rPr>
-              <a:t> </a:t>
-            </a:r>
-            <a:r>
-              <a:rPr sz="2000" spc="-25" dirty="0">
-                <a:solidFill>
-                  <a:srgbClr val="5F5F61"/>
-                </a:solidFill>
-                <a:latin typeface="Franklin Gothic Medium"/>
-                <a:cs typeface="Franklin Gothic Medium"/>
-              </a:rPr>
-              <a:t>when</a:t>
-            </a:r>
-            <a:r>
-              <a:rPr sz="2000" spc="-20" dirty="0">
-                <a:solidFill>
-                  <a:srgbClr val="5F5F61"/>
-                </a:solidFill>
-                <a:latin typeface="Franklin Gothic Medium"/>
-                <a:cs typeface="Franklin Gothic Medium"/>
-              </a:rPr>
-              <a:t> </a:t>
-            </a:r>
-            <a:r>
-              <a:rPr sz="2000" spc="-25" dirty="0">
-                <a:solidFill>
-                  <a:srgbClr val="5F5F61"/>
-                </a:solidFill>
-                <a:latin typeface="Franklin Gothic Medium"/>
-                <a:cs typeface="Franklin Gothic Medium"/>
-              </a:rPr>
-              <a:t>everything</a:t>
-            </a:r>
-            <a:r>
-              <a:rPr sz="2000" spc="-5" dirty="0">
-                <a:solidFill>
-                  <a:srgbClr val="5F5F61"/>
-                </a:solidFill>
-                <a:latin typeface="Franklin Gothic Medium"/>
-                <a:cs typeface="Franklin Gothic Medium"/>
-              </a:rPr>
-              <a:t> </a:t>
-            </a:r>
-            <a:r>
-              <a:rPr sz="2000" spc="-10" dirty="0">
-                <a:solidFill>
-                  <a:srgbClr val="5F5F61"/>
-                </a:solidFill>
-                <a:latin typeface="Franklin Gothic Medium"/>
-                <a:cs typeface="Franklin Gothic Medium"/>
-              </a:rPr>
-              <a:t>happens, </a:t>
-            </a:r>
-            <a:r>
-              <a:rPr sz="2000" spc="-484" dirty="0">
-                <a:solidFill>
-                  <a:srgbClr val="5F5F61"/>
-                </a:solidFill>
-                <a:latin typeface="Franklin Gothic Medium"/>
-                <a:cs typeface="Franklin Gothic Medium"/>
-              </a:rPr>
-              <a:t> </a:t>
-            </a:r>
-            <a:r>
-              <a:rPr sz="2000" spc="-20" dirty="0">
-                <a:solidFill>
-                  <a:srgbClr val="5F5F61"/>
-                </a:solidFill>
-                <a:latin typeface="Franklin Gothic Medium"/>
-                <a:cs typeface="Franklin Gothic Medium"/>
-              </a:rPr>
-              <a:t>the</a:t>
-            </a:r>
-            <a:r>
-              <a:rPr sz="2000" spc="-15" dirty="0">
-                <a:solidFill>
-                  <a:srgbClr val="5F5F61"/>
-                </a:solidFill>
-                <a:latin typeface="Franklin Gothic Medium"/>
-                <a:cs typeface="Franklin Gothic Medium"/>
-              </a:rPr>
-              <a:t> </a:t>
-            </a:r>
-            <a:r>
-              <a:rPr sz="2000" spc="-20" dirty="0">
-                <a:solidFill>
-                  <a:srgbClr val="5F5F61"/>
-                </a:solidFill>
-                <a:latin typeface="Franklin Gothic Medium"/>
-                <a:cs typeface="Franklin Gothic Medium"/>
-              </a:rPr>
-              <a:t>load</a:t>
-            </a:r>
-            <a:r>
-              <a:rPr sz="2000" dirty="0">
-                <a:solidFill>
-                  <a:srgbClr val="5F5F61"/>
-                </a:solidFill>
-                <a:latin typeface="Franklin Gothic Medium"/>
-                <a:cs typeface="Franklin Gothic Medium"/>
-              </a:rPr>
-              <a:t> </a:t>
-            </a:r>
-            <a:r>
-              <a:rPr sz="2000" spc="-10" dirty="0">
-                <a:solidFill>
-                  <a:srgbClr val="5F5F61"/>
-                </a:solidFill>
-                <a:latin typeface="Franklin Gothic Medium"/>
-                <a:cs typeface="Franklin Gothic Medium"/>
-              </a:rPr>
-              <a:t>could</a:t>
-            </a:r>
-            <a:r>
-              <a:rPr sz="2000" dirty="0">
-                <a:solidFill>
-                  <a:srgbClr val="5F5F61"/>
-                </a:solidFill>
-                <a:latin typeface="Franklin Gothic Medium"/>
-                <a:cs typeface="Franklin Gothic Medium"/>
-              </a:rPr>
-              <a:t> </a:t>
-            </a:r>
-            <a:r>
-              <a:rPr sz="2000" spc="-10" dirty="0">
-                <a:solidFill>
-                  <a:srgbClr val="5F5F61"/>
-                </a:solidFill>
-                <a:latin typeface="Franklin Gothic Medium"/>
-                <a:cs typeface="Franklin Gothic Medium"/>
-              </a:rPr>
-              <a:t>be</a:t>
-            </a:r>
-            <a:r>
-              <a:rPr sz="2000" spc="-20" dirty="0">
-                <a:solidFill>
-                  <a:srgbClr val="5F5F61"/>
-                </a:solidFill>
-                <a:latin typeface="Franklin Gothic Medium"/>
-                <a:cs typeface="Franklin Gothic Medium"/>
-              </a:rPr>
-              <a:t> </a:t>
-            </a:r>
-            <a:r>
-              <a:rPr sz="2000" spc="-10" dirty="0">
-                <a:solidFill>
-                  <a:srgbClr val="5F5F61"/>
-                </a:solidFill>
-                <a:latin typeface="Franklin Gothic Medium"/>
-                <a:cs typeface="Franklin Gothic Medium"/>
-              </a:rPr>
-              <a:t>closer</a:t>
-            </a:r>
-            <a:r>
-              <a:rPr sz="2000" dirty="0">
-                <a:solidFill>
-                  <a:srgbClr val="5F5F61"/>
-                </a:solidFill>
-                <a:latin typeface="Franklin Gothic Medium"/>
-                <a:cs typeface="Franklin Gothic Medium"/>
-              </a:rPr>
-              <a:t> </a:t>
-            </a:r>
-            <a:r>
-              <a:rPr sz="2000" spc="-45" dirty="0">
-                <a:solidFill>
-                  <a:srgbClr val="5F5F61"/>
-                </a:solidFill>
-                <a:latin typeface="Franklin Gothic Medium"/>
-                <a:cs typeface="Franklin Gothic Medium"/>
-              </a:rPr>
-              <a:t>to</a:t>
-            </a:r>
-            <a:r>
-              <a:rPr sz="2000" spc="-10" dirty="0">
-                <a:solidFill>
-                  <a:srgbClr val="5F5F61"/>
-                </a:solidFill>
-                <a:latin typeface="Franklin Gothic Medium"/>
-                <a:cs typeface="Franklin Gothic Medium"/>
-              </a:rPr>
-              <a:t> </a:t>
-            </a:r>
-            <a:r>
-              <a:rPr sz="2000" spc="-45" dirty="0">
-                <a:solidFill>
-                  <a:srgbClr val="5F5F61"/>
-                </a:solidFill>
-                <a:latin typeface="Franklin Gothic Medium"/>
-                <a:cs typeface="Franklin Gothic Medium"/>
-              </a:rPr>
-              <a:t>100%</a:t>
-            </a:r>
-            <a:endParaRPr sz="2000" dirty="0">
-              <a:latin typeface="Franklin Gothic Medium"/>
-              <a:cs typeface="Franklin Gothic Medium"/>
-            </a:endParaRPr>
-          </a:p>
-          <a:p>
-            <a:pPr marL="241300" indent="-228600">
-              <a:lnSpc>
-                <a:spcPct val="100000"/>
-              </a:lnSpc>
-              <a:spcBef>
-                <a:spcPts val="725"/>
-              </a:spcBef>
-              <a:buClr>
-                <a:srgbClr val="8DC53E"/>
-              </a:buClr>
-              <a:buFont typeface="Arial MT"/>
-              <a:buChar char="•"/>
-              <a:tabLst>
-                <a:tab pos="240665" algn="l"/>
-                <a:tab pos="241300" algn="l"/>
-              </a:tabLst>
-            </a:pPr>
-            <a:r>
-              <a:rPr sz="2000" spc="-25" dirty="0">
-                <a:solidFill>
-                  <a:srgbClr val="5F5F61"/>
-                </a:solidFill>
-                <a:latin typeface="Franklin Gothic Medium"/>
-                <a:cs typeface="Franklin Gothic Medium"/>
-              </a:rPr>
-              <a:t>Requires</a:t>
-            </a:r>
-            <a:r>
-              <a:rPr sz="2000" spc="-10" dirty="0">
-                <a:solidFill>
-                  <a:srgbClr val="5F5F61"/>
-                </a:solidFill>
-                <a:latin typeface="Franklin Gothic Medium"/>
-                <a:cs typeface="Franklin Gothic Medium"/>
-              </a:rPr>
-              <a:t> </a:t>
-            </a:r>
-            <a:r>
-              <a:rPr sz="2000" dirty="0">
-                <a:solidFill>
-                  <a:srgbClr val="5F5F61"/>
-                </a:solidFill>
-                <a:latin typeface="Franklin Gothic Medium"/>
-                <a:cs typeface="Franklin Gothic Medium"/>
-              </a:rPr>
-              <a:t>End-to-End</a:t>
-            </a:r>
-            <a:r>
-              <a:rPr sz="2000" spc="-5" dirty="0">
-                <a:solidFill>
-                  <a:srgbClr val="5F5F61"/>
-                </a:solidFill>
-                <a:latin typeface="Franklin Gothic Medium"/>
-                <a:cs typeface="Franklin Gothic Medium"/>
-              </a:rPr>
-              <a:t> </a:t>
-            </a:r>
-            <a:r>
-              <a:rPr sz="2000" spc="-20" dirty="0">
-                <a:solidFill>
-                  <a:srgbClr val="5F5F61"/>
-                </a:solidFill>
-                <a:latin typeface="Franklin Gothic Medium"/>
-                <a:cs typeface="Franklin Gothic Medium"/>
-              </a:rPr>
-              <a:t>Precision</a:t>
-            </a:r>
-            <a:r>
-              <a:rPr sz="2000" spc="-10" dirty="0">
-                <a:solidFill>
-                  <a:srgbClr val="5F5F61"/>
-                </a:solidFill>
-                <a:latin typeface="Franklin Gothic Medium"/>
-                <a:cs typeface="Franklin Gothic Medium"/>
-              </a:rPr>
-              <a:t> </a:t>
-            </a:r>
-            <a:r>
-              <a:rPr sz="2000" spc="-25" dirty="0">
-                <a:solidFill>
-                  <a:srgbClr val="5F5F61"/>
-                </a:solidFill>
-                <a:latin typeface="Franklin Gothic Medium"/>
-                <a:cs typeface="Franklin Gothic Medium"/>
-              </a:rPr>
-              <a:t>of</a:t>
-            </a:r>
-            <a:r>
-              <a:rPr sz="2000" spc="-10" dirty="0">
-                <a:solidFill>
-                  <a:srgbClr val="5F5F61"/>
-                </a:solidFill>
-                <a:latin typeface="Franklin Gothic Medium"/>
-                <a:cs typeface="Franklin Gothic Medium"/>
-              </a:rPr>
-              <a:t> &lt;10ns</a:t>
-            </a:r>
-            <a:endParaRPr sz="2000" dirty="0">
-              <a:latin typeface="Franklin Gothic Medium"/>
-              <a:cs typeface="Franklin Gothic Medium"/>
-            </a:endParaRPr>
-          </a:p>
-          <a:p>
-            <a:pPr>
-              <a:lnSpc>
-                <a:spcPct val="100000"/>
-              </a:lnSpc>
-              <a:spcBef>
-                <a:spcPts val="15"/>
-              </a:spcBef>
-            </a:pPr>
-            <a:endParaRPr sz="2150" dirty="0">
-              <a:latin typeface="Franklin Gothic Medium"/>
-              <a:cs typeface="Franklin Gothic Medium"/>
-            </a:endParaRPr>
-          </a:p>
-        </p:txBody>
-      </p:sp>
-    </p:spTree>
-  </p:cSld>
-  <p:clrMapOvr>
-    <a:masterClrMapping/>
-  </p:clrMapOvr>
-</p:sld>
-</file>
-
-<file path=ppt/slides/slide21.xml><?xml version="1.0" encoding="utf-8"?>
-<p:sld xmlns:a="http://schemas.openxmlformats.org/drawingml/2006/main" xmlns:r="http://schemas.openxmlformats.org/officeDocument/2006/relationships" xmlns:p="http://schemas.openxmlformats.org/presentationml/2006/main" showMasterSp="0">
-  <p:cSld>
-    <p:spTree>
-      <p:nvGrpSpPr>
-        <p:cNvPr id="1" name=""/>
-        <p:cNvGrpSpPr/>
-        <p:nvPr/>
-      </p:nvGrpSpPr>
-      <p:grpSpPr>
-        <a:xfrm>
-          <a:off x="0" y="0"/>
-          <a:ext cx="0" cy="0"/>
-          <a:chOff x="0" y="0"/>
-          <a:chExt cx="0" cy="0"/>
-        </a:xfrm>
-      </p:grpSpPr>
       <p:pic>
         <p:nvPicPr>
           <p:cNvPr id="6" name="object 6"/>

--- a/Time-Card/ДОКУМЕНТЫ/МАТЕРИАЛ СТАТЬИ/End User Synchronization.pptx
+++ b/Time-Card/ДОКУМЕНТЫ/МАТЕРИАЛ СТАТЬИ/End User Synchronization.pptx
@@ -18,13 +18,12 @@
     <p:sldId id="268" r:id="rId12"/>
     <p:sldId id="269" r:id="rId13"/>
     <p:sldId id="270" r:id="rId14"/>
-    <p:sldId id="271" r:id="rId15"/>
-    <p:sldId id="272" r:id="rId16"/>
-    <p:sldId id="273" r:id="rId17"/>
-    <p:sldId id="275" r:id="rId18"/>
-    <p:sldId id="276" r:id="rId19"/>
-    <p:sldId id="277" r:id="rId20"/>
-    <p:sldId id="278" r:id="rId21"/>
+    <p:sldId id="272" r:id="rId15"/>
+    <p:sldId id="273" r:id="rId16"/>
+    <p:sldId id="275" r:id="rId17"/>
+    <p:sldId id="276" r:id="rId18"/>
+    <p:sldId id="277" r:id="rId19"/>
+    <p:sldId id="278" r:id="rId20"/>
   </p:sldIdLst>
   <p:sldSz cx="12192000" cy="6858000"/>
   <p:notesSz cx="12192000" cy="6858000"/>
@@ -289,7 +288,7 @@
           <a:p>
             <a:fld id="{1D8BD707-D9CF-40AE-B4C6-C98DA3205C09}" type="datetimeFigureOut">
               <a:rPr lang="en-US" smtClean="0"/>
-              <a:t>6/14/2024</a:t>
+              <a:t>6/16/2024</a:t>
             </a:fld>
             <a:endParaRPr lang="en-US"/>
           </a:p>
@@ -487,7 +486,7 @@
           <a:p>
             <a:fld id="{1D8BD707-D9CF-40AE-B4C6-C98DA3205C09}" type="datetimeFigureOut">
               <a:rPr lang="en-US" smtClean="0"/>
-              <a:t>6/14/2024</a:t>
+              <a:t>6/16/2024</a:t>
             </a:fld>
             <a:endParaRPr lang="en-US"/>
           </a:p>
@@ -695,7 +694,7 @@
           <a:p>
             <a:fld id="{1D8BD707-D9CF-40AE-B4C6-C98DA3205C09}" type="datetimeFigureOut">
               <a:rPr lang="en-US" smtClean="0"/>
-              <a:t>6/14/2024</a:t>
+              <a:t>6/16/2024</a:t>
             </a:fld>
             <a:endParaRPr lang="en-US"/>
           </a:p>
@@ -870,7 +869,7 @@
           <a:p>
             <a:fld id="{1D8BD707-D9CF-40AE-B4C6-C98DA3205C09}" type="datetimeFigureOut">
               <a:rPr lang="en-US"/>
-              <a:t>6/14/2024</a:t>
+              <a:t>6/16/2024</a:t>
             </a:fld>
             <a:endParaRPr lang="en-US"/>
           </a:p>
@@ -1002,7 +1001,7 @@
           <a:p>
             <a:fld id="{1D8BD707-D9CF-40AE-B4C6-C98DA3205C09}" type="datetimeFigureOut">
               <a:rPr lang="en-US"/>
-              <a:t>6/14/2024</a:t>
+              <a:t>6/16/2024</a:t>
             </a:fld>
             <a:endParaRPr lang="en-US"/>
           </a:p>
@@ -1178,7 +1177,7 @@
           <a:p>
             <a:fld id="{1D8BD707-D9CF-40AE-B4C6-C98DA3205C09}" type="datetimeFigureOut">
               <a:rPr lang="en-US" smtClean="0"/>
-              <a:t>6/14/2024</a:t>
+              <a:t>6/16/2024</a:t>
             </a:fld>
             <a:endParaRPr lang="en-US"/>
           </a:p>
@@ -1453,7 +1452,7 @@
           <a:p>
             <a:fld id="{1D8BD707-D9CF-40AE-B4C6-C98DA3205C09}" type="datetimeFigureOut">
               <a:rPr lang="en-US" smtClean="0"/>
-              <a:t>6/14/2024</a:t>
+              <a:t>6/16/2024</a:t>
             </a:fld>
             <a:endParaRPr lang="en-US"/>
           </a:p>
@@ -1718,7 +1717,7 @@
           <a:p>
             <a:fld id="{1D8BD707-D9CF-40AE-B4C6-C98DA3205C09}" type="datetimeFigureOut">
               <a:rPr lang="en-US" smtClean="0"/>
-              <a:t>6/14/2024</a:t>
+              <a:t>6/16/2024</a:t>
             </a:fld>
             <a:endParaRPr lang="en-US"/>
           </a:p>
@@ -2130,7 +2129,7 @@
           <a:p>
             <a:fld id="{1D8BD707-D9CF-40AE-B4C6-C98DA3205C09}" type="datetimeFigureOut">
               <a:rPr lang="en-US" smtClean="0"/>
-              <a:t>6/14/2024</a:t>
+              <a:t>6/16/2024</a:t>
             </a:fld>
             <a:endParaRPr lang="en-US"/>
           </a:p>
@@ -2271,7 +2270,7 @@
           <a:p>
             <a:fld id="{1D8BD707-D9CF-40AE-B4C6-C98DA3205C09}" type="datetimeFigureOut">
               <a:rPr lang="en-US" smtClean="0"/>
-              <a:t>6/14/2024</a:t>
+              <a:t>6/16/2024</a:t>
             </a:fld>
             <a:endParaRPr lang="en-US"/>
           </a:p>
@@ -2384,7 +2383,7 @@
           <a:p>
             <a:fld id="{1D8BD707-D9CF-40AE-B4C6-C98DA3205C09}" type="datetimeFigureOut">
               <a:rPr lang="en-US" smtClean="0"/>
-              <a:t>6/14/2024</a:t>
+              <a:t>6/16/2024</a:t>
             </a:fld>
             <a:endParaRPr lang="en-US"/>
           </a:p>
@@ -2695,7 +2694,7 @@
           <a:p>
             <a:fld id="{1D8BD707-D9CF-40AE-B4C6-C98DA3205C09}" type="datetimeFigureOut">
               <a:rPr lang="en-US" smtClean="0"/>
-              <a:t>6/14/2024</a:t>
+              <a:t>6/16/2024</a:t>
             </a:fld>
             <a:endParaRPr lang="en-US"/>
           </a:p>
@@ -2983,7 +2982,7 @@
           <a:p>
             <a:fld id="{1D8BD707-D9CF-40AE-B4C6-C98DA3205C09}" type="datetimeFigureOut">
               <a:rPr lang="en-US" smtClean="0"/>
-              <a:t>6/14/2024</a:t>
+              <a:t>6/16/2024</a:t>
             </a:fld>
             <a:endParaRPr lang="en-US"/>
           </a:p>
@@ -3224,7 +3223,7 @@
           <a:p>
             <a:fld id="{1D8BD707-D9CF-40AE-B4C6-C98DA3205C09}" type="datetimeFigureOut">
               <a:rPr lang="en-US" smtClean="0"/>
-              <a:t>6/14/2024</a:t>
+              <a:t>6/16/2024</a:t>
             </a:fld>
             <a:endParaRPr lang="en-US"/>
           </a:p>
@@ -3681,23 +3680,33 @@
               </a:tabLst>
             </a:pPr>
             <a:r>
-              <a:rPr spc="395" dirty="0"/>
+              <a:rPr spc="395" dirty="0">
+                <a:latin typeface="+mj-lt"/>
+              </a:rPr>
               <a:t>End</a:t>
             </a:r>
             <a:r>
-              <a:rPr lang="en-US" spc="395" dirty="0"/>
-              <a:t> </a:t>
-            </a:r>
-            <a:r>
-              <a:rPr spc="445" dirty="0"/>
+              <a:rPr lang="en-US" spc="395" dirty="0">
+                <a:latin typeface="+mj-lt"/>
+              </a:rPr>
+              <a:t> </a:t>
+            </a:r>
+            <a:r>
+              <a:rPr spc="445" dirty="0">
+                <a:latin typeface="+mj-lt"/>
+              </a:rPr>
               <a:t>User</a:t>
             </a:r>
             <a:r>
-              <a:rPr lang="en-US" spc="445" dirty="0"/>
-              <a:t> </a:t>
-            </a:r>
-            <a:r>
-              <a:rPr spc="550" dirty="0"/>
+              <a:rPr lang="en-US" spc="445" dirty="0">
+                <a:latin typeface="+mj-lt"/>
+              </a:rPr>
+              <a:t> </a:t>
+            </a:r>
+            <a:r>
+              <a:rPr spc="550" dirty="0">
+                <a:latin typeface="+mj-lt"/>
+              </a:rPr>
               <a:t>Synchronization</a:t>
             </a:r>
           </a:p>
@@ -9656,225 +9665,6 @@
         </p:nvSpPr>
         <p:spPr>
           <a:xfrm>
-            <a:off x="338124" y="366140"/>
-            <a:ext cx="3333750" cy="756920"/>
-          </a:xfrm>
-          <a:prstGeom prst="rect">
-            <a:avLst/>
-          </a:prstGeom>
-        </p:spPr>
-        <p:txBody>
-          <a:bodyPr vert="horz" wrap="square" lIns="0" tIns="12700" rIns="0" bIns="0" rtlCol="0">
-            <a:spAutoFit/>
-          </a:bodyPr>
-          <a:lstStyle/>
-          <a:p>
-            <a:pPr marL="12700">
-              <a:lnSpc>
-                <a:spcPct val="100000"/>
-              </a:lnSpc>
-              <a:spcBef>
-                <a:spcPts val="100"/>
-              </a:spcBef>
-            </a:pPr>
-            <a:r>
-              <a:rPr sz="4800" spc="-70" dirty="0">
-                <a:solidFill>
-                  <a:srgbClr val="5F5F60"/>
-                </a:solidFill>
-              </a:rPr>
-              <a:t>Performance</a:t>
-            </a:r>
-            <a:endParaRPr sz="4800"/>
-          </a:p>
-        </p:txBody>
-      </p:sp>
-      <p:pic>
-        <p:nvPicPr>
-          <p:cNvPr id="3" name="object 3"/>
-          <p:cNvPicPr/>
-          <p:nvPr/>
-        </p:nvPicPr>
-        <p:blipFill>
-          <a:blip r:embed="rId2" cstate="print"/>
-          <a:stretch>
-            <a:fillRect/>
-          </a:stretch>
-        </p:blipFill>
-        <p:spPr>
-          <a:xfrm>
-            <a:off x="8686800" y="274320"/>
-            <a:ext cx="2615183" cy="1950719"/>
-          </a:xfrm>
-          <a:prstGeom prst="rect">
-            <a:avLst/>
-          </a:prstGeom>
-        </p:spPr>
-      </p:pic>
-      <p:pic>
-        <p:nvPicPr>
-          <p:cNvPr id="4" name="object 4"/>
-          <p:cNvPicPr/>
-          <p:nvPr/>
-        </p:nvPicPr>
-        <p:blipFill>
-          <a:blip r:embed="rId3" cstate="print"/>
-          <a:stretch>
-            <a:fillRect/>
-          </a:stretch>
-        </p:blipFill>
-        <p:spPr>
-          <a:xfrm>
-            <a:off x="204217" y="1447800"/>
-            <a:ext cx="5561076" cy="4224528"/>
-          </a:xfrm>
-          <a:prstGeom prst="rect">
-            <a:avLst/>
-          </a:prstGeom>
-        </p:spPr>
-      </p:pic>
-      <p:pic>
-        <p:nvPicPr>
-          <p:cNvPr id="5" name="object 5"/>
-          <p:cNvPicPr/>
-          <p:nvPr/>
-        </p:nvPicPr>
-        <p:blipFill>
-          <a:blip r:embed="rId4" cstate="print"/>
-          <a:stretch>
-            <a:fillRect/>
-          </a:stretch>
-        </p:blipFill>
-        <p:spPr>
-          <a:xfrm>
-            <a:off x="5859779" y="2514600"/>
-            <a:ext cx="6128004" cy="3316224"/>
-          </a:xfrm>
-          <a:prstGeom prst="rect">
-            <a:avLst/>
-          </a:prstGeom>
-        </p:spPr>
-      </p:pic>
-      <p:sp>
-        <p:nvSpPr>
-          <p:cNvPr id="6" name="object 6"/>
-          <p:cNvSpPr txBox="1"/>
-          <p:nvPr/>
-        </p:nvSpPr>
-        <p:spPr>
-          <a:xfrm>
-            <a:off x="8947784" y="6357170"/>
-            <a:ext cx="2855595" cy="255270"/>
-          </a:xfrm>
-          <a:prstGeom prst="rect">
-            <a:avLst/>
-          </a:prstGeom>
-        </p:spPr>
-        <p:txBody>
-          <a:bodyPr vert="horz" wrap="square" lIns="0" tIns="0" rIns="0" bIns="0" rtlCol="0">
-            <a:spAutoFit/>
-          </a:bodyPr>
-          <a:lstStyle/>
-          <a:p>
-            <a:pPr marL="12700">
-              <a:lnSpc>
-                <a:spcPts val="1885"/>
-              </a:lnSpc>
-            </a:pPr>
-            <a:r>
-              <a:rPr sz="1600" spc="-10" dirty="0">
-                <a:solidFill>
-                  <a:srgbClr val="FFFFFF"/>
-                </a:solidFill>
-                <a:latin typeface="Franklin Gothic Medium"/>
-                <a:cs typeface="Franklin Gothic Medium"/>
-              </a:rPr>
-              <a:t>Connect.</a:t>
-            </a:r>
-            <a:r>
-              <a:rPr sz="1600" dirty="0">
-                <a:solidFill>
-                  <a:srgbClr val="FFFFFF"/>
-                </a:solidFill>
-                <a:latin typeface="Franklin Gothic Medium"/>
-                <a:cs typeface="Franklin Gothic Medium"/>
-              </a:rPr>
-              <a:t> </a:t>
-            </a:r>
-            <a:r>
-              <a:rPr sz="1600" spc="-20" dirty="0">
-                <a:solidFill>
-                  <a:srgbClr val="FFFFFF"/>
-                </a:solidFill>
-                <a:latin typeface="Franklin Gothic Medium"/>
-                <a:cs typeface="Franklin Gothic Medium"/>
-              </a:rPr>
-              <a:t>Collaborate.</a:t>
-            </a:r>
-            <a:r>
-              <a:rPr sz="1600" spc="10" dirty="0">
-                <a:solidFill>
-                  <a:srgbClr val="FFFFFF"/>
-                </a:solidFill>
-                <a:latin typeface="Franklin Gothic Medium"/>
-                <a:cs typeface="Franklin Gothic Medium"/>
-              </a:rPr>
-              <a:t> </a:t>
-            </a:r>
-            <a:r>
-              <a:rPr sz="1600" spc="-25" dirty="0">
-                <a:solidFill>
-                  <a:srgbClr val="FFFFFF"/>
-                </a:solidFill>
-                <a:latin typeface="Franklin Gothic Medium"/>
-                <a:cs typeface="Franklin Gothic Medium"/>
-              </a:rPr>
-              <a:t>Accelerate.</a:t>
-            </a:r>
-            <a:endParaRPr sz="1600">
-              <a:latin typeface="Franklin Gothic Medium"/>
-              <a:cs typeface="Franklin Gothic Medium"/>
-            </a:endParaRPr>
-          </a:p>
-        </p:txBody>
-      </p:sp>
-    </p:spTree>
-  </p:cSld>
-  <p:clrMapOvr>
-    <a:masterClrMapping/>
-  </p:clrMapOvr>
-</p:sld>
-</file>
-
-<file path=ppt/slides/slide15.xml><?xml version="1.0" encoding="utf-8"?>
-<p:sld xmlns:a="http://schemas.openxmlformats.org/drawingml/2006/main" xmlns:r="http://schemas.openxmlformats.org/officeDocument/2006/relationships" xmlns:p="http://schemas.openxmlformats.org/presentationml/2006/main">
-  <p:cSld>
-    <p:spTree>
-      <p:nvGrpSpPr>
-        <p:cNvPr id="1" name=""/>
-        <p:cNvGrpSpPr/>
-        <p:nvPr/>
-      </p:nvGrpSpPr>
-      <p:grpSpPr>
-        <a:xfrm>
-          <a:off x="0" y="0"/>
-          <a:ext cx="0" cy="0"/>
-          <a:chOff x="0" y="0"/>
-          <a:chExt cx="0" cy="0"/>
-        </a:xfrm>
-      </p:grpSpPr>
-      <p:sp>
-        <p:nvSpPr>
-          <p:cNvPr id="2" name="object 2"/>
-          <p:cNvSpPr txBox="1">
-            <a:spLocks noGrp="1"/>
-          </p:cNvSpPr>
-          <p:nvPr>
-            <p:ph type="title"/>
-          </p:nvPr>
-        </p:nvSpPr>
-        <p:spPr>
-          <a:xfrm>
             <a:off x="1143000" y="245560"/>
             <a:ext cx="9756140" cy="757555"/>
           </a:xfrm>
@@ -10079,7 +9869,7 @@
 </p:sld>
 </file>
 
-<file path=ppt/slides/slide16.xml><?xml version="1.0" encoding="utf-8"?>
+<file path=ppt/slides/slide15.xml><?xml version="1.0" encoding="utf-8"?>
 <p:sld xmlns:a="http://schemas.openxmlformats.org/drawingml/2006/main" xmlns:r="http://schemas.openxmlformats.org/officeDocument/2006/relationships" xmlns:p="http://schemas.openxmlformats.org/presentationml/2006/main">
   <p:cSld>
     <p:spTree>
@@ -10276,7 +10066,7 @@
 </p:sld>
 </file>
 
-<file path=ppt/slides/slide17.xml><?xml version="1.0" encoding="utf-8"?>
+<file path=ppt/slides/slide16.xml><?xml version="1.0" encoding="utf-8"?>
 <p:sld xmlns:a="http://schemas.openxmlformats.org/drawingml/2006/main" xmlns:r="http://schemas.openxmlformats.org/officeDocument/2006/relationships" xmlns:p="http://schemas.openxmlformats.org/presentationml/2006/main">
   <p:cSld>
     <p:spTree>
@@ -11516,7 +11306,7 @@
 </p:sld>
 </file>
 
-<file path=ppt/slides/slide18.xml><?xml version="1.0" encoding="utf-8"?>
+<file path=ppt/slides/slide17.xml><?xml version="1.0" encoding="utf-8"?>
 <p:sld xmlns:a="http://schemas.openxmlformats.org/drawingml/2006/main" xmlns:r="http://schemas.openxmlformats.org/officeDocument/2006/relationships" xmlns:p="http://schemas.openxmlformats.org/presentationml/2006/main" showMasterSp="0">
   <p:cSld>
     <p:spTree>
@@ -12712,7 +12502,7 @@
 </p:sld>
 </file>
 
-<file path=ppt/slides/slide19.xml><?xml version="1.0" encoding="utf-8"?>
+<file path=ppt/slides/slide18.xml><?xml version="1.0" encoding="utf-8"?>
 <p:sld xmlns:a="http://schemas.openxmlformats.org/drawingml/2006/main" xmlns:r="http://schemas.openxmlformats.org/officeDocument/2006/relationships" xmlns:p="http://schemas.openxmlformats.org/presentationml/2006/main" showMasterSp="0">
   <p:cSld>
     <p:spTree>
@@ -14677,6 +14467,53 @@
           </a:p>
         </p:txBody>
       </p:sp>
+    </p:spTree>
+  </p:cSld>
+  <p:clrMapOvr>
+    <a:masterClrMapping/>
+  </p:clrMapOvr>
+</p:sld>
+</file>
+
+<file path=ppt/slides/slide19.xml><?xml version="1.0" encoding="utf-8"?>
+<p:sld xmlns:a="http://schemas.openxmlformats.org/drawingml/2006/main" xmlns:r="http://schemas.openxmlformats.org/officeDocument/2006/relationships" xmlns:p="http://schemas.openxmlformats.org/presentationml/2006/main" showMasterSp="0">
+  <p:cSld>
+    <p:spTree>
+      <p:nvGrpSpPr>
+        <p:cNvPr id="1" name=""/>
+        <p:cNvGrpSpPr/>
+        <p:nvPr/>
+      </p:nvGrpSpPr>
+      <p:grpSpPr>
+        <a:xfrm>
+          <a:off x="0" y="0"/>
+          <a:ext cx="0" cy="0"/>
+          <a:chOff x="0" y="0"/>
+          <a:chExt cx="0" cy="0"/>
+        </a:xfrm>
+      </p:grpSpPr>
+      <p:pic>
+        <p:nvPicPr>
+          <p:cNvPr id="6" name="object 6"/>
+          <p:cNvPicPr/>
+          <p:nvPr/>
+        </p:nvPicPr>
+        <p:blipFill>
+          <a:blip r:embed="rId2" cstate="print"/>
+          <a:stretch>
+            <a:fillRect/>
+          </a:stretch>
+        </p:blipFill>
+        <p:spPr>
+          <a:xfrm>
+            <a:off x="865632" y="722376"/>
+            <a:ext cx="10460736" cy="5413248"/>
+          </a:xfrm>
+          <a:prstGeom prst="rect">
+            <a:avLst/>
+          </a:prstGeom>
+        </p:spPr>
+      </p:pic>
     </p:spTree>
   </p:cSld>
   <p:clrMapOvr>
@@ -14812,7 +14649,7 @@
         <p:spPr>
           <a:xfrm>
             <a:off x="990600" y="1772285"/>
-            <a:ext cx="8728710" cy="1682750"/>
+            <a:ext cx="8728710" cy="1718419"/>
           </a:xfrm>
           <a:prstGeom prst="rect">
             <a:avLst/>
@@ -14837,7 +14674,7 @@
                 <a:solidFill>
                   <a:srgbClr val="666666"/>
                 </a:solidFill>
-                <a:latin typeface="Arial"/>
+                <a:latin typeface="+mj-lt"/>
                 <a:cs typeface="Arial"/>
               </a:rPr>
               <a:t>“</a:t>
@@ -14847,7 +14684,7 @@
                 <a:solidFill>
                   <a:srgbClr val="666666"/>
                 </a:solidFill>
-                <a:latin typeface="Arial"/>
+                <a:latin typeface="+mj-lt"/>
                 <a:cs typeface="Arial"/>
               </a:rPr>
               <a:t> </a:t>
@@ -14857,7 +14694,7 @@
                 <a:solidFill>
                   <a:srgbClr val="666666"/>
                 </a:solidFill>
-                <a:latin typeface="Arial"/>
+                <a:latin typeface="+mj-lt"/>
                 <a:cs typeface="Arial"/>
               </a:rPr>
               <a:t>Nanosecond-level</a:t>
@@ -14867,7 +14704,7 @@
                 <a:solidFill>
                   <a:srgbClr val="666666"/>
                 </a:solidFill>
-                <a:latin typeface="Arial"/>
+                <a:latin typeface="+mj-lt"/>
                 <a:cs typeface="Arial"/>
               </a:rPr>
               <a:t> </a:t>
@@ -14877,7 +14714,7 @@
                 <a:solidFill>
                   <a:srgbClr val="666666"/>
                 </a:solidFill>
-                <a:latin typeface="Arial"/>
+                <a:latin typeface="+mj-lt"/>
                 <a:cs typeface="Arial"/>
               </a:rPr>
               <a:t>clock</a:t>
@@ -14887,7 +14724,7 @@
                 <a:solidFill>
                   <a:srgbClr val="666666"/>
                 </a:solidFill>
-                <a:latin typeface="Arial"/>
+                <a:latin typeface="+mj-lt"/>
                 <a:cs typeface="Arial"/>
               </a:rPr>
               <a:t> </a:t>
@@ -14897,7 +14734,7 @@
                 <a:solidFill>
                   <a:srgbClr val="666666"/>
                 </a:solidFill>
-                <a:latin typeface="Arial"/>
+                <a:latin typeface="+mj-lt"/>
                 <a:cs typeface="Arial"/>
               </a:rPr>
               <a:t>synchronization</a:t>
@@ -14907,7 +14744,7 @@
                 <a:solidFill>
                   <a:srgbClr val="666666"/>
                 </a:solidFill>
-                <a:latin typeface="Arial"/>
+                <a:latin typeface="+mj-lt"/>
                 <a:cs typeface="Arial"/>
               </a:rPr>
               <a:t> </a:t>
@@ -14917,7 +14754,7 @@
                 <a:solidFill>
                   <a:srgbClr val="666666"/>
                 </a:solidFill>
-                <a:latin typeface="Arial"/>
+                <a:latin typeface="+mj-lt"/>
                 <a:cs typeface="Arial"/>
               </a:rPr>
               <a:t>enables</a:t>
@@ -14927,7 +14764,7 @@
                 <a:solidFill>
                   <a:srgbClr val="666666"/>
                 </a:solidFill>
-                <a:latin typeface="Arial"/>
+                <a:latin typeface="+mj-lt"/>
                 <a:cs typeface="Arial"/>
               </a:rPr>
               <a:t> </a:t>
@@ -14937,7 +14774,7 @@
                 <a:solidFill>
                   <a:srgbClr val="666666"/>
                 </a:solidFill>
-                <a:latin typeface="Arial"/>
+                <a:latin typeface="+mj-lt"/>
                 <a:cs typeface="Arial"/>
               </a:rPr>
               <a:t>a</a:t>
@@ -14947,7 +14784,7 @@
                 <a:solidFill>
                   <a:srgbClr val="666666"/>
                 </a:solidFill>
-                <a:latin typeface="Arial"/>
+                <a:latin typeface="+mj-lt"/>
                 <a:cs typeface="Arial"/>
               </a:rPr>
               <a:t> </a:t>
@@ -14957,7 +14794,7 @@
                 <a:solidFill>
                   <a:srgbClr val="666666"/>
                 </a:solidFill>
-                <a:latin typeface="Arial"/>
+                <a:latin typeface="+mj-lt"/>
                 <a:cs typeface="Arial"/>
               </a:rPr>
               <a:t>new</a:t>
@@ -14967,7 +14804,7 @@
                 <a:solidFill>
                   <a:srgbClr val="666666"/>
                 </a:solidFill>
-                <a:latin typeface="Arial"/>
+                <a:latin typeface="+mj-lt"/>
                 <a:cs typeface="Arial"/>
               </a:rPr>
               <a:t> </a:t>
@@ -14977,7 +14814,7 @@
                 <a:solidFill>
                   <a:srgbClr val="666666"/>
                 </a:solidFill>
-                <a:latin typeface="Arial"/>
+                <a:latin typeface="+mj-lt"/>
                 <a:cs typeface="Arial"/>
               </a:rPr>
               <a:t>spectrum</a:t>
@@ -14987,7 +14824,7 @@
                 <a:solidFill>
                   <a:srgbClr val="666666"/>
                 </a:solidFill>
-                <a:latin typeface="Arial"/>
+                <a:latin typeface="+mj-lt"/>
                 <a:cs typeface="Arial"/>
               </a:rPr>
               <a:t> </a:t>
@@ -14997,7 +14834,7 @@
                 <a:solidFill>
                   <a:srgbClr val="666666"/>
                 </a:solidFill>
-                <a:latin typeface="Arial"/>
+                <a:latin typeface="+mj-lt"/>
                 <a:cs typeface="Arial"/>
               </a:rPr>
               <a:t>of</a:t>
@@ -15007,7 +14844,7 @@
                 <a:solidFill>
                   <a:srgbClr val="666666"/>
                 </a:solidFill>
-                <a:latin typeface="Arial"/>
+                <a:latin typeface="+mj-lt"/>
                 <a:cs typeface="Arial"/>
               </a:rPr>
               <a:t> </a:t>
@@ -15017,7 +14854,7 @@
                 <a:solidFill>
                   <a:srgbClr val="666666"/>
                 </a:solidFill>
-                <a:latin typeface="Arial"/>
+                <a:latin typeface="+mj-lt"/>
                 <a:cs typeface="Arial"/>
               </a:rPr>
               <a:t>timing</a:t>
@@ -15027,7 +14864,7 @@
                 <a:solidFill>
                   <a:srgbClr val="666666"/>
                 </a:solidFill>
-                <a:latin typeface="Arial"/>
+                <a:latin typeface="+mj-lt"/>
                 <a:cs typeface="Arial"/>
               </a:rPr>
               <a:t> </a:t>
@@ -15037,13 +14874,13 @@
                 <a:solidFill>
                   <a:srgbClr val="666666"/>
                 </a:solidFill>
-                <a:latin typeface="Arial"/>
+                <a:latin typeface="+mj-lt"/>
                 <a:cs typeface="Arial"/>
               </a:rPr>
               <a:t>and</a:t>
             </a:r>
             <a:endParaRPr sz="1800" dirty="0">
-              <a:latin typeface="Arial"/>
+              <a:latin typeface="+mj-lt"/>
               <a:cs typeface="Arial"/>
             </a:endParaRPr>
           </a:p>
@@ -15058,7 +14895,7 @@
                 <a:solidFill>
                   <a:srgbClr val="666666"/>
                 </a:solidFill>
-                <a:latin typeface="Arial"/>
+                <a:latin typeface="+mj-lt"/>
                 <a:cs typeface="Arial"/>
               </a:rPr>
               <a:t>delay-critical</a:t>
@@ -15068,7 +14905,7 @@
                 <a:solidFill>
                   <a:srgbClr val="666666"/>
                 </a:solidFill>
-                <a:latin typeface="Arial"/>
+                <a:latin typeface="+mj-lt"/>
                 <a:cs typeface="Arial"/>
               </a:rPr>
               <a:t> </a:t>
@@ -15078,13 +14915,13 @@
                 <a:solidFill>
                   <a:srgbClr val="666666"/>
                 </a:solidFill>
-                <a:latin typeface="Arial"/>
+                <a:latin typeface="+mj-lt"/>
                 <a:cs typeface="Arial"/>
               </a:rPr>
               <a:t>applications”</a:t>
             </a:r>
             <a:endParaRPr sz="1800" dirty="0">
-              <a:latin typeface="Arial"/>
+              <a:latin typeface="+mj-lt"/>
               <a:cs typeface="Arial"/>
             </a:endParaRPr>
           </a:p>
@@ -15102,7 +14939,7 @@
                 <a:solidFill>
                   <a:srgbClr val="999999"/>
                 </a:solidFill>
-                <a:latin typeface="Franklin Gothic Medium"/>
+                <a:latin typeface="+mj-lt"/>
                 <a:cs typeface="Franklin Gothic Medium"/>
               </a:rPr>
               <a:t>--</a:t>
@@ -15112,7 +14949,7 @@
                 <a:solidFill>
                   <a:srgbClr val="999999"/>
                 </a:solidFill>
-                <a:latin typeface="Franklin Gothic Medium"/>
+                <a:latin typeface="+mj-lt"/>
                 <a:cs typeface="Franklin Gothic Medium"/>
               </a:rPr>
               <a:t> </a:t>
@@ -15122,7 +14959,7 @@
                 <a:solidFill>
                   <a:srgbClr val="999999"/>
                 </a:solidFill>
-                <a:latin typeface="Franklin Gothic Medium"/>
+                <a:latin typeface="+mj-lt"/>
                 <a:cs typeface="Franklin Gothic Medium"/>
               </a:rPr>
               <a:t>Google,</a:t>
@@ -15132,7 +14969,7 @@
                 <a:solidFill>
                   <a:srgbClr val="999999"/>
                 </a:solidFill>
-                <a:latin typeface="Franklin Gothic Medium"/>
+                <a:latin typeface="+mj-lt"/>
                 <a:cs typeface="Franklin Gothic Medium"/>
               </a:rPr>
               <a:t> </a:t>
@@ -15142,7 +14979,7 @@
                 <a:solidFill>
                   <a:srgbClr val="999999"/>
                 </a:solidFill>
-                <a:latin typeface="Franklin Gothic Medium"/>
+                <a:latin typeface="+mj-lt"/>
                 <a:cs typeface="Franklin Gothic Medium"/>
               </a:rPr>
               <a:t>Stanford,</a:t>
@@ -15152,7 +14989,7 @@
                 <a:solidFill>
                   <a:srgbClr val="999999"/>
                 </a:solidFill>
-                <a:latin typeface="Franklin Gothic Medium"/>
+                <a:latin typeface="+mj-lt"/>
                 <a:cs typeface="Franklin Gothic Medium"/>
               </a:rPr>
               <a:t> </a:t>
@@ -15162,7 +14999,7 @@
                 <a:solidFill>
                   <a:srgbClr val="999999"/>
                 </a:solidFill>
-                <a:latin typeface="Franklin Gothic Medium"/>
+                <a:latin typeface="+mj-lt"/>
                 <a:cs typeface="Franklin Gothic Medium"/>
               </a:rPr>
               <a:t>Exploiting</a:t>
@@ -15172,7 +15009,7 @@
                 <a:solidFill>
                   <a:srgbClr val="999999"/>
                 </a:solidFill>
-                <a:latin typeface="Franklin Gothic Medium"/>
+                <a:latin typeface="+mj-lt"/>
                 <a:cs typeface="Franklin Gothic Medium"/>
               </a:rPr>
               <a:t> </a:t>
@@ -15182,7 +15019,7 @@
                 <a:solidFill>
                   <a:srgbClr val="999999"/>
                 </a:solidFill>
-                <a:latin typeface="Franklin Gothic Medium"/>
+                <a:latin typeface="+mj-lt"/>
                 <a:cs typeface="Franklin Gothic Medium"/>
               </a:rPr>
               <a:t>a</a:t>
@@ -15192,7 +15029,7 @@
                 <a:solidFill>
                   <a:srgbClr val="999999"/>
                 </a:solidFill>
-                <a:latin typeface="Franklin Gothic Medium"/>
+                <a:latin typeface="+mj-lt"/>
                 <a:cs typeface="Franklin Gothic Medium"/>
               </a:rPr>
               <a:t> </a:t>
@@ -15202,7 +15039,7 @@
                 <a:solidFill>
                   <a:srgbClr val="999999"/>
                 </a:solidFill>
-                <a:latin typeface="Franklin Gothic Medium"/>
+                <a:latin typeface="+mj-lt"/>
                 <a:cs typeface="Franklin Gothic Medium"/>
               </a:rPr>
               <a:t>Natural</a:t>
@@ -15212,7 +15049,7 @@
                 <a:solidFill>
                   <a:srgbClr val="999999"/>
                 </a:solidFill>
-                <a:latin typeface="Franklin Gothic Medium"/>
+                <a:latin typeface="+mj-lt"/>
                 <a:cs typeface="Franklin Gothic Medium"/>
               </a:rPr>
               <a:t> </a:t>
@@ -15222,7 +15059,7 @@
                 <a:solidFill>
                   <a:srgbClr val="999999"/>
                 </a:solidFill>
-                <a:latin typeface="Franklin Gothic Medium"/>
+                <a:latin typeface="+mj-lt"/>
                 <a:cs typeface="Franklin Gothic Medium"/>
               </a:rPr>
               <a:t>Network</a:t>
@@ -15232,7 +15069,7 @@
                 <a:solidFill>
                   <a:srgbClr val="999999"/>
                 </a:solidFill>
-                <a:latin typeface="Franklin Gothic Medium"/>
+                <a:latin typeface="+mj-lt"/>
                 <a:cs typeface="Franklin Gothic Medium"/>
               </a:rPr>
               <a:t> </a:t>
@@ -15242,7 +15079,7 @@
                 <a:solidFill>
                   <a:srgbClr val="999999"/>
                 </a:solidFill>
-                <a:latin typeface="Franklin Gothic Medium"/>
+                <a:latin typeface="+mj-lt"/>
                 <a:cs typeface="Franklin Gothic Medium"/>
               </a:rPr>
               <a:t>Effect</a:t>
@@ -15252,7 +15089,7 @@
                 <a:solidFill>
                   <a:srgbClr val="999999"/>
                 </a:solidFill>
-                <a:latin typeface="Franklin Gothic Medium"/>
+                <a:latin typeface="+mj-lt"/>
                 <a:cs typeface="Franklin Gothic Medium"/>
               </a:rPr>
               <a:t> </a:t>
@@ -15262,7 +15099,7 @@
                 <a:solidFill>
                   <a:srgbClr val="999999"/>
                 </a:solidFill>
-                <a:latin typeface="Franklin Gothic Medium"/>
+                <a:latin typeface="+mj-lt"/>
                 <a:cs typeface="Franklin Gothic Medium"/>
               </a:rPr>
               <a:t>for</a:t>
@@ -15272,7 +15109,7 @@
                 <a:solidFill>
                   <a:srgbClr val="999999"/>
                 </a:solidFill>
-                <a:latin typeface="Franklin Gothic Medium"/>
+                <a:latin typeface="+mj-lt"/>
                 <a:cs typeface="Franklin Gothic Medium"/>
               </a:rPr>
               <a:t> </a:t>
@@ -15282,7 +15119,7 @@
                 <a:solidFill>
                   <a:srgbClr val="999999"/>
                 </a:solidFill>
-                <a:latin typeface="Franklin Gothic Medium"/>
+                <a:latin typeface="+mj-lt"/>
                 <a:cs typeface="Franklin Gothic Medium"/>
               </a:rPr>
               <a:t>Scalable,</a:t>
@@ -15292,7 +15129,7 @@
                 <a:solidFill>
                   <a:srgbClr val="999999"/>
                 </a:solidFill>
-                <a:latin typeface="Franklin Gothic Medium"/>
+                <a:latin typeface="+mj-lt"/>
                 <a:cs typeface="Franklin Gothic Medium"/>
               </a:rPr>
               <a:t> </a:t>
@@ -15302,7 +15139,7 @@
                 <a:solidFill>
                   <a:srgbClr val="999999"/>
                 </a:solidFill>
-                <a:latin typeface="Franklin Gothic Medium"/>
+                <a:latin typeface="+mj-lt"/>
                 <a:cs typeface="Franklin Gothic Medium"/>
               </a:rPr>
               <a:t>Fine-grained</a:t>
@@ -15312,7 +15149,7 @@
                 <a:solidFill>
                   <a:srgbClr val="999999"/>
                 </a:solidFill>
-                <a:latin typeface="Franklin Gothic Medium"/>
+                <a:latin typeface="+mj-lt"/>
                 <a:cs typeface="Franklin Gothic Medium"/>
               </a:rPr>
               <a:t> </a:t>
@@ -15322,7 +15159,7 @@
                 <a:solidFill>
                   <a:srgbClr val="999999"/>
                 </a:solidFill>
-                <a:latin typeface="Franklin Gothic Medium"/>
+                <a:latin typeface="+mj-lt"/>
                 <a:cs typeface="Franklin Gothic Medium"/>
               </a:rPr>
               <a:t>Clock</a:t>
@@ -15332,7 +15169,7 @@
                 <a:solidFill>
                   <a:srgbClr val="999999"/>
                 </a:solidFill>
-                <a:latin typeface="Franklin Gothic Medium"/>
+                <a:latin typeface="+mj-lt"/>
                 <a:cs typeface="Franklin Gothic Medium"/>
               </a:rPr>
               <a:t> </a:t>
@@ -15342,13 +15179,13 @@
                 <a:solidFill>
                   <a:srgbClr val="999999"/>
                 </a:solidFill>
-                <a:latin typeface="Franklin Gothic Medium"/>
+                <a:latin typeface="+mj-lt"/>
                 <a:cs typeface="Franklin Gothic Medium"/>
               </a:rPr>
               <a:t>Synchronization</a:t>
             </a:r>
             <a:endParaRPr sz="1200" dirty="0">
-              <a:latin typeface="Franklin Gothic Medium"/>
+              <a:latin typeface="+mj-lt"/>
               <a:cs typeface="Franklin Gothic Medium"/>
             </a:endParaRPr>
           </a:p>
@@ -15362,7 +15199,7 @@
               </a:spcBef>
             </a:pPr>
             <a:endParaRPr sz="2800" dirty="0">
-              <a:latin typeface="Franklin Gothic Medium"/>
+              <a:latin typeface="+mj-lt"/>
               <a:cs typeface="Franklin Gothic Medium"/>
             </a:endParaRPr>
           </a:p>
@@ -15377,7 +15214,7 @@
                 <a:solidFill>
                   <a:srgbClr val="5F5F60"/>
                 </a:solidFill>
-                <a:latin typeface="Franklin Gothic Medium"/>
+                <a:latin typeface="+mj-lt"/>
                 <a:cs typeface="Franklin Gothic Medium"/>
               </a:rPr>
               <a:t>A</a:t>
@@ -15387,7 +15224,7 @@
                 <a:solidFill>
                   <a:srgbClr val="5F5F60"/>
                 </a:solidFill>
-                <a:latin typeface="Franklin Gothic Medium"/>
+                <a:latin typeface="+mj-lt"/>
                 <a:cs typeface="Franklin Gothic Medium"/>
               </a:rPr>
               <a:t> </a:t>
@@ -15397,7 +15234,7 @@
                 <a:solidFill>
                   <a:srgbClr val="7A5E25"/>
                 </a:solidFill>
-                <a:latin typeface="Franklin Gothic Medium"/>
+                <a:latin typeface="+mj-lt"/>
                 <a:cs typeface="Franklin Gothic Medium"/>
               </a:rPr>
               <a:t>Precise</a:t>
@@ -15407,7 +15244,7 @@
                 <a:solidFill>
                   <a:srgbClr val="7A5E25"/>
                 </a:solidFill>
-                <a:latin typeface="Franklin Gothic Medium"/>
+                <a:latin typeface="+mj-lt"/>
                 <a:cs typeface="Franklin Gothic Medium"/>
               </a:rPr>
               <a:t> </a:t>
@@ -15417,7 +15254,7 @@
                 <a:solidFill>
                   <a:srgbClr val="7A5E25"/>
                 </a:solidFill>
-                <a:latin typeface="Franklin Gothic Medium"/>
+                <a:latin typeface="+mj-lt"/>
                 <a:cs typeface="Franklin Gothic Medium"/>
               </a:rPr>
               <a:t>Time</a:t>
@@ -15427,7 +15264,7 @@
                 <a:solidFill>
                   <a:srgbClr val="7A5E25"/>
                 </a:solidFill>
-                <a:latin typeface="Franklin Gothic Medium"/>
+                <a:latin typeface="+mj-lt"/>
                 <a:cs typeface="Franklin Gothic Medium"/>
               </a:rPr>
               <a:t> </a:t>
@@ -15437,7 +15274,7 @@
                 <a:solidFill>
                   <a:srgbClr val="7A5E25"/>
                 </a:solidFill>
-                <a:latin typeface="Franklin Gothic Medium"/>
+                <a:latin typeface="+mj-lt"/>
                 <a:cs typeface="Franklin Gothic Medium"/>
               </a:rPr>
               <a:t>Axis</a:t>
@@ -15447,7 +15284,7 @@
                 <a:solidFill>
                   <a:srgbClr val="7A5E25"/>
                 </a:solidFill>
-                <a:latin typeface="Franklin Gothic Medium"/>
+                <a:latin typeface="+mj-lt"/>
                 <a:cs typeface="Franklin Gothic Medium"/>
               </a:rPr>
               <a:t> </a:t>
@@ -15457,7 +15294,7 @@
                 <a:solidFill>
                   <a:srgbClr val="5F5F60"/>
                 </a:solidFill>
-                <a:latin typeface="Franklin Gothic Medium"/>
+                <a:latin typeface="+mj-lt"/>
                 <a:cs typeface="Franklin Gothic Medium"/>
               </a:rPr>
               <a:t>leaps</a:t>
@@ -15467,7 +15304,7 @@
                 <a:solidFill>
                   <a:srgbClr val="5F5F60"/>
                 </a:solidFill>
-                <a:latin typeface="Franklin Gothic Medium"/>
+                <a:latin typeface="+mj-lt"/>
                 <a:cs typeface="Franklin Gothic Medium"/>
               </a:rPr>
               <a:t> </a:t>
@@ -15477,7 +15314,7 @@
                 <a:solidFill>
                   <a:srgbClr val="5F5F60"/>
                 </a:solidFill>
-                <a:latin typeface="Franklin Gothic Medium"/>
+                <a:latin typeface="+mj-lt"/>
                 <a:cs typeface="Franklin Gothic Medium"/>
               </a:rPr>
               <a:t>applications’</a:t>
@@ -15487,7 +15324,7 @@
                 <a:solidFill>
                   <a:srgbClr val="5F5F60"/>
                 </a:solidFill>
-                <a:latin typeface="Franklin Gothic Medium"/>
+                <a:latin typeface="+mj-lt"/>
                 <a:cs typeface="Franklin Gothic Medium"/>
               </a:rPr>
               <a:t> </a:t>
@@ -15497,7 +15334,7 @@
                 <a:solidFill>
                   <a:srgbClr val="7A5E25"/>
                 </a:solidFill>
-                <a:latin typeface="Franklin Gothic Medium"/>
+                <a:latin typeface="+mj-lt"/>
                 <a:cs typeface="Franklin Gothic Medium"/>
               </a:rPr>
               <a:t>performance</a:t>
@@ -15507,7 +15344,7 @@
                 <a:solidFill>
                   <a:srgbClr val="5F5F60"/>
                 </a:solidFill>
-                <a:latin typeface="Franklin Gothic Medium"/>
+                <a:latin typeface="+mj-lt"/>
                 <a:cs typeface="Franklin Gothic Medium"/>
               </a:rPr>
               <a:t>,</a:t>
@@ -15517,7 +15354,7 @@
                 <a:solidFill>
                   <a:srgbClr val="5F5F60"/>
                 </a:solidFill>
-                <a:latin typeface="Franklin Gothic Medium"/>
+                <a:latin typeface="+mj-lt"/>
                 <a:cs typeface="Franklin Gothic Medium"/>
               </a:rPr>
               <a:t> </a:t>
@@ -15527,7 +15364,7 @@
                 <a:solidFill>
                   <a:srgbClr val="7A5E25"/>
                 </a:solidFill>
-                <a:latin typeface="Franklin Gothic Medium"/>
+                <a:latin typeface="+mj-lt"/>
                 <a:cs typeface="Franklin Gothic Medium"/>
               </a:rPr>
               <a:t>efficiency</a:t>
@@ -15537,7 +15374,7 @@
                 <a:solidFill>
                   <a:srgbClr val="7A5E25"/>
                 </a:solidFill>
-                <a:latin typeface="Franklin Gothic Medium"/>
+                <a:latin typeface="+mj-lt"/>
                 <a:cs typeface="Franklin Gothic Medium"/>
               </a:rPr>
               <a:t> </a:t>
@@ -15547,7 +15384,7 @@
                 <a:solidFill>
                   <a:srgbClr val="5F5F60"/>
                 </a:solidFill>
-                <a:latin typeface="Franklin Gothic Medium"/>
+                <a:latin typeface="+mj-lt"/>
                 <a:cs typeface="Franklin Gothic Medium"/>
               </a:rPr>
               <a:t>and</a:t>
@@ -15557,7 +15394,7 @@
                 <a:solidFill>
                   <a:srgbClr val="5F5F60"/>
                 </a:solidFill>
-                <a:latin typeface="Franklin Gothic Medium"/>
+                <a:latin typeface="+mj-lt"/>
                 <a:cs typeface="Franklin Gothic Medium"/>
               </a:rPr>
               <a:t> </a:t>
@@ -15567,13 +15404,13 @@
                 <a:solidFill>
                   <a:srgbClr val="7A5E25"/>
                 </a:solidFill>
-                <a:latin typeface="Franklin Gothic Medium"/>
+                <a:latin typeface="+mj-lt"/>
                 <a:cs typeface="Franklin Gothic Medium"/>
               </a:rPr>
               <a:t>security</a:t>
             </a:r>
             <a:endParaRPr sz="1800" dirty="0">
-              <a:latin typeface="Franklin Gothic Medium"/>
+              <a:latin typeface="+mj-lt"/>
               <a:cs typeface="Franklin Gothic Medium"/>
             </a:endParaRPr>
           </a:p>
@@ -16697,7 +16534,9 @@
           <a:bodyPr wrap="square" lIns="0" tIns="0" rIns="0" bIns="0" rtlCol="0"/>
           <a:lstStyle/>
           <a:p>
-            <a:endParaRPr/>
+            <a:endParaRPr>
+              <a:latin typeface="+mj-lt"/>
+            </a:endParaRPr>
           </a:p>
         </p:txBody>
       </p:sp>
@@ -16710,7 +16549,7 @@
         <p:spPr>
           <a:xfrm>
             <a:off x="8484108" y="3674624"/>
-            <a:ext cx="1399540" cy="1948180"/>
+            <a:ext cx="1399540" cy="1980029"/>
           </a:xfrm>
           <a:prstGeom prst="rect">
             <a:avLst/>
@@ -16728,7 +16567,7 @@
               </a:lnSpc>
             </a:pPr>
             <a:endParaRPr sz="1400" dirty="0">
-              <a:latin typeface="Times New Roman"/>
+              <a:latin typeface="+mj-lt"/>
               <a:cs typeface="Times New Roman"/>
             </a:endParaRPr>
           </a:p>
@@ -16739,7 +16578,7 @@
               </a:lnSpc>
             </a:pPr>
             <a:endParaRPr sz="1400" dirty="0">
-              <a:latin typeface="Times New Roman"/>
+              <a:latin typeface="+mj-lt"/>
               <a:cs typeface="Times New Roman"/>
             </a:endParaRPr>
           </a:p>
@@ -16750,7 +16589,7 @@
               </a:lnSpc>
             </a:pPr>
             <a:endParaRPr sz="1400" dirty="0">
-              <a:latin typeface="Times New Roman"/>
+              <a:latin typeface="+mj-lt"/>
               <a:cs typeface="Times New Roman"/>
             </a:endParaRPr>
           </a:p>
@@ -16761,7 +16600,7 @@
               </a:lnSpc>
             </a:pPr>
             <a:endParaRPr sz="1400" dirty="0">
-              <a:latin typeface="Times New Roman"/>
+              <a:latin typeface="+mj-lt"/>
               <a:cs typeface="Times New Roman"/>
             </a:endParaRPr>
           </a:p>
@@ -16772,7 +16611,7 @@
               </a:lnSpc>
             </a:pPr>
             <a:endParaRPr sz="1400" dirty="0">
-              <a:latin typeface="Times New Roman"/>
+              <a:latin typeface="+mj-lt"/>
               <a:cs typeface="Times New Roman"/>
             </a:endParaRPr>
           </a:p>
@@ -16783,7 +16622,7 @@
               </a:lnSpc>
             </a:pPr>
             <a:endParaRPr sz="1400" dirty="0">
-              <a:latin typeface="Times New Roman"/>
+              <a:latin typeface="+mj-lt"/>
               <a:cs typeface="Times New Roman"/>
             </a:endParaRPr>
           </a:p>
@@ -16794,7 +16633,7 @@
               </a:lnSpc>
             </a:pPr>
             <a:endParaRPr sz="1400" dirty="0">
-              <a:latin typeface="Times New Roman"/>
+              <a:latin typeface="+mj-lt"/>
               <a:cs typeface="Times New Roman"/>
             </a:endParaRPr>
           </a:p>
@@ -16812,7 +16651,7 @@
                 <a:solidFill>
                   <a:srgbClr val="FFFFFF"/>
                 </a:solidFill>
-                <a:latin typeface="Trebuchet MS"/>
+                <a:latin typeface="+mj-lt"/>
                 <a:cs typeface="Trebuchet MS"/>
               </a:rPr>
               <a:t>Just </a:t>
@@ -16822,7 +16661,7 @@
                 <a:solidFill>
                   <a:srgbClr val="FFFFFF"/>
                 </a:solidFill>
-                <a:latin typeface="Trebuchet MS"/>
+                <a:latin typeface="+mj-lt"/>
                 <a:cs typeface="Trebuchet MS"/>
               </a:rPr>
               <a:t> The</a:t>
@@ -16832,7 +16671,7 @@
                 <a:solidFill>
                   <a:srgbClr val="FFFFFF"/>
                 </a:solidFill>
-                <a:latin typeface="Trebuchet MS"/>
+                <a:latin typeface="+mj-lt"/>
                 <a:cs typeface="Trebuchet MS"/>
               </a:rPr>
               <a:t> </a:t>
@@ -16842,7 +16681,7 @@
                 <a:solidFill>
                   <a:srgbClr val="FFFFFF"/>
                 </a:solidFill>
-                <a:latin typeface="Trebuchet MS"/>
+                <a:latin typeface="+mj-lt"/>
                 <a:cs typeface="Trebuchet MS"/>
               </a:rPr>
               <a:t>T</a:t>
@@ -16852,13 +16691,13 @@
                 <a:solidFill>
                   <a:srgbClr val="FFFFFF"/>
                 </a:solidFill>
-                <a:latin typeface="Trebuchet MS"/>
+                <a:latin typeface="+mj-lt"/>
                 <a:cs typeface="Trebuchet MS"/>
               </a:rPr>
               <a:t>ip</a:t>
             </a:r>
             <a:endParaRPr sz="1200" dirty="0">
-              <a:latin typeface="Trebuchet MS"/>
+              <a:latin typeface="+mj-lt"/>
               <a:cs typeface="Trebuchet MS"/>
             </a:endParaRPr>
           </a:p>
@@ -16880,53 +16719,6 @@
           <a:xfrm>
             <a:off x="8484108" y="4011778"/>
             <a:ext cx="1345692" cy="1391412"/>
-          </a:xfrm>
-          <a:prstGeom prst="rect">
-            <a:avLst/>
-          </a:prstGeom>
-        </p:spPr>
-      </p:pic>
-    </p:spTree>
-  </p:cSld>
-  <p:clrMapOvr>
-    <a:masterClrMapping/>
-  </p:clrMapOvr>
-</p:sld>
-</file>
-
-<file path=ppt/slides/slide20.xml><?xml version="1.0" encoding="utf-8"?>
-<p:sld xmlns:a="http://schemas.openxmlformats.org/drawingml/2006/main" xmlns:r="http://schemas.openxmlformats.org/officeDocument/2006/relationships" xmlns:p="http://schemas.openxmlformats.org/presentationml/2006/main" showMasterSp="0">
-  <p:cSld>
-    <p:spTree>
-      <p:nvGrpSpPr>
-        <p:cNvPr id="1" name=""/>
-        <p:cNvGrpSpPr/>
-        <p:nvPr/>
-      </p:nvGrpSpPr>
-      <p:grpSpPr>
-        <a:xfrm>
-          <a:off x="0" y="0"/>
-          <a:ext cx="0" cy="0"/>
-          <a:chOff x="0" y="0"/>
-          <a:chExt cx="0" cy="0"/>
-        </a:xfrm>
-      </p:grpSpPr>
-      <p:pic>
-        <p:nvPicPr>
-          <p:cNvPr id="6" name="object 6"/>
-          <p:cNvPicPr/>
-          <p:nvPr/>
-        </p:nvPicPr>
-        <p:blipFill>
-          <a:blip r:embed="rId2" cstate="print"/>
-          <a:stretch>
-            <a:fillRect/>
-          </a:stretch>
-        </p:blipFill>
-        <p:spPr>
-          <a:xfrm>
-            <a:off x="865632" y="722376"/>
-            <a:ext cx="10460736" cy="5413248"/>
           </a:xfrm>
           <a:prstGeom prst="rect">
             <a:avLst/>
@@ -17152,7 +16944,7 @@
         </p:nvSpPr>
         <p:spPr>
           <a:xfrm>
-            <a:off x="1419225" y="1307033"/>
+            <a:off x="1178371" y="1838007"/>
             <a:ext cx="6323965" cy="3181985"/>
           </a:xfrm>
           <a:prstGeom prst="rect">
@@ -18298,7 +18090,7 @@
         <p:spPr>
           <a:xfrm>
             <a:off x="2077592" y="6340246"/>
-            <a:ext cx="2855595" cy="269240"/>
+            <a:ext cx="2855595" cy="258404"/>
           </a:xfrm>
           <a:prstGeom prst="rect">
             <a:avLst/>
@@ -18323,7 +18115,7 @@
                 <a:solidFill>
                   <a:srgbClr val="5F5F61"/>
                 </a:solidFill>
-                <a:latin typeface="Franklin Gothic Medium"/>
+                <a:latin typeface="+mj-lt"/>
                 <a:cs typeface="Franklin Gothic Medium"/>
               </a:rPr>
               <a:t>Connect.</a:t>
@@ -18333,7 +18125,7 @@
                 <a:solidFill>
                   <a:srgbClr val="5F5F61"/>
                 </a:solidFill>
-                <a:latin typeface="Franklin Gothic Medium"/>
+                <a:latin typeface="+mj-lt"/>
                 <a:cs typeface="Franklin Gothic Medium"/>
               </a:rPr>
               <a:t> </a:t>
@@ -18343,7 +18135,7 @@
                 <a:solidFill>
                   <a:srgbClr val="5F5F61"/>
                 </a:solidFill>
-                <a:latin typeface="Franklin Gothic Medium"/>
+                <a:latin typeface="+mj-lt"/>
                 <a:cs typeface="Franklin Gothic Medium"/>
               </a:rPr>
               <a:t>Collaborate.</a:t>
@@ -18353,7 +18145,7 @@
                 <a:solidFill>
                   <a:srgbClr val="5F5F61"/>
                 </a:solidFill>
-                <a:latin typeface="Franklin Gothic Medium"/>
+                <a:latin typeface="+mj-lt"/>
                 <a:cs typeface="Franklin Gothic Medium"/>
               </a:rPr>
               <a:t> </a:t>
@@ -18363,13 +18155,13 @@
                 <a:solidFill>
                   <a:srgbClr val="5F5F61"/>
                 </a:solidFill>
-                <a:latin typeface="Franklin Gothic Medium"/>
+                <a:latin typeface="+mj-lt"/>
                 <a:cs typeface="Franklin Gothic Medium"/>
               </a:rPr>
               <a:t>Accelerate.</a:t>
             </a:r>
             <a:endParaRPr sz="1600" dirty="0">
-              <a:latin typeface="Franklin Gothic Medium"/>
+              <a:latin typeface="+mj-lt"/>
               <a:cs typeface="Franklin Gothic Medium"/>
             </a:endParaRPr>
           </a:p>
@@ -18461,7 +18253,7 @@
         <p:spPr>
           <a:xfrm>
             <a:off x="838200" y="1371600"/>
-            <a:ext cx="10515600" cy="4351338"/>
+            <a:ext cx="10515600" cy="2180597"/>
           </a:xfrm>
           <a:prstGeom prst="rect">
             <a:avLst/>
@@ -18490,15 +18282,21 @@
               </a:tabLst>
             </a:pPr>
             <a:r>
-              <a:rPr spc="-50" dirty="0"/>
+              <a:rPr spc="-50" dirty="0">
+                <a:latin typeface="+mj-lt"/>
+              </a:rPr>
               <a:t>UWB</a:t>
             </a:r>
             <a:r>
-              <a:rPr spc="-15" dirty="0"/>
-              <a:t> </a:t>
-            </a:r>
-            <a:r>
-              <a:rPr spc="-25" dirty="0"/>
+              <a:rPr spc="-15" dirty="0">
+                <a:latin typeface="+mj-lt"/>
+              </a:rPr>
+              <a:t> </a:t>
+            </a:r>
+            <a:r>
+              <a:rPr spc="-25" dirty="0">
+                <a:latin typeface="+mj-lt"/>
+              </a:rPr>
               <a:t>(Ultra-Wideband)</a:t>
             </a:r>
           </a:p>
@@ -18519,37 +18317,51 @@
                 <a:solidFill>
                   <a:srgbClr val="8DC53E"/>
                 </a:solidFill>
-                <a:latin typeface="Cambria Math"/>
+                <a:latin typeface="+mj-lt"/>
                 <a:cs typeface="Cambria Math"/>
               </a:rPr>
               <a:t>–	</a:t>
             </a:r>
             <a:r>
-              <a:rPr spc="-15" dirty="0"/>
+              <a:rPr spc="-15" dirty="0">
+                <a:latin typeface="+mj-lt"/>
+              </a:rPr>
               <a:t>IEEE802.15.4-2011</a:t>
             </a:r>
             <a:r>
-              <a:rPr spc="50" dirty="0"/>
-              <a:t> </a:t>
-            </a:r>
-            <a:r>
-              <a:rPr spc="-60" dirty="0"/>
+              <a:rPr spc="50" dirty="0">
+                <a:latin typeface="+mj-lt"/>
+              </a:rPr>
+              <a:t> </a:t>
+            </a:r>
+            <a:r>
+              <a:rPr spc="-60" dirty="0">
+                <a:latin typeface="+mj-lt"/>
+              </a:rPr>
               <a:t>/</a:t>
             </a:r>
             <a:r>
-              <a:rPr dirty="0"/>
-              <a:t> </a:t>
-            </a:r>
-            <a:r>
-              <a:rPr spc="10" dirty="0"/>
+              <a:rPr dirty="0">
+                <a:latin typeface="+mj-lt"/>
+              </a:rPr>
+              <a:t> </a:t>
+            </a:r>
+            <a:r>
+              <a:rPr spc="10" dirty="0">
+                <a:latin typeface="+mj-lt"/>
+              </a:rPr>
               <a:t>IEEE</a:t>
             </a:r>
             <a:r>
-              <a:rPr spc="-15" dirty="0"/>
-              <a:t> </a:t>
-            </a:r>
-            <a:r>
-              <a:rPr spc="-10" dirty="0"/>
+              <a:rPr spc="-15" dirty="0">
+                <a:latin typeface="+mj-lt"/>
+              </a:rPr>
+              <a:t> </a:t>
+            </a:r>
+            <a:r>
+              <a:rPr spc="-10" dirty="0">
+                <a:latin typeface="+mj-lt"/>
+              </a:rPr>
               <a:t>802.15.4z-2020</a:t>
             </a:r>
           </a:p>
@@ -18575,7 +18387,7 @@
                 <a:solidFill>
                   <a:srgbClr val="5F5F61"/>
                 </a:solidFill>
-                <a:latin typeface="Franklin Gothic Medium"/>
+                <a:latin typeface="+mj-lt"/>
                 <a:cs typeface="Franklin Gothic Medium"/>
               </a:rPr>
               <a:t>Large</a:t>
@@ -18585,7 +18397,7 @@
                 <a:solidFill>
                   <a:srgbClr val="5F5F61"/>
                 </a:solidFill>
-                <a:latin typeface="Franklin Gothic Medium"/>
+                <a:latin typeface="+mj-lt"/>
                 <a:cs typeface="Franklin Gothic Medium"/>
               </a:rPr>
               <a:t> </a:t>
@@ -18595,7 +18407,7 @@
                 <a:solidFill>
                   <a:srgbClr val="5F5F61"/>
                 </a:solidFill>
-                <a:latin typeface="Franklin Gothic Medium"/>
+                <a:latin typeface="+mj-lt"/>
                 <a:cs typeface="Franklin Gothic Medium"/>
               </a:rPr>
               <a:t>bandwidth</a:t>
@@ -18605,7 +18417,7 @@
                 <a:solidFill>
                   <a:srgbClr val="5F5F61"/>
                 </a:solidFill>
-                <a:latin typeface="Franklin Gothic Medium"/>
+                <a:latin typeface="+mj-lt"/>
                 <a:cs typeface="Franklin Gothic Medium"/>
               </a:rPr>
               <a:t> </a:t>
@@ -18615,7 +18427,7 @@
                 <a:solidFill>
                   <a:srgbClr val="5F5F61"/>
                 </a:solidFill>
-                <a:latin typeface="Franklin Gothic Medium"/>
+                <a:latin typeface="+mj-lt"/>
                 <a:cs typeface="Franklin Gothic Medium"/>
               </a:rPr>
               <a:t>approximates</a:t>
@@ -18625,7 +18437,7 @@
                 <a:solidFill>
                   <a:srgbClr val="5F5F61"/>
                 </a:solidFill>
-                <a:latin typeface="Franklin Gothic Medium"/>
+                <a:latin typeface="+mj-lt"/>
                 <a:cs typeface="Franklin Gothic Medium"/>
               </a:rPr>
               <a:t> </a:t>
@@ -18635,7 +18447,7 @@
                 <a:solidFill>
                   <a:srgbClr val="5F5F61"/>
                 </a:solidFill>
-                <a:latin typeface="Franklin Gothic Medium"/>
+                <a:latin typeface="+mj-lt"/>
                 <a:cs typeface="Franklin Gothic Medium"/>
               </a:rPr>
               <a:t>ideal</a:t>
@@ -18645,7 +18457,7 @@
                 <a:solidFill>
                   <a:srgbClr val="5F5F61"/>
                 </a:solidFill>
-                <a:latin typeface="Franklin Gothic Medium"/>
+                <a:latin typeface="+mj-lt"/>
                 <a:cs typeface="Franklin Gothic Medium"/>
               </a:rPr>
               <a:t> </a:t>
@@ -18655,7 +18467,7 @@
                 <a:solidFill>
                   <a:srgbClr val="5F5F61"/>
                 </a:solidFill>
-                <a:latin typeface="Franklin Gothic Medium"/>
+                <a:latin typeface="+mj-lt"/>
                 <a:cs typeface="Franklin Gothic Medium"/>
               </a:rPr>
               <a:t>square</a:t>
@@ -18665,7 +18477,7 @@
                 <a:solidFill>
                   <a:srgbClr val="5F5F61"/>
                 </a:solidFill>
-                <a:latin typeface="Franklin Gothic Medium"/>
+                <a:latin typeface="+mj-lt"/>
                 <a:cs typeface="Franklin Gothic Medium"/>
               </a:rPr>
               <a:t> </a:t>
@@ -18675,7 +18487,7 @@
                 <a:solidFill>
                   <a:srgbClr val="5F5F61"/>
                 </a:solidFill>
-                <a:latin typeface="Franklin Gothic Medium"/>
+                <a:latin typeface="+mj-lt"/>
                 <a:cs typeface="Franklin Gothic Medium"/>
               </a:rPr>
               <a:t>wave</a:t>
@@ -18685,7 +18497,7 @@
                 <a:solidFill>
                   <a:srgbClr val="5F5F61"/>
                 </a:solidFill>
-                <a:latin typeface="Franklin Gothic Medium"/>
+                <a:latin typeface="+mj-lt"/>
                 <a:cs typeface="Franklin Gothic Medium"/>
               </a:rPr>
               <a:t> </a:t>
@@ -18695,7 +18507,7 @@
                 <a:solidFill>
                   <a:srgbClr val="5F5F61"/>
                 </a:solidFill>
-                <a:latin typeface="Franklin Gothic Medium"/>
+                <a:latin typeface="+mj-lt"/>
                 <a:cs typeface="Franklin Gothic Medium"/>
               </a:rPr>
               <a:t>better</a:t>
@@ -18705,7 +18517,7 @@
                 <a:solidFill>
                   <a:srgbClr val="5F5F61"/>
                 </a:solidFill>
-                <a:latin typeface="Franklin Gothic Medium"/>
+                <a:latin typeface="+mj-lt"/>
                 <a:cs typeface="Franklin Gothic Medium"/>
               </a:rPr>
               <a:t> </a:t>
@@ -18715,7 +18527,7 @@
                 <a:solidFill>
                   <a:srgbClr val="5F5F61"/>
                 </a:solidFill>
-                <a:latin typeface="Franklin Gothic Medium"/>
+                <a:latin typeface="+mj-lt"/>
                 <a:cs typeface="Franklin Gothic Medium"/>
               </a:rPr>
               <a:t>with</a:t>
@@ -18725,7 +18537,7 @@
                 <a:solidFill>
                   <a:srgbClr val="5F5F61"/>
                 </a:solidFill>
-                <a:latin typeface="Franklin Gothic Medium"/>
+                <a:latin typeface="+mj-lt"/>
                 <a:cs typeface="Franklin Gothic Medium"/>
               </a:rPr>
               <a:t> </a:t>
@@ -18735,7 +18547,7 @@
                 <a:solidFill>
                   <a:srgbClr val="5F5F61"/>
                 </a:solidFill>
-                <a:latin typeface="Franklin Gothic Medium"/>
+                <a:latin typeface="+mj-lt"/>
                 <a:cs typeface="Franklin Gothic Medium"/>
               </a:rPr>
               <a:t>sharper </a:t>
@@ -18745,7 +18557,7 @@
                 <a:solidFill>
                   <a:srgbClr val="5F5F61"/>
                 </a:solidFill>
-                <a:latin typeface="Franklin Gothic Medium"/>
+                <a:latin typeface="+mj-lt"/>
                 <a:cs typeface="Franklin Gothic Medium"/>
               </a:rPr>
               <a:t> </a:t>
@@ -18755,13 +18567,13 @@
                 <a:solidFill>
                   <a:srgbClr val="5F5F61"/>
                 </a:solidFill>
-                <a:latin typeface="Franklin Gothic Medium"/>
+                <a:latin typeface="+mj-lt"/>
                 <a:cs typeface="Franklin Gothic Medium"/>
               </a:rPr>
               <a:t>edges</a:t>
             </a:r>
             <a:endParaRPr sz="2400" dirty="0">
-              <a:latin typeface="Franklin Gothic Medium"/>
+              <a:latin typeface="+mj-lt"/>
               <a:cs typeface="Franklin Gothic Medium"/>
             </a:endParaRPr>
           </a:p>
@@ -18787,7 +18599,7 @@
                 <a:solidFill>
                   <a:srgbClr val="5F5F61"/>
                 </a:solidFill>
-                <a:latin typeface="Franklin Gothic Medium"/>
+                <a:latin typeface="+mj-lt"/>
                 <a:cs typeface="Franklin Gothic Medium"/>
               </a:rPr>
               <a:t>Sharp</a:t>
@@ -18797,7 +18609,7 @@
                 <a:solidFill>
                   <a:srgbClr val="5F5F61"/>
                 </a:solidFill>
-                <a:latin typeface="Franklin Gothic Medium"/>
+                <a:latin typeface="+mj-lt"/>
                 <a:cs typeface="Franklin Gothic Medium"/>
               </a:rPr>
               <a:t> </a:t>
@@ -18807,7 +18619,7 @@
                 <a:solidFill>
                   <a:srgbClr val="5F5F61"/>
                 </a:solidFill>
-                <a:latin typeface="Franklin Gothic Medium"/>
+                <a:latin typeface="+mj-lt"/>
                 <a:cs typeface="Franklin Gothic Medium"/>
               </a:rPr>
               <a:t>edges </a:t>
@@ -18817,7 +18629,7 @@
                 <a:solidFill>
                   <a:srgbClr val="5F5F61"/>
                 </a:solidFill>
-                <a:latin typeface="Franklin Gothic Medium"/>
+                <a:latin typeface="+mj-lt"/>
                 <a:cs typeface="Franklin Gothic Medium"/>
               </a:rPr>
               <a:t>allow</a:t>
@@ -18827,7 +18639,7 @@
                 <a:solidFill>
                   <a:srgbClr val="5F5F61"/>
                 </a:solidFill>
-                <a:latin typeface="Franklin Gothic Medium"/>
+                <a:latin typeface="+mj-lt"/>
                 <a:cs typeface="Franklin Gothic Medium"/>
               </a:rPr>
               <a:t> </a:t>
@@ -18837,7 +18649,7 @@
                 <a:solidFill>
                   <a:srgbClr val="5F5F61"/>
                 </a:solidFill>
-                <a:latin typeface="Franklin Gothic Medium"/>
+                <a:latin typeface="+mj-lt"/>
                 <a:cs typeface="Franklin Gothic Medium"/>
               </a:rPr>
               <a:t>precise </a:t>
@@ -18847,7 +18659,7 @@
                 <a:solidFill>
                   <a:srgbClr val="5F5F61"/>
                 </a:solidFill>
-                <a:latin typeface="Franklin Gothic Medium"/>
+                <a:latin typeface="+mj-lt"/>
                 <a:cs typeface="Franklin Gothic Medium"/>
               </a:rPr>
               <a:t>timestamping</a:t>
@@ -18857,7 +18669,7 @@
                 <a:solidFill>
                   <a:srgbClr val="5F5F61"/>
                 </a:solidFill>
-                <a:latin typeface="Franklin Gothic Medium"/>
+                <a:latin typeface="+mj-lt"/>
                 <a:cs typeface="Franklin Gothic Medium"/>
               </a:rPr>
               <a:t> of</a:t>
@@ -18867,7 +18679,7 @@
                 <a:solidFill>
                   <a:srgbClr val="5F5F61"/>
                 </a:solidFill>
-                <a:latin typeface="Franklin Gothic Medium"/>
+                <a:latin typeface="+mj-lt"/>
                 <a:cs typeface="Franklin Gothic Medium"/>
               </a:rPr>
               <a:t> </a:t>
@@ -18877,7 +18689,7 @@
                 <a:solidFill>
                   <a:srgbClr val="5F5F61"/>
                 </a:solidFill>
-                <a:latin typeface="Franklin Gothic Medium"/>
+                <a:latin typeface="+mj-lt"/>
                 <a:cs typeface="Franklin Gothic Medium"/>
               </a:rPr>
               <a:t>packet</a:t>
@@ -18887,7 +18699,7 @@
                 <a:solidFill>
                   <a:srgbClr val="5F5F61"/>
                 </a:solidFill>
-                <a:latin typeface="Franklin Gothic Medium"/>
+                <a:latin typeface="+mj-lt"/>
                 <a:cs typeface="Franklin Gothic Medium"/>
               </a:rPr>
               <a:t> </a:t>
@@ -18897,7 +18709,7 @@
                 <a:solidFill>
                   <a:srgbClr val="5F5F61"/>
                 </a:solidFill>
-                <a:latin typeface="Franklin Gothic Medium"/>
+                <a:latin typeface="+mj-lt"/>
                 <a:cs typeface="Franklin Gothic Medium"/>
               </a:rPr>
               <a:t>reception</a:t>
@@ -18907,7 +18719,7 @@
                 <a:solidFill>
                   <a:srgbClr val="5F5F61"/>
                 </a:solidFill>
-                <a:latin typeface="Franklin Gothic Medium"/>
+                <a:latin typeface="+mj-lt"/>
                 <a:cs typeface="Franklin Gothic Medium"/>
               </a:rPr>
               <a:t> </a:t>
@@ -18917,13 +18729,13 @@
                 <a:solidFill>
                   <a:srgbClr val="5F5F61"/>
                 </a:solidFill>
-                <a:latin typeface="Franklin Gothic Medium"/>
+                <a:latin typeface="+mj-lt"/>
                 <a:cs typeface="Franklin Gothic Medium"/>
               </a:rPr>
               <a:t>and</a:t>
             </a:r>
             <a:endParaRPr sz="2400" dirty="0">
-              <a:latin typeface="Franklin Gothic Medium"/>
+              <a:latin typeface="+mj-lt"/>
               <a:cs typeface="Franklin Gothic Medium"/>
             </a:endParaRPr>
           </a:p>
@@ -18934,7 +18746,9 @@
               </a:lnSpc>
             </a:pPr>
             <a:r>
-              <a:rPr spc="-25" dirty="0"/>
+              <a:rPr spc="-25" dirty="0">
+                <a:latin typeface="+mj-lt"/>
+              </a:rPr>
               <a:t>transmission</a:t>
             </a:r>
           </a:p>
@@ -19116,13 +18930,13 @@
                 <a:solidFill>
                   <a:srgbClr val="5F5F61"/>
                 </a:solidFill>
-                <a:latin typeface="Franklin Gothic Medium"/>
+                <a:latin typeface="+mj-lt"/>
                 <a:cs typeface="Franklin Gothic Medium"/>
               </a:rPr>
               <a:t>Ranging</a:t>
             </a:r>
             <a:endParaRPr sz="2400">
-              <a:latin typeface="Franklin Gothic Medium"/>
+              <a:latin typeface="+mj-lt"/>
               <a:cs typeface="Franklin Gothic Medium"/>
             </a:endParaRPr>
           </a:p>
@@ -19148,7 +18962,7 @@
                 <a:solidFill>
                   <a:srgbClr val="5F5F61"/>
                 </a:solidFill>
-                <a:latin typeface="Franklin Gothic Medium"/>
+                <a:latin typeface="+mj-lt"/>
                 <a:cs typeface="Franklin Gothic Medium"/>
               </a:rPr>
               <a:t>UWB</a:t>
@@ -19158,7 +18972,7 @@
                 <a:solidFill>
                   <a:srgbClr val="5F5F61"/>
                 </a:solidFill>
-                <a:latin typeface="Franklin Gothic Medium"/>
+                <a:latin typeface="+mj-lt"/>
                 <a:cs typeface="Franklin Gothic Medium"/>
               </a:rPr>
               <a:t> </a:t>
@@ -19168,7 +18982,7 @@
                 <a:solidFill>
                   <a:srgbClr val="5F5F61"/>
                 </a:solidFill>
-                <a:latin typeface="Franklin Gothic Medium"/>
+                <a:latin typeface="+mj-lt"/>
                 <a:cs typeface="Franklin Gothic Medium"/>
               </a:rPr>
               <a:t>devices</a:t>
@@ -19178,7 +18992,7 @@
                 <a:solidFill>
                   <a:srgbClr val="5F5F61"/>
                 </a:solidFill>
-                <a:latin typeface="Franklin Gothic Medium"/>
+                <a:latin typeface="+mj-lt"/>
                 <a:cs typeface="Franklin Gothic Medium"/>
               </a:rPr>
               <a:t> </a:t>
@@ -19188,7 +19002,7 @@
                 <a:solidFill>
                   <a:srgbClr val="5F5F61"/>
                 </a:solidFill>
-                <a:latin typeface="Franklin Gothic Medium"/>
+                <a:latin typeface="+mj-lt"/>
                 <a:cs typeface="Franklin Gothic Medium"/>
               </a:rPr>
               <a:t>have</a:t>
@@ -19198,7 +19012,7 @@
                 <a:solidFill>
                   <a:srgbClr val="5F5F61"/>
                 </a:solidFill>
-                <a:latin typeface="Franklin Gothic Medium"/>
+                <a:latin typeface="+mj-lt"/>
                 <a:cs typeface="Franklin Gothic Medium"/>
               </a:rPr>
               <a:t> </a:t>
@@ -19208,7 +19022,7 @@
                 <a:solidFill>
                   <a:srgbClr val="5F5F61"/>
                 </a:solidFill>
-                <a:latin typeface="Franklin Gothic Medium"/>
+                <a:latin typeface="+mj-lt"/>
                 <a:cs typeface="Franklin Gothic Medium"/>
               </a:rPr>
               <a:t>a</a:t>
@@ -19218,7 +19032,7 @@
                 <a:solidFill>
                   <a:srgbClr val="5F5F61"/>
                 </a:solidFill>
-                <a:latin typeface="Franklin Gothic Medium"/>
+                <a:latin typeface="+mj-lt"/>
                 <a:cs typeface="Franklin Gothic Medium"/>
               </a:rPr>
               <a:t> </a:t>
@@ -19228,7 +19042,7 @@
                 <a:solidFill>
                   <a:srgbClr val="5F5F61"/>
                 </a:solidFill>
-                <a:latin typeface="Franklin Gothic Medium"/>
+                <a:latin typeface="+mj-lt"/>
                 <a:cs typeface="Franklin Gothic Medium"/>
               </a:rPr>
               <a:t>40-bit</a:t>
@@ -19238,7 +19052,7 @@
                 <a:solidFill>
                   <a:srgbClr val="5F5F61"/>
                 </a:solidFill>
-                <a:latin typeface="Franklin Gothic Medium"/>
+                <a:latin typeface="+mj-lt"/>
                 <a:cs typeface="Franklin Gothic Medium"/>
               </a:rPr>
               <a:t> </a:t>
@@ -19248,7 +19062,7 @@
                 <a:solidFill>
                   <a:srgbClr val="5F5F61"/>
                 </a:solidFill>
-                <a:latin typeface="Franklin Gothic Medium"/>
+                <a:latin typeface="+mj-lt"/>
                 <a:cs typeface="Franklin Gothic Medium"/>
               </a:rPr>
               <a:t>counter</a:t>
@@ -19258,7 +19072,7 @@
                 <a:solidFill>
                   <a:srgbClr val="5F5F61"/>
                 </a:solidFill>
-                <a:latin typeface="Franklin Gothic Medium"/>
+                <a:latin typeface="+mj-lt"/>
                 <a:cs typeface="Franklin Gothic Medium"/>
               </a:rPr>
               <a:t> </a:t>
@@ -19268,7 +19082,7 @@
                 <a:solidFill>
                   <a:srgbClr val="5F5F61"/>
                 </a:solidFill>
-                <a:latin typeface="Franklin Gothic Medium"/>
+                <a:latin typeface="+mj-lt"/>
                 <a:cs typeface="Franklin Gothic Medium"/>
               </a:rPr>
               <a:t>running</a:t>
@@ -19278,7 +19092,7 @@
                 <a:solidFill>
                   <a:srgbClr val="5F5F61"/>
                 </a:solidFill>
-                <a:latin typeface="Franklin Gothic Medium"/>
+                <a:latin typeface="+mj-lt"/>
                 <a:cs typeface="Franklin Gothic Medium"/>
               </a:rPr>
               <a:t> </a:t>
@@ -19288,7 +19102,7 @@
                 <a:solidFill>
                   <a:srgbClr val="5F5F61"/>
                 </a:solidFill>
-                <a:latin typeface="Franklin Gothic Medium"/>
+                <a:latin typeface="+mj-lt"/>
                 <a:cs typeface="Franklin Gothic Medium"/>
               </a:rPr>
               <a:t>at</a:t>
@@ -19298,7 +19112,7 @@
                 <a:solidFill>
                   <a:srgbClr val="5F5F61"/>
                 </a:solidFill>
-                <a:latin typeface="Franklin Gothic Medium"/>
+                <a:latin typeface="+mj-lt"/>
                 <a:cs typeface="Franklin Gothic Medium"/>
               </a:rPr>
               <a:t> </a:t>
@@ -19308,7 +19122,7 @@
                 <a:solidFill>
                   <a:srgbClr val="5F5F61"/>
                 </a:solidFill>
-                <a:latin typeface="Franklin Gothic Medium"/>
+                <a:latin typeface="+mj-lt"/>
                 <a:cs typeface="Franklin Gothic Medium"/>
               </a:rPr>
               <a:t>~64GHz</a:t>
@@ -19318,7 +19132,7 @@
                 <a:solidFill>
                   <a:srgbClr val="5F5F61"/>
                 </a:solidFill>
-                <a:latin typeface="Franklin Gothic Medium"/>
+                <a:latin typeface="+mj-lt"/>
                 <a:cs typeface="Franklin Gothic Medium"/>
               </a:rPr>
               <a:t> </a:t>
@@ -19328,7 +19142,7 @@
                 <a:solidFill>
                   <a:srgbClr val="5F5F61"/>
                 </a:solidFill>
-                <a:latin typeface="Franklin Gothic Medium"/>
+                <a:latin typeface="+mj-lt"/>
                 <a:cs typeface="Franklin Gothic Medium"/>
               </a:rPr>
               <a:t>,</a:t>
@@ -19338,7 +19152,7 @@
                 <a:solidFill>
                   <a:srgbClr val="5F5F61"/>
                 </a:solidFill>
-                <a:latin typeface="Franklin Gothic Medium"/>
+                <a:latin typeface="+mj-lt"/>
                 <a:cs typeface="Franklin Gothic Medium"/>
               </a:rPr>
               <a:t> </a:t>
@@ -19348,7 +19162,7 @@
                 <a:solidFill>
                   <a:srgbClr val="5F5F61"/>
                 </a:solidFill>
-                <a:latin typeface="Franklin Gothic Medium"/>
+                <a:latin typeface="+mj-lt"/>
                 <a:cs typeface="Franklin Gothic Medium"/>
               </a:rPr>
               <a:t>one</a:t>
@@ -19358,7 +19172,7 @@
                 <a:solidFill>
                   <a:srgbClr val="5F5F61"/>
                 </a:solidFill>
-                <a:latin typeface="Franklin Gothic Medium"/>
+                <a:latin typeface="+mj-lt"/>
                 <a:cs typeface="Franklin Gothic Medium"/>
               </a:rPr>
               <a:t> </a:t>
@@ -19368,7 +19182,7 @@
                 <a:solidFill>
                   <a:srgbClr val="5F5F61"/>
                 </a:solidFill>
-                <a:latin typeface="Franklin Gothic Medium"/>
+                <a:latin typeface="+mj-lt"/>
                 <a:cs typeface="Franklin Gothic Medium"/>
               </a:rPr>
               <a:t>tick</a:t>
@@ -19378,7 +19192,7 @@
                 <a:solidFill>
                   <a:srgbClr val="5F5F61"/>
                 </a:solidFill>
-                <a:latin typeface="Franklin Gothic Medium"/>
+                <a:latin typeface="+mj-lt"/>
                 <a:cs typeface="Franklin Gothic Medium"/>
               </a:rPr>
               <a:t> </a:t>
@@ -19388,7 +19202,7 @@
                 <a:solidFill>
                   <a:srgbClr val="5F5F61"/>
                 </a:solidFill>
-                <a:latin typeface="Franklin Gothic Medium"/>
+                <a:latin typeface="+mj-lt"/>
                 <a:cs typeface="Franklin Gothic Medium"/>
               </a:rPr>
               <a:t>~15</a:t>
@@ -19398,7 +19212,7 @@
                 <a:solidFill>
                   <a:srgbClr val="5F5F61"/>
                 </a:solidFill>
-                <a:latin typeface="Franklin Gothic Medium"/>
+                <a:latin typeface="+mj-lt"/>
                 <a:cs typeface="Franklin Gothic Medium"/>
               </a:rPr>
               <a:t> </a:t>
@@ -19408,13 +19222,13 @@
                 <a:solidFill>
                   <a:srgbClr val="5F5F61"/>
                 </a:solidFill>
-                <a:latin typeface="Franklin Gothic Medium"/>
+                <a:latin typeface="+mj-lt"/>
                 <a:cs typeface="Franklin Gothic Medium"/>
               </a:rPr>
               <a:t>ps</a:t>
             </a:r>
             <a:endParaRPr sz="2400">
-              <a:latin typeface="Franklin Gothic Medium"/>
+              <a:latin typeface="+mj-lt"/>
               <a:cs typeface="Franklin Gothic Medium"/>
             </a:endParaRPr>
           </a:p>
@@ -19440,7 +19254,7 @@
                 <a:solidFill>
                   <a:srgbClr val="5F5F61"/>
                 </a:solidFill>
-                <a:latin typeface="Franklin Gothic Medium"/>
+                <a:latin typeface="+mj-lt"/>
                 <a:cs typeface="Franklin Gothic Medium"/>
               </a:rPr>
               <a:t>Each</a:t>
@@ -19450,7 +19264,7 @@
                 <a:solidFill>
                   <a:srgbClr val="5F5F61"/>
                 </a:solidFill>
-                <a:latin typeface="Franklin Gothic Medium"/>
+                <a:latin typeface="+mj-lt"/>
                 <a:cs typeface="Franklin Gothic Medium"/>
               </a:rPr>
               <a:t> </a:t>
@@ -19460,7 +19274,7 @@
                 <a:solidFill>
                   <a:srgbClr val="5F5F61"/>
                 </a:solidFill>
-                <a:latin typeface="Franklin Gothic Medium"/>
+                <a:latin typeface="+mj-lt"/>
                 <a:cs typeface="Franklin Gothic Medium"/>
               </a:rPr>
               <a:t>packet</a:t>
@@ -19470,7 +19284,7 @@
                 <a:solidFill>
                   <a:srgbClr val="5F5F61"/>
                 </a:solidFill>
-                <a:latin typeface="Franklin Gothic Medium"/>
+                <a:latin typeface="+mj-lt"/>
                 <a:cs typeface="Franklin Gothic Medium"/>
               </a:rPr>
               <a:t> </a:t>
@@ -19480,7 +19294,7 @@
                 <a:solidFill>
                   <a:srgbClr val="5F5F61"/>
                 </a:solidFill>
-                <a:latin typeface="Franklin Gothic Medium"/>
+                <a:latin typeface="+mj-lt"/>
                 <a:cs typeface="Franklin Gothic Medium"/>
               </a:rPr>
               <a:t>sent</a:t>
@@ -19490,7 +19304,7 @@
                 <a:solidFill>
                   <a:srgbClr val="5F5F61"/>
                 </a:solidFill>
-                <a:latin typeface="Franklin Gothic Medium"/>
+                <a:latin typeface="+mj-lt"/>
                 <a:cs typeface="Franklin Gothic Medium"/>
               </a:rPr>
               <a:t> </a:t>
@@ -19500,7 +19314,7 @@
                 <a:solidFill>
                   <a:srgbClr val="5F5F61"/>
                 </a:solidFill>
-                <a:latin typeface="Franklin Gothic Medium"/>
+                <a:latin typeface="+mj-lt"/>
                 <a:cs typeface="Franklin Gothic Medium"/>
               </a:rPr>
               <a:t>or</a:t>
@@ -19510,7 +19324,7 @@
                 <a:solidFill>
                   <a:srgbClr val="5F5F61"/>
                 </a:solidFill>
-                <a:latin typeface="Franklin Gothic Medium"/>
+                <a:latin typeface="+mj-lt"/>
                 <a:cs typeface="Franklin Gothic Medium"/>
               </a:rPr>
               <a:t> </a:t>
@@ -19520,7 +19334,7 @@
                 <a:solidFill>
                   <a:srgbClr val="5F5F61"/>
                 </a:solidFill>
-                <a:latin typeface="Franklin Gothic Medium"/>
+                <a:latin typeface="+mj-lt"/>
                 <a:cs typeface="Franklin Gothic Medium"/>
               </a:rPr>
               <a:t>received</a:t>
@@ -19530,7 +19344,7 @@
                 <a:solidFill>
                   <a:srgbClr val="5F5F61"/>
                 </a:solidFill>
-                <a:latin typeface="Franklin Gothic Medium"/>
+                <a:latin typeface="+mj-lt"/>
                 <a:cs typeface="Franklin Gothic Medium"/>
               </a:rPr>
               <a:t> </a:t>
@@ -19540,7 +19354,7 @@
                 <a:solidFill>
                   <a:srgbClr val="5F5F61"/>
                 </a:solidFill>
-                <a:latin typeface="Franklin Gothic Medium"/>
+                <a:latin typeface="+mj-lt"/>
                 <a:cs typeface="Franklin Gothic Medium"/>
               </a:rPr>
               <a:t>is</a:t>
@@ -19550,7 +19364,7 @@
                 <a:solidFill>
                   <a:srgbClr val="5F5F61"/>
                 </a:solidFill>
-                <a:latin typeface="Franklin Gothic Medium"/>
+                <a:latin typeface="+mj-lt"/>
                 <a:cs typeface="Franklin Gothic Medium"/>
               </a:rPr>
               <a:t> </a:t>
@@ -19560,7 +19374,7 @@
                 <a:solidFill>
                   <a:srgbClr val="5F5F61"/>
                 </a:solidFill>
-                <a:latin typeface="Franklin Gothic Medium"/>
+                <a:latin typeface="+mj-lt"/>
                 <a:cs typeface="Franklin Gothic Medium"/>
               </a:rPr>
               <a:t>timestamped</a:t>
@@ -19570,7 +19384,7 @@
                 <a:solidFill>
                   <a:srgbClr val="5F5F61"/>
                 </a:solidFill>
-                <a:latin typeface="Franklin Gothic Medium"/>
+                <a:latin typeface="+mj-lt"/>
                 <a:cs typeface="Franklin Gothic Medium"/>
               </a:rPr>
               <a:t> </a:t>
@@ -19580,7 +19394,7 @@
                 <a:solidFill>
                   <a:srgbClr val="5F5F61"/>
                 </a:solidFill>
-                <a:latin typeface="Franklin Gothic Medium"/>
+                <a:latin typeface="+mj-lt"/>
                 <a:cs typeface="Franklin Gothic Medium"/>
               </a:rPr>
               <a:t>using</a:t>
@@ -19590,7 +19404,7 @@
                 <a:solidFill>
                   <a:srgbClr val="5F5F61"/>
                 </a:solidFill>
-                <a:latin typeface="Franklin Gothic Medium"/>
+                <a:latin typeface="+mj-lt"/>
                 <a:cs typeface="Franklin Gothic Medium"/>
               </a:rPr>
               <a:t> </a:t>
@@ -19600,7 +19414,7 @@
                 <a:solidFill>
                   <a:srgbClr val="5F5F61"/>
                 </a:solidFill>
-                <a:latin typeface="Franklin Gothic Medium"/>
+                <a:latin typeface="+mj-lt"/>
                 <a:cs typeface="Franklin Gothic Medium"/>
               </a:rPr>
               <a:t>this</a:t>
@@ -19610,7 +19424,7 @@
                 <a:solidFill>
                   <a:srgbClr val="5F5F61"/>
                 </a:solidFill>
-                <a:latin typeface="Franklin Gothic Medium"/>
+                <a:latin typeface="+mj-lt"/>
                 <a:cs typeface="Franklin Gothic Medium"/>
               </a:rPr>
               <a:t> </a:t>
@@ -19620,13 +19434,13 @@
                 <a:solidFill>
                   <a:srgbClr val="5F5F61"/>
                 </a:solidFill>
-                <a:latin typeface="Franklin Gothic Medium"/>
+                <a:latin typeface="+mj-lt"/>
                 <a:cs typeface="Franklin Gothic Medium"/>
               </a:rPr>
               <a:t>counter</a:t>
             </a:r>
             <a:endParaRPr sz="2400">
-              <a:latin typeface="Franklin Gothic Medium"/>
+              <a:latin typeface="+mj-lt"/>
               <a:cs typeface="Franklin Gothic Medium"/>
             </a:endParaRPr>
           </a:p>
@@ -19652,7 +19466,7 @@
                 <a:solidFill>
                   <a:srgbClr val="5F5F61"/>
                 </a:solidFill>
-                <a:latin typeface="Franklin Gothic Medium"/>
+                <a:latin typeface="+mj-lt"/>
                 <a:cs typeface="Franklin Gothic Medium"/>
               </a:rPr>
               <a:t>Range</a:t>
@@ -19662,7 +19476,7 @@
                 <a:solidFill>
                   <a:srgbClr val="5F5F61"/>
                 </a:solidFill>
-                <a:latin typeface="Franklin Gothic Medium"/>
+                <a:latin typeface="+mj-lt"/>
                 <a:cs typeface="Franklin Gothic Medium"/>
               </a:rPr>
               <a:t> </a:t>
@@ -19672,7 +19486,7 @@
                 <a:solidFill>
                   <a:srgbClr val="5F5F61"/>
                 </a:solidFill>
-                <a:latin typeface="Franklin Gothic Medium"/>
+                <a:latin typeface="+mj-lt"/>
                 <a:cs typeface="Franklin Gothic Medium"/>
               </a:rPr>
               <a:t>between</a:t>
@@ -19682,7 +19496,7 @@
                 <a:solidFill>
                   <a:srgbClr val="5F5F61"/>
                 </a:solidFill>
-                <a:latin typeface="Franklin Gothic Medium"/>
+                <a:latin typeface="+mj-lt"/>
                 <a:cs typeface="Franklin Gothic Medium"/>
               </a:rPr>
               <a:t> </a:t>
@@ -19692,7 +19506,7 @@
                 <a:solidFill>
                   <a:srgbClr val="5F5F61"/>
                 </a:solidFill>
-                <a:latin typeface="Franklin Gothic Medium"/>
+                <a:latin typeface="+mj-lt"/>
                 <a:cs typeface="Franklin Gothic Medium"/>
               </a:rPr>
               <a:t>devices</a:t>
@@ -19702,7 +19516,7 @@
                 <a:solidFill>
                   <a:srgbClr val="5F5F61"/>
                 </a:solidFill>
-                <a:latin typeface="Franklin Gothic Medium"/>
+                <a:latin typeface="+mj-lt"/>
                 <a:cs typeface="Franklin Gothic Medium"/>
               </a:rPr>
               <a:t> </a:t>
@@ -19712,7 +19526,7 @@
                 <a:solidFill>
                   <a:srgbClr val="5F5F61"/>
                 </a:solidFill>
-                <a:latin typeface="Franklin Gothic Medium"/>
+                <a:latin typeface="+mj-lt"/>
                 <a:cs typeface="Franklin Gothic Medium"/>
               </a:rPr>
               <a:t>calculated</a:t>
@@ -19722,7 +19536,7 @@
                 <a:solidFill>
                   <a:srgbClr val="5F5F61"/>
                 </a:solidFill>
-                <a:latin typeface="Franklin Gothic Medium"/>
+                <a:latin typeface="+mj-lt"/>
                 <a:cs typeface="Franklin Gothic Medium"/>
               </a:rPr>
               <a:t> </a:t>
@@ -19732,7 +19546,7 @@
                 <a:solidFill>
                   <a:srgbClr val="5F5F61"/>
                 </a:solidFill>
-                <a:latin typeface="Franklin Gothic Medium"/>
+                <a:latin typeface="+mj-lt"/>
                 <a:cs typeface="Franklin Gothic Medium"/>
               </a:rPr>
               <a:t>using</a:t>
@@ -19742,7 +19556,7 @@
                 <a:solidFill>
                   <a:srgbClr val="5F5F61"/>
                 </a:solidFill>
-                <a:latin typeface="Franklin Gothic Medium"/>
+                <a:latin typeface="+mj-lt"/>
                 <a:cs typeface="Franklin Gothic Medium"/>
               </a:rPr>
               <a:t> </a:t>
@@ -19752,7 +19566,7 @@
                 <a:solidFill>
                   <a:srgbClr val="5F5F61"/>
                 </a:solidFill>
-                <a:latin typeface="Franklin Gothic Medium"/>
+                <a:latin typeface="+mj-lt"/>
                 <a:cs typeface="Franklin Gothic Medium"/>
               </a:rPr>
               <a:t>Time</a:t>
@@ -19762,7 +19576,7 @@
                 <a:solidFill>
                   <a:srgbClr val="5F5F61"/>
                 </a:solidFill>
-                <a:latin typeface="Franklin Gothic Medium"/>
+                <a:latin typeface="+mj-lt"/>
                 <a:cs typeface="Franklin Gothic Medium"/>
               </a:rPr>
               <a:t> </a:t>
@@ -19772,7 +19586,7 @@
                 <a:solidFill>
                   <a:srgbClr val="5F5F61"/>
                 </a:solidFill>
-                <a:latin typeface="Franklin Gothic Medium"/>
+                <a:latin typeface="+mj-lt"/>
                 <a:cs typeface="Franklin Gothic Medium"/>
               </a:rPr>
               <a:t>of</a:t>
@@ -19782,7 +19596,7 @@
                 <a:solidFill>
                   <a:srgbClr val="5F5F61"/>
                 </a:solidFill>
-                <a:latin typeface="Franklin Gothic Medium"/>
+                <a:latin typeface="+mj-lt"/>
                 <a:cs typeface="Franklin Gothic Medium"/>
               </a:rPr>
               <a:t> </a:t>
@@ -19792,7 +19606,7 @@
                 <a:solidFill>
                   <a:srgbClr val="5F5F61"/>
                 </a:solidFill>
-                <a:latin typeface="Franklin Gothic Medium"/>
+                <a:latin typeface="+mj-lt"/>
                 <a:cs typeface="Franklin Gothic Medium"/>
               </a:rPr>
               <a:t>Flight</a:t>
@@ -19802,7 +19616,7 @@
                 <a:solidFill>
                   <a:srgbClr val="5F5F61"/>
                 </a:solidFill>
-                <a:latin typeface="Franklin Gothic Medium"/>
+                <a:latin typeface="+mj-lt"/>
                 <a:cs typeface="Franklin Gothic Medium"/>
               </a:rPr>
               <a:t> </a:t>
@@ -19812,7 +19626,7 @@
                 <a:solidFill>
                   <a:srgbClr val="5F5F61"/>
                 </a:solidFill>
-                <a:latin typeface="Franklin Gothic Medium"/>
+                <a:latin typeface="+mj-lt"/>
                 <a:cs typeface="Franklin Gothic Medium"/>
               </a:rPr>
               <a:t>* </a:t>
@@ -19822,7 +19636,7 @@
                 <a:solidFill>
                   <a:srgbClr val="5F5F61"/>
                 </a:solidFill>
-                <a:latin typeface="Franklin Gothic Medium"/>
+                <a:latin typeface="+mj-lt"/>
                 <a:cs typeface="Franklin Gothic Medium"/>
               </a:rPr>
               <a:t>Speed</a:t>
@@ -19832,7 +19646,7 @@
                 <a:solidFill>
                   <a:srgbClr val="5F5F61"/>
                 </a:solidFill>
-                <a:latin typeface="Franklin Gothic Medium"/>
+                <a:latin typeface="+mj-lt"/>
                 <a:cs typeface="Franklin Gothic Medium"/>
               </a:rPr>
               <a:t> </a:t>
@@ -19842,7 +19656,7 @@
                 <a:solidFill>
                   <a:srgbClr val="5F5F61"/>
                 </a:solidFill>
-                <a:latin typeface="Franklin Gothic Medium"/>
+                <a:latin typeface="+mj-lt"/>
                 <a:cs typeface="Franklin Gothic Medium"/>
               </a:rPr>
               <a:t>of</a:t>
@@ -19852,7 +19666,7 @@
                 <a:solidFill>
                   <a:srgbClr val="5F5F61"/>
                 </a:solidFill>
-                <a:latin typeface="Franklin Gothic Medium"/>
+                <a:latin typeface="+mj-lt"/>
                 <a:cs typeface="Franklin Gothic Medium"/>
               </a:rPr>
               <a:t> </a:t>
@@ -19862,13 +19676,13 @@
                 <a:solidFill>
                   <a:srgbClr val="5F5F61"/>
                 </a:solidFill>
-                <a:latin typeface="Franklin Gothic Medium"/>
+                <a:latin typeface="+mj-lt"/>
                 <a:cs typeface="Franklin Gothic Medium"/>
               </a:rPr>
               <a:t>Light</a:t>
             </a:r>
             <a:endParaRPr sz="2400">
-              <a:latin typeface="Franklin Gothic Medium"/>
+              <a:latin typeface="+mj-lt"/>
               <a:cs typeface="Franklin Gothic Medium"/>
             </a:endParaRPr>
           </a:p>
@@ -19894,7 +19708,7 @@
                 <a:solidFill>
                   <a:srgbClr val="5F5F61"/>
                 </a:solidFill>
-                <a:latin typeface="Franklin Gothic Medium"/>
+                <a:latin typeface="+mj-lt"/>
                 <a:cs typeface="Franklin Gothic Medium"/>
               </a:rPr>
               <a:t>Accuracy</a:t>
@@ -19904,7 +19718,7 @@
                 <a:solidFill>
                   <a:srgbClr val="5F5F61"/>
                 </a:solidFill>
-                <a:latin typeface="Franklin Gothic Medium"/>
+                <a:latin typeface="+mj-lt"/>
                 <a:cs typeface="Franklin Gothic Medium"/>
               </a:rPr>
               <a:t> </a:t>
@@ -19914,7 +19728,7 @@
                 <a:solidFill>
                   <a:srgbClr val="5F5F61"/>
                 </a:solidFill>
-                <a:latin typeface="Franklin Gothic Medium"/>
+                <a:latin typeface="+mj-lt"/>
                 <a:cs typeface="Franklin Gothic Medium"/>
               </a:rPr>
               <a:t>degrades </a:t>
@@ -19924,7 +19738,7 @@
                 <a:solidFill>
                   <a:srgbClr val="5F5F61"/>
                 </a:solidFill>
-                <a:latin typeface="Franklin Gothic Medium"/>
+                <a:latin typeface="+mj-lt"/>
                 <a:cs typeface="Franklin Gothic Medium"/>
               </a:rPr>
               <a:t>as</a:t>
@@ -19934,7 +19748,7 @@
                 <a:solidFill>
                   <a:srgbClr val="5F5F61"/>
                 </a:solidFill>
-                <a:latin typeface="Franklin Gothic Medium"/>
+                <a:latin typeface="+mj-lt"/>
                 <a:cs typeface="Franklin Gothic Medium"/>
               </a:rPr>
               <a:t> </a:t>
@@ -19944,7 +19758,7 @@
                 <a:solidFill>
                   <a:srgbClr val="5F5F61"/>
                 </a:solidFill>
-                <a:latin typeface="Franklin Gothic Medium"/>
+                <a:latin typeface="+mj-lt"/>
                 <a:cs typeface="Franklin Gothic Medium"/>
               </a:rPr>
               <a:t>response</a:t>
@@ -19954,7 +19768,7 @@
                 <a:solidFill>
                   <a:srgbClr val="5F5F61"/>
                 </a:solidFill>
-                <a:latin typeface="Franklin Gothic Medium"/>
+                <a:latin typeface="+mj-lt"/>
                 <a:cs typeface="Franklin Gothic Medium"/>
               </a:rPr>
               <a:t> </a:t>
@@ -19964,7 +19778,7 @@
                 <a:solidFill>
                   <a:srgbClr val="5F5F61"/>
                 </a:solidFill>
-                <a:latin typeface="Franklin Gothic Medium"/>
+                <a:latin typeface="+mj-lt"/>
                 <a:cs typeface="Franklin Gothic Medium"/>
               </a:rPr>
               <a:t>time</a:t>
@@ -19974,7 +19788,7 @@
                 <a:solidFill>
                   <a:srgbClr val="5F5F61"/>
                 </a:solidFill>
-                <a:latin typeface="Franklin Gothic Medium"/>
+                <a:latin typeface="+mj-lt"/>
                 <a:cs typeface="Franklin Gothic Medium"/>
               </a:rPr>
               <a:t> increases,</a:t>
@@ -19984,7 +19798,7 @@
                 <a:solidFill>
                   <a:srgbClr val="5F5F61"/>
                 </a:solidFill>
-                <a:latin typeface="Franklin Gothic Medium"/>
+                <a:latin typeface="+mj-lt"/>
                 <a:cs typeface="Franklin Gothic Medium"/>
               </a:rPr>
               <a:t> each</a:t>
@@ -19994,7 +19808,7 @@
                 <a:solidFill>
                   <a:srgbClr val="5F5F61"/>
                 </a:solidFill>
-                <a:latin typeface="Franklin Gothic Medium"/>
+                <a:latin typeface="+mj-lt"/>
                 <a:cs typeface="Franklin Gothic Medium"/>
               </a:rPr>
               <a:t> </a:t>
@@ -20004,7 +19818,7 @@
                 <a:solidFill>
                   <a:srgbClr val="5F5F61"/>
                 </a:solidFill>
-                <a:latin typeface="Franklin Gothic Medium"/>
+                <a:latin typeface="+mj-lt"/>
                 <a:cs typeface="Franklin Gothic Medium"/>
               </a:rPr>
               <a:t>end </a:t>
@@ -20014,7 +19828,7 @@
                 <a:solidFill>
                   <a:srgbClr val="5F5F61"/>
                 </a:solidFill>
-                <a:latin typeface="Franklin Gothic Medium"/>
+                <a:latin typeface="+mj-lt"/>
                 <a:cs typeface="Franklin Gothic Medium"/>
               </a:rPr>
               <a:t>has</a:t>
@@ -20024,7 +19838,7 @@
                 <a:solidFill>
                   <a:srgbClr val="5F5F61"/>
                 </a:solidFill>
-                <a:latin typeface="Franklin Gothic Medium"/>
+                <a:latin typeface="+mj-lt"/>
                 <a:cs typeface="Franklin Gothic Medium"/>
               </a:rPr>
               <a:t> </a:t>
@@ -20034,13 +19848,13 @@
                 <a:solidFill>
                   <a:srgbClr val="5F5F61"/>
                 </a:solidFill>
-                <a:latin typeface="Franklin Gothic Medium"/>
+                <a:latin typeface="+mj-lt"/>
                 <a:cs typeface="Franklin Gothic Medium"/>
               </a:rPr>
               <a:t>non-ideal</a:t>
             </a:r>
             <a:endParaRPr sz="2400">
-              <a:latin typeface="Franklin Gothic Medium"/>
+              <a:latin typeface="+mj-lt"/>
               <a:cs typeface="Franklin Gothic Medium"/>
             </a:endParaRPr>
           </a:p>
@@ -20055,7 +19869,7 @@
                 <a:solidFill>
                   <a:srgbClr val="5F5F61"/>
                 </a:solidFill>
-                <a:latin typeface="Franklin Gothic Medium"/>
+                <a:latin typeface="+mj-lt"/>
                 <a:cs typeface="Franklin Gothic Medium"/>
               </a:rPr>
               <a:t>clocks,</a:t>
@@ -20065,7 +19879,7 @@
                 <a:solidFill>
                   <a:srgbClr val="5F5F61"/>
                 </a:solidFill>
-                <a:latin typeface="Franklin Gothic Medium"/>
+                <a:latin typeface="+mj-lt"/>
                 <a:cs typeface="Franklin Gothic Medium"/>
               </a:rPr>
               <a:t> </a:t>
@@ -20075,7 +19889,7 @@
                 <a:solidFill>
                   <a:srgbClr val="5F5F61"/>
                 </a:solidFill>
-                <a:latin typeface="Franklin Gothic Medium"/>
+                <a:latin typeface="+mj-lt"/>
                 <a:cs typeface="Franklin Gothic Medium"/>
               </a:rPr>
               <a:t>so</a:t>
@@ -20085,7 +19899,7 @@
                 <a:solidFill>
                   <a:srgbClr val="5F5F61"/>
                 </a:solidFill>
-                <a:latin typeface="Franklin Gothic Medium"/>
+                <a:latin typeface="+mj-lt"/>
                 <a:cs typeface="Franklin Gothic Medium"/>
               </a:rPr>
               <a:t> </a:t>
@@ -20095,7 +19909,7 @@
                 <a:solidFill>
                   <a:srgbClr val="5F5F61"/>
                 </a:solidFill>
-                <a:latin typeface="Franklin Gothic Medium"/>
+                <a:latin typeface="+mj-lt"/>
                 <a:cs typeface="Franklin Gothic Medium"/>
               </a:rPr>
               <a:t>time</a:t>
@@ -20105,7 +19919,7 @@
                 <a:solidFill>
                   <a:srgbClr val="5F5F61"/>
                 </a:solidFill>
-                <a:latin typeface="Franklin Gothic Medium"/>
+                <a:latin typeface="+mj-lt"/>
                 <a:cs typeface="Franklin Gothic Medium"/>
               </a:rPr>
               <a:t> </a:t>
@@ -20115,7 +19929,7 @@
                 <a:solidFill>
                   <a:srgbClr val="5F5F61"/>
                 </a:solidFill>
-                <a:latin typeface="Franklin Gothic Medium"/>
+                <a:latin typeface="+mj-lt"/>
                 <a:cs typeface="Franklin Gothic Medium"/>
               </a:rPr>
               <a:t>calculations</a:t>
@@ -20125,7 +19939,7 @@
                 <a:solidFill>
                   <a:srgbClr val="5F5F61"/>
                 </a:solidFill>
-                <a:latin typeface="Franklin Gothic Medium"/>
+                <a:latin typeface="+mj-lt"/>
                 <a:cs typeface="Franklin Gothic Medium"/>
               </a:rPr>
               <a:t> vary</a:t>
@@ -20135,7 +19949,7 @@
                 <a:solidFill>
                   <a:srgbClr val="5F5F61"/>
                 </a:solidFill>
-                <a:latin typeface="Franklin Gothic Medium"/>
+                <a:latin typeface="+mj-lt"/>
                 <a:cs typeface="Franklin Gothic Medium"/>
               </a:rPr>
               <a:t> </a:t>
@@ -20145,7 +19959,7 @@
                 <a:solidFill>
                   <a:srgbClr val="5F5F61"/>
                 </a:solidFill>
-                <a:latin typeface="Franklin Gothic Medium"/>
+                <a:latin typeface="+mj-lt"/>
                 <a:cs typeface="Franklin Gothic Medium"/>
               </a:rPr>
               <a:t>with</a:t>
@@ -20155,7 +19969,7 @@
                 <a:solidFill>
                   <a:srgbClr val="5F5F61"/>
                 </a:solidFill>
-                <a:latin typeface="Franklin Gothic Medium"/>
+                <a:latin typeface="+mj-lt"/>
                 <a:cs typeface="Franklin Gothic Medium"/>
               </a:rPr>
               <a:t> </a:t>
@@ -20165,7 +19979,7 @@
                 <a:solidFill>
                   <a:srgbClr val="5F5F61"/>
                 </a:solidFill>
-                <a:latin typeface="Franklin Gothic Medium"/>
+                <a:latin typeface="+mj-lt"/>
                 <a:cs typeface="Franklin Gothic Medium"/>
               </a:rPr>
               <a:t>clock</a:t>
@@ -20175,7 +19989,7 @@
                 <a:solidFill>
                   <a:srgbClr val="5F5F61"/>
                 </a:solidFill>
-                <a:latin typeface="Franklin Gothic Medium"/>
+                <a:latin typeface="+mj-lt"/>
                 <a:cs typeface="Franklin Gothic Medium"/>
               </a:rPr>
               <a:t> </a:t>
@@ -20185,7 +19999,7 @@
                 <a:solidFill>
                   <a:srgbClr val="5F5F61"/>
                 </a:solidFill>
-                <a:latin typeface="Franklin Gothic Medium"/>
+                <a:latin typeface="+mj-lt"/>
                 <a:cs typeface="Franklin Gothic Medium"/>
               </a:rPr>
               <a:t>frequency</a:t>
@@ -20195,7 +20009,7 @@
                 <a:solidFill>
                   <a:srgbClr val="5F5F61"/>
                 </a:solidFill>
-                <a:latin typeface="Franklin Gothic Medium"/>
+                <a:latin typeface="+mj-lt"/>
                 <a:cs typeface="Franklin Gothic Medium"/>
               </a:rPr>
               <a:t> </a:t>
@@ -20205,13 +20019,13 @@
                 <a:solidFill>
                   <a:srgbClr val="5F5F61"/>
                 </a:solidFill>
-                <a:latin typeface="Franklin Gothic Medium"/>
+                <a:latin typeface="+mj-lt"/>
                 <a:cs typeface="Franklin Gothic Medium"/>
               </a:rPr>
               <a:t>variation</a:t>
             </a:r>
             <a:endParaRPr sz="2400">
-              <a:latin typeface="Franklin Gothic Medium"/>
+              <a:latin typeface="+mj-lt"/>
               <a:cs typeface="Franklin Gothic Medium"/>
             </a:endParaRPr>
           </a:p>
@@ -20335,7 +20149,7 @@
         </p:nvSpPr>
         <p:spPr>
           <a:xfrm>
-            <a:off x="650240" y="340563"/>
+            <a:off x="793090" y="712673"/>
             <a:ext cx="4475480" cy="757555"/>
           </a:xfrm>
           <a:prstGeom prst="rect">
@@ -20392,8 +20206,8 @@
         </p:nvSpPr>
         <p:spPr>
           <a:xfrm>
-            <a:off x="847750" y="1304290"/>
-            <a:ext cx="4276090" cy="3763010"/>
+            <a:off x="990600" y="1676400"/>
+            <a:ext cx="4276090" cy="3819700"/>
           </a:xfrm>
           <a:prstGeom prst="rect">
             <a:avLst/>
@@ -20426,7 +20240,7 @@
                 <a:solidFill>
                   <a:srgbClr val="5F5F60"/>
                 </a:solidFill>
-                <a:latin typeface="Franklin Gothic Medium"/>
+                <a:latin typeface="+mj-lt"/>
                 <a:cs typeface="Franklin Gothic Medium"/>
               </a:rPr>
               <a:t>Apple</a:t>
@@ -20436,7 +20250,7 @@
                 <a:solidFill>
                   <a:srgbClr val="5F5F60"/>
                 </a:solidFill>
-                <a:latin typeface="Franklin Gothic Medium"/>
+                <a:latin typeface="+mj-lt"/>
                 <a:cs typeface="Franklin Gothic Medium"/>
               </a:rPr>
               <a:t> </a:t>
@@ -20446,13 +20260,13 @@
                 <a:solidFill>
                   <a:srgbClr val="5F5F60"/>
                 </a:solidFill>
-                <a:latin typeface="Franklin Gothic Medium"/>
+                <a:latin typeface="+mj-lt"/>
                 <a:cs typeface="Franklin Gothic Medium"/>
               </a:rPr>
               <a:t>Airtags</a:t>
             </a:r>
             <a:endParaRPr sz="2400">
-              <a:latin typeface="Franklin Gothic Medium"/>
+              <a:latin typeface="+mj-lt"/>
               <a:cs typeface="Franklin Gothic Medium"/>
             </a:endParaRPr>
           </a:p>
@@ -20478,7 +20292,7 @@
                 <a:solidFill>
                   <a:srgbClr val="5F5F60"/>
                 </a:solidFill>
-                <a:latin typeface="Franklin Gothic Medium"/>
+                <a:latin typeface="+mj-lt"/>
                 <a:cs typeface="Franklin Gothic Medium"/>
               </a:rPr>
               <a:t>Use </a:t>
@@ -20488,7 +20302,7 @@
                 <a:solidFill>
                   <a:srgbClr val="5F5F60"/>
                 </a:solidFill>
-                <a:latin typeface="Franklin Gothic Medium"/>
+                <a:latin typeface="+mj-lt"/>
                 <a:cs typeface="Franklin Gothic Medium"/>
               </a:rPr>
               <a:t>UWB </a:t>
@@ -20498,7 +20312,7 @@
                 <a:solidFill>
                   <a:srgbClr val="5F5F60"/>
                 </a:solidFill>
-                <a:latin typeface="Franklin Gothic Medium"/>
+                <a:latin typeface="+mj-lt"/>
                 <a:cs typeface="Franklin Gothic Medium"/>
               </a:rPr>
               <a:t>and </a:t>
@@ -20508,7 +20322,7 @@
                 <a:solidFill>
                   <a:srgbClr val="5F5F60"/>
                 </a:solidFill>
-                <a:latin typeface="Franklin Gothic Medium"/>
+                <a:latin typeface="+mj-lt"/>
                 <a:cs typeface="Franklin Gothic Medium"/>
               </a:rPr>
               <a:t>BLE </a:t>
@@ -20518,7 +20332,7 @@
                 <a:solidFill>
                   <a:srgbClr val="5F5F60"/>
                 </a:solidFill>
-                <a:latin typeface="Franklin Gothic Medium"/>
+                <a:latin typeface="+mj-lt"/>
                 <a:cs typeface="Franklin Gothic Medium"/>
               </a:rPr>
               <a:t>together </a:t>
@@ -20528,7 +20342,7 @@
                 <a:solidFill>
                   <a:srgbClr val="5F5F60"/>
                 </a:solidFill>
-                <a:latin typeface="Franklin Gothic Medium"/>
+                <a:latin typeface="+mj-lt"/>
                 <a:cs typeface="Franklin Gothic Medium"/>
               </a:rPr>
               <a:t>to </a:t>
@@ -20538,7 +20352,7 @@
                 <a:solidFill>
                   <a:srgbClr val="5F5F60"/>
                 </a:solidFill>
-                <a:latin typeface="Franklin Gothic Medium"/>
+                <a:latin typeface="+mj-lt"/>
                 <a:cs typeface="Franklin Gothic Medium"/>
               </a:rPr>
               <a:t> </a:t>
@@ -20548,7 +20362,7 @@
                 <a:solidFill>
                   <a:srgbClr val="5F5F60"/>
                 </a:solidFill>
-                <a:latin typeface="Franklin Gothic Medium"/>
+                <a:latin typeface="+mj-lt"/>
                 <a:cs typeface="Franklin Gothic Medium"/>
               </a:rPr>
               <a:t>find</a:t>
@@ -20558,7 +20372,7 @@
                 <a:solidFill>
                   <a:srgbClr val="5F5F60"/>
                 </a:solidFill>
-                <a:latin typeface="Franklin Gothic Medium"/>
+                <a:latin typeface="+mj-lt"/>
                 <a:cs typeface="Franklin Gothic Medium"/>
               </a:rPr>
               <a:t> </a:t>
@@ -20568,7 +20382,7 @@
                 <a:solidFill>
                   <a:srgbClr val="5F5F60"/>
                 </a:solidFill>
-                <a:latin typeface="Franklin Gothic Medium"/>
+                <a:latin typeface="+mj-lt"/>
                 <a:cs typeface="Franklin Gothic Medium"/>
               </a:rPr>
               <a:t>the</a:t>
@@ -20578,7 +20392,7 @@
                 <a:solidFill>
                   <a:srgbClr val="5F5F60"/>
                 </a:solidFill>
-                <a:latin typeface="Franklin Gothic Medium"/>
+                <a:latin typeface="+mj-lt"/>
                 <a:cs typeface="Franklin Gothic Medium"/>
               </a:rPr>
               <a:t> </a:t>
@@ -20588,7 +20402,7 @@
                 <a:solidFill>
                   <a:srgbClr val="5F5F60"/>
                 </a:solidFill>
-                <a:latin typeface="Franklin Gothic Medium"/>
+                <a:latin typeface="+mj-lt"/>
                 <a:cs typeface="Franklin Gothic Medium"/>
               </a:rPr>
               <a:t>distance</a:t>
@@ -20598,7 +20412,7 @@
                 <a:solidFill>
                   <a:srgbClr val="5F5F60"/>
                 </a:solidFill>
-                <a:latin typeface="Franklin Gothic Medium"/>
+                <a:latin typeface="+mj-lt"/>
                 <a:cs typeface="Franklin Gothic Medium"/>
               </a:rPr>
               <a:t> </a:t>
@@ -20608,7 +20422,7 @@
                 <a:solidFill>
                   <a:srgbClr val="5F5F60"/>
                 </a:solidFill>
-                <a:latin typeface="Franklin Gothic Medium"/>
+                <a:latin typeface="+mj-lt"/>
                 <a:cs typeface="Franklin Gothic Medium"/>
               </a:rPr>
               <a:t>and</a:t>
@@ -20618,7 +20432,7 @@
                 <a:solidFill>
                   <a:srgbClr val="5F5F60"/>
                 </a:solidFill>
-                <a:latin typeface="Franklin Gothic Medium"/>
+                <a:latin typeface="+mj-lt"/>
                 <a:cs typeface="Franklin Gothic Medium"/>
               </a:rPr>
               <a:t> </a:t>
@@ -20628,7 +20442,7 @@
                 <a:solidFill>
                   <a:srgbClr val="5F5F60"/>
                 </a:solidFill>
-                <a:latin typeface="Franklin Gothic Medium"/>
+                <a:latin typeface="+mj-lt"/>
                 <a:cs typeface="Franklin Gothic Medium"/>
               </a:rPr>
               <a:t>angle </a:t>
@@ -20638,7 +20452,7 @@
                 <a:solidFill>
                   <a:srgbClr val="5F5F60"/>
                 </a:solidFill>
-                <a:latin typeface="Franklin Gothic Medium"/>
+                <a:latin typeface="+mj-lt"/>
                 <a:cs typeface="Franklin Gothic Medium"/>
               </a:rPr>
               <a:t> </a:t>
@@ -20648,7 +20462,7 @@
                 <a:solidFill>
                   <a:srgbClr val="5F5F60"/>
                 </a:solidFill>
-                <a:latin typeface="Franklin Gothic Medium"/>
+                <a:latin typeface="+mj-lt"/>
                 <a:cs typeface="Franklin Gothic Medium"/>
               </a:rPr>
               <a:t>to</a:t>
@@ -20658,7 +20472,7 @@
                 <a:solidFill>
                   <a:srgbClr val="5F5F60"/>
                 </a:solidFill>
-                <a:latin typeface="Franklin Gothic Medium"/>
+                <a:latin typeface="+mj-lt"/>
                 <a:cs typeface="Franklin Gothic Medium"/>
               </a:rPr>
               <a:t> </a:t>
@@ -20668,7 +20482,7 @@
                 <a:solidFill>
                   <a:srgbClr val="5F5F60"/>
                 </a:solidFill>
-                <a:latin typeface="Franklin Gothic Medium"/>
+                <a:latin typeface="+mj-lt"/>
                 <a:cs typeface="Franklin Gothic Medium"/>
               </a:rPr>
               <a:t>the</a:t>
@@ -20678,7 +20492,7 @@
                 <a:solidFill>
                   <a:srgbClr val="5F5F60"/>
                 </a:solidFill>
-                <a:latin typeface="Franklin Gothic Medium"/>
+                <a:latin typeface="+mj-lt"/>
                 <a:cs typeface="Franklin Gothic Medium"/>
               </a:rPr>
               <a:t> </a:t>
@@ -20688,7 +20502,7 @@
                 <a:solidFill>
                   <a:srgbClr val="5F5F60"/>
                 </a:solidFill>
-                <a:latin typeface="Franklin Gothic Medium"/>
+                <a:latin typeface="+mj-lt"/>
                 <a:cs typeface="Franklin Gothic Medium"/>
               </a:rPr>
               <a:t>tag</a:t>
@@ -20698,7 +20512,7 @@
                 <a:solidFill>
                   <a:srgbClr val="5F5F60"/>
                 </a:solidFill>
-                <a:latin typeface="Franklin Gothic Medium"/>
+                <a:latin typeface="+mj-lt"/>
                 <a:cs typeface="Franklin Gothic Medium"/>
               </a:rPr>
               <a:t> </a:t>
@@ -20708,7 +20522,7 @@
                 <a:solidFill>
                   <a:srgbClr val="5F5F60"/>
                 </a:solidFill>
-                <a:latin typeface="Franklin Gothic Medium"/>
+                <a:latin typeface="+mj-lt"/>
                 <a:cs typeface="Franklin Gothic Medium"/>
               </a:rPr>
               <a:t>from</a:t>
@@ -20718,7 +20532,7 @@
                 <a:solidFill>
                   <a:srgbClr val="5F5F60"/>
                 </a:solidFill>
-                <a:latin typeface="Franklin Gothic Medium"/>
+                <a:latin typeface="+mj-lt"/>
                 <a:cs typeface="Franklin Gothic Medium"/>
               </a:rPr>
               <a:t> </a:t>
@@ -20728,7 +20542,7 @@
                 <a:solidFill>
                   <a:srgbClr val="5F5F60"/>
                 </a:solidFill>
-                <a:latin typeface="Franklin Gothic Medium"/>
+                <a:latin typeface="+mj-lt"/>
                 <a:cs typeface="Franklin Gothic Medium"/>
               </a:rPr>
               <a:t>your</a:t>
@@ -20738,7 +20552,7 @@
                 <a:solidFill>
                   <a:srgbClr val="5F5F60"/>
                 </a:solidFill>
-                <a:latin typeface="Franklin Gothic Medium"/>
+                <a:latin typeface="+mj-lt"/>
                 <a:cs typeface="Franklin Gothic Medium"/>
               </a:rPr>
               <a:t> </a:t>
@@ -20748,13 +20562,13 @@
                 <a:solidFill>
                   <a:srgbClr val="5F5F60"/>
                 </a:solidFill>
-                <a:latin typeface="Franklin Gothic Medium"/>
+                <a:latin typeface="+mj-lt"/>
                 <a:cs typeface="Franklin Gothic Medium"/>
               </a:rPr>
               <a:t>phone</a:t>
             </a:r>
             <a:endParaRPr sz="2400">
-              <a:latin typeface="Franklin Gothic Medium"/>
+              <a:latin typeface="+mj-lt"/>
               <a:cs typeface="Franklin Gothic Medium"/>
             </a:endParaRPr>
           </a:p>
@@ -20770,7 +20584,7 @@
               <a:buChar char="–"/>
             </a:pPr>
             <a:endParaRPr sz="2700">
-              <a:latin typeface="Franklin Gothic Medium"/>
+              <a:latin typeface="+mj-lt"/>
               <a:cs typeface="Franklin Gothic Medium"/>
             </a:endParaRPr>
           </a:p>
@@ -20789,7 +20603,7 @@
               <a:buChar char="–"/>
             </a:pPr>
             <a:endParaRPr sz="3050">
-              <a:latin typeface="Franklin Gothic Medium"/>
+              <a:latin typeface="+mj-lt"/>
               <a:cs typeface="Franklin Gothic Medium"/>
             </a:endParaRPr>
           </a:p>
@@ -20812,7 +20626,7 @@
                 <a:solidFill>
                   <a:srgbClr val="5F5F60"/>
                 </a:solidFill>
-                <a:latin typeface="Franklin Gothic Medium"/>
+                <a:latin typeface="+mj-lt"/>
                 <a:cs typeface="Franklin Gothic Medium"/>
               </a:rPr>
               <a:t>Samsung</a:t>
@@ -20822,7 +20636,7 @@
                 <a:solidFill>
                   <a:srgbClr val="5F5F60"/>
                 </a:solidFill>
-                <a:latin typeface="Franklin Gothic Medium"/>
+                <a:latin typeface="+mj-lt"/>
                 <a:cs typeface="Franklin Gothic Medium"/>
               </a:rPr>
               <a:t> </a:t>
@@ -20832,13 +20646,13 @@
                 <a:solidFill>
                   <a:srgbClr val="5F5F60"/>
                 </a:solidFill>
-                <a:latin typeface="Franklin Gothic Medium"/>
+                <a:latin typeface="+mj-lt"/>
                 <a:cs typeface="Franklin Gothic Medium"/>
               </a:rPr>
               <a:t>SmartTag</a:t>
             </a:r>
             <a:endParaRPr sz="2400">
-              <a:latin typeface="Franklin Gothic Medium"/>
+              <a:latin typeface="+mj-lt"/>
               <a:cs typeface="Franklin Gothic Medium"/>
             </a:endParaRPr>
           </a:p>
@@ -20864,7 +20678,7 @@
                 <a:solidFill>
                   <a:srgbClr val="5F5F60"/>
                 </a:solidFill>
-                <a:latin typeface="Franklin Gothic Medium"/>
+                <a:latin typeface="+mj-lt"/>
                 <a:cs typeface="Franklin Gothic Medium"/>
               </a:rPr>
               <a:t>Similar</a:t>
@@ -20874,7 +20688,7 @@
                 <a:solidFill>
                   <a:srgbClr val="5F5F60"/>
                 </a:solidFill>
-                <a:latin typeface="Franklin Gothic Medium"/>
+                <a:latin typeface="+mj-lt"/>
                 <a:cs typeface="Franklin Gothic Medium"/>
               </a:rPr>
               <a:t> </a:t>
@@ -20884,7 +20698,7 @@
                 <a:solidFill>
                   <a:srgbClr val="5F5F60"/>
                 </a:solidFill>
-                <a:latin typeface="Franklin Gothic Medium"/>
+                <a:latin typeface="+mj-lt"/>
                 <a:cs typeface="Franklin Gothic Medium"/>
               </a:rPr>
               <a:t>to</a:t>
@@ -20894,7 +20708,7 @@
                 <a:solidFill>
                   <a:srgbClr val="5F5F60"/>
                 </a:solidFill>
-                <a:latin typeface="Franklin Gothic Medium"/>
+                <a:latin typeface="+mj-lt"/>
                 <a:cs typeface="Franklin Gothic Medium"/>
               </a:rPr>
               <a:t> </a:t>
@@ -20904,7 +20718,7 @@
                 <a:solidFill>
                   <a:srgbClr val="5F5F60"/>
                 </a:solidFill>
-                <a:latin typeface="Franklin Gothic Medium"/>
+                <a:latin typeface="+mj-lt"/>
                 <a:cs typeface="Franklin Gothic Medium"/>
               </a:rPr>
               <a:t>Apple,</a:t>
@@ -20914,7 +20728,7 @@
                 <a:solidFill>
                   <a:srgbClr val="5F5F60"/>
                 </a:solidFill>
-                <a:latin typeface="Franklin Gothic Medium"/>
+                <a:latin typeface="+mj-lt"/>
                 <a:cs typeface="Franklin Gothic Medium"/>
               </a:rPr>
               <a:t> </a:t>
@@ -20924,7 +20738,7 @@
                 <a:solidFill>
                   <a:srgbClr val="5F5F60"/>
                 </a:solidFill>
-                <a:latin typeface="Franklin Gothic Medium"/>
+                <a:latin typeface="+mj-lt"/>
                 <a:cs typeface="Franklin Gothic Medium"/>
               </a:rPr>
               <a:t>uses</a:t>
@@ -20934,7 +20748,7 @@
                 <a:solidFill>
                   <a:srgbClr val="5F5F60"/>
                 </a:solidFill>
-                <a:latin typeface="Franklin Gothic Medium"/>
+                <a:latin typeface="+mj-lt"/>
                 <a:cs typeface="Franklin Gothic Medium"/>
               </a:rPr>
               <a:t> </a:t>
@@ -20944,7 +20758,7 @@
                 <a:solidFill>
                   <a:srgbClr val="5F5F60"/>
                 </a:solidFill>
-                <a:latin typeface="Franklin Gothic Medium"/>
+                <a:latin typeface="+mj-lt"/>
                 <a:cs typeface="Franklin Gothic Medium"/>
               </a:rPr>
               <a:t>UWB </a:t>
@@ -20954,7 +20768,7 @@
                 <a:solidFill>
                   <a:srgbClr val="5F5F60"/>
                 </a:solidFill>
-                <a:latin typeface="Franklin Gothic Medium"/>
+                <a:latin typeface="+mj-lt"/>
                 <a:cs typeface="Franklin Gothic Medium"/>
               </a:rPr>
               <a:t> </a:t>
@@ -20964,7 +20778,7 @@
                 <a:solidFill>
                   <a:srgbClr val="5F5F60"/>
                 </a:solidFill>
-                <a:latin typeface="Franklin Gothic Medium"/>
+                <a:latin typeface="+mj-lt"/>
                 <a:cs typeface="Franklin Gothic Medium"/>
               </a:rPr>
               <a:t>and </a:t>
@@ -20974,7 +20788,7 @@
                 <a:solidFill>
                   <a:srgbClr val="5F5F60"/>
                 </a:solidFill>
-                <a:latin typeface="Franklin Gothic Medium"/>
+                <a:latin typeface="+mj-lt"/>
                 <a:cs typeface="Franklin Gothic Medium"/>
               </a:rPr>
               <a:t>BLE</a:t>
@@ -20984,7 +20798,7 @@
                 <a:solidFill>
                   <a:srgbClr val="5F5F60"/>
                 </a:solidFill>
-                <a:latin typeface="Franklin Gothic Medium"/>
+                <a:latin typeface="+mj-lt"/>
                 <a:cs typeface="Franklin Gothic Medium"/>
               </a:rPr>
               <a:t> </a:t>
@@ -20994,7 +20808,7 @@
                 <a:solidFill>
                   <a:srgbClr val="5F5F60"/>
                 </a:solidFill>
-                <a:latin typeface="Franklin Gothic Medium"/>
+                <a:latin typeface="+mj-lt"/>
                 <a:cs typeface="Franklin Gothic Medium"/>
               </a:rPr>
               <a:t>together</a:t>
@@ -21004,7 +20818,7 @@
                 <a:solidFill>
                   <a:srgbClr val="5F5F60"/>
                 </a:solidFill>
-                <a:latin typeface="Franklin Gothic Medium"/>
+                <a:latin typeface="+mj-lt"/>
                 <a:cs typeface="Franklin Gothic Medium"/>
               </a:rPr>
               <a:t> </a:t>
@@ -21014,7 +20828,7 @@
                 <a:solidFill>
                   <a:srgbClr val="5F5F60"/>
                 </a:solidFill>
-                <a:latin typeface="Franklin Gothic Medium"/>
+                <a:latin typeface="+mj-lt"/>
                 <a:cs typeface="Franklin Gothic Medium"/>
               </a:rPr>
               <a:t>with </a:t>
@@ -21024,7 +20838,7 @@
                 <a:solidFill>
                   <a:srgbClr val="5F5F60"/>
                 </a:solidFill>
-                <a:latin typeface="Franklin Gothic Medium"/>
+                <a:latin typeface="+mj-lt"/>
                 <a:cs typeface="Franklin Gothic Medium"/>
               </a:rPr>
               <a:t> </a:t>
@@ -21034,7 +20848,7 @@
                 <a:solidFill>
                   <a:srgbClr val="5F5F60"/>
                 </a:solidFill>
-                <a:latin typeface="Franklin Gothic Medium"/>
+                <a:latin typeface="+mj-lt"/>
                 <a:cs typeface="Franklin Gothic Medium"/>
               </a:rPr>
               <a:t>phone’s</a:t>
@@ -21044,7 +20858,7 @@
                 <a:solidFill>
                   <a:srgbClr val="5F5F60"/>
                 </a:solidFill>
-                <a:latin typeface="Franklin Gothic Medium"/>
+                <a:latin typeface="+mj-lt"/>
                 <a:cs typeface="Franklin Gothic Medium"/>
               </a:rPr>
               <a:t> </a:t>
@@ -21054,7 +20868,7 @@
                 <a:solidFill>
                   <a:srgbClr val="5F5F60"/>
                 </a:solidFill>
-                <a:latin typeface="Franklin Gothic Medium"/>
+                <a:latin typeface="+mj-lt"/>
                 <a:cs typeface="Franklin Gothic Medium"/>
               </a:rPr>
               <a:t>camera</a:t>
@@ -21064,7 +20878,7 @@
                 <a:solidFill>
                   <a:srgbClr val="5F5F60"/>
                 </a:solidFill>
-                <a:latin typeface="Franklin Gothic Medium"/>
+                <a:latin typeface="+mj-lt"/>
                 <a:cs typeface="Franklin Gothic Medium"/>
               </a:rPr>
               <a:t> </a:t>
@@ -21074,7 +20888,7 @@
                 <a:solidFill>
                   <a:srgbClr val="5F5F60"/>
                 </a:solidFill>
-                <a:latin typeface="Franklin Gothic Medium"/>
+                <a:latin typeface="+mj-lt"/>
                 <a:cs typeface="Franklin Gothic Medium"/>
               </a:rPr>
               <a:t>to</a:t>
@@ -21084,7 +20898,7 @@
                 <a:solidFill>
                   <a:srgbClr val="5F5F60"/>
                 </a:solidFill>
-                <a:latin typeface="Franklin Gothic Medium"/>
+                <a:latin typeface="+mj-lt"/>
                 <a:cs typeface="Franklin Gothic Medium"/>
               </a:rPr>
               <a:t> show</a:t>
@@ -21094,7 +20908,7 @@
                 <a:solidFill>
                   <a:srgbClr val="5F5F60"/>
                 </a:solidFill>
-                <a:latin typeface="Franklin Gothic Medium"/>
+                <a:latin typeface="+mj-lt"/>
                 <a:cs typeface="Franklin Gothic Medium"/>
               </a:rPr>
               <a:t> </a:t>
@@ -21104,7 +20918,7 @@
                 <a:solidFill>
                   <a:srgbClr val="5F5F60"/>
                 </a:solidFill>
-                <a:latin typeface="Franklin Gothic Medium"/>
+                <a:latin typeface="+mj-lt"/>
                 <a:cs typeface="Franklin Gothic Medium"/>
               </a:rPr>
               <a:t>you </a:t>
@@ -21114,7 +20928,7 @@
                 <a:solidFill>
                   <a:srgbClr val="5F5F60"/>
                 </a:solidFill>
-                <a:latin typeface="Franklin Gothic Medium"/>
+                <a:latin typeface="+mj-lt"/>
                 <a:cs typeface="Franklin Gothic Medium"/>
               </a:rPr>
               <a:t> </a:t>
@@ -21124,7 +20938,7 @@
                 <a:solidFill>
                   <a:srgbClr val="5F5F60"/>
                 </a:solidFill>
-                <a:latin typeface="Franklin Gothic Medium"/>
+                <a:latin typeface="+mj-lt"/>
                 <a:cs typeface="Franklin Gothic Medium"/>
               </a:rPr>
               <a:t>where</a:t>
@@ -21134,7 +20948,7 @@
                 <a:solidFill>
                   <a:srgbClr val="5F5F60"/>
                 </a:solidFill>
-                <a:latin typeface="Franklin Gothic Medium"/>
+                <a:latin typeface="+mj-lt"/>
                 <a:cs typeface="Franklin Gothic Medium"/>
               </a:rPr>
               <a:t> </a:t>
@@ -21144,7 +20958,7 @@
                 <a:solidFill>
                   <a:srgbClr val="5F5F60"/>
                 </a:solidFill>
-                <a:latin typeface="Franklin Gothic Medium"/>
+                <a:latin typeface="+mj-lt"/>
                 <a:cs typeface="Franklin Gothic Medium"/>
               </a:rPr>
               <a:t>the</a:t>
@@ -21154,7 +20968,7 @@
                 <a:solidFill>
                   <a:srgbClr val="5F5F60"/>
                 </a:solidFill>
-                <a:latin typeface="Franklin Gothic Medium"/>
+                <a:latin typeface="+mj-lt"/>
                 <a:cs typeface="Franklin Gothic Medium"/>
               </a:rPr>
               <a:t> </a:t>
@@ -21164,7 +20978,7 @@
                 <a:solidFill>
                   <a:srgbClr val="5F5F60"/>
                 </a:solidFill>
-                <a:latin typeface="Franklin Gothic Medium"/>
+                <a:latin typeface="+mj-lt"/>
                 <a:cs typeface="Franklin Gothic Medium"/>
               </a:rPr>
               <a:t>tag</a:t>
@@ -21174,7 +20988,7 @@
                 <a:solidFill>
                   <a:srgbClr val="5F5F60"/>
                 </a:solidFill>
-                <a:latin typeface="Franklin Gothic Medium"/>
+                <a:latin typeface="+mj-lt"/>
                 <a:cs typeface="Franklin Gothic Medium"/>
               </a:rPr>
               <a:t> </a:t>
@@ -21184,13 +20998,13 @@
                 <a:solidFill>
                   <a:srgbClr val="5F5F60"/>
                 </a:solidFill>
-                <a:latin typeface="Franklin Gothic Medium"/>
+                <a:latin typeface="+mj-lt"/>
                 <a:cs typeface="Franklin Gothic Medium"/>
               </a:rPr>
               <a:t>is</a:t>
             </a:r>
             <a:endParaRPr sz="2400">
-              <a:latin typeface="Franklin Gothic Medium"/>
+              <a:latin typeface="+mj-lt"/>
               <a:cs typeface="Franklin Gothic Medium"/>
             </a:endParaRPr>
           </a:p>
@@ -21210,7 +21024,7 @@
         </p:blipFill>
         <p:spPr>
           <a:xfrm>
-            <a:off x="6400800" y="1120530"/>
+            <a:off x="6403442" y="876300"/>
             <a:ext cx="4337304" cy="1600200"/>
           </a:xfrm>
           <a:prstGeom prst="rect">
@@ -21232,7 +21046,7 @@
         </p:blipFill>
         <p:spPr>
           <a:xfrm>
-            <a:off x="6553200" y="3163383"/>
+            <a:off x="6696050" y="3200400"/>
             <a:ext cx="3752088" cy="2618232"/>
           </a:xfrm>
           <a:prstGeom prst="rect">
@@ -21277,7 +21091,7 @@
         </p:nvSpPr>
         <p:spPr>
           <a:xfrm>
-            <a:off x="176580" y="85471"/>
+            <a:off x="813326" y="421032"/>
             <a:ext cx="5429885" cy="756920"/>
           </a:xfrm>
           <a:prstGeom prst="rect">
@@ -21322,7 +21136,7 @@
               </a:rPr>
               <a:t>Synchronization</a:t>
             </a:r>
-            <a:endParaRPr sz="4800"/>
+            <a:endParaRPr sz="4800" dirty="0"/>
           </a:p>
         </p:txBody>
       </p:sp>
@@ -21986,7 +21800,7 @@
         </p:nvSpPr>
         <p:spPr>
           <a:xfrm>
-            <a:off x="847750" y="1340865"/>
+            <a:off x="951439" y="1935479"/>
             <a:ext cx="5153660" cy="3279775"/>
           </a:xfrm>
           <a:prstGeom prst="rect">
@@ -22095,7 +21909,7 @@
               </a:rPr>
               <a:t>a</a:t>
             </a:r>
-            <a:endParaRPr sz="2400">
+            <a:endParaRPr sz="2400" dirty="0">
               <a:latin typeface="Franklin Gothic Medium"/>
               <a:cs typeface="Franklin Gothic Medium"/>
             </a:endParaRPr>
@@ -22176,7 +21990,7 @@
               </a:rPr>
               <a:t>GPS</a:t>
             </a:r>
-            <a:endParaRPr sz="2400">
+            <a:endParaRPr sz="2400" dirty="0">
               <a:latin typeface="Franklin Gothic Medium"/>
               <a:cs typeface="Franklin Gothic Medium"/>
             </a:endParaRPr>
@@ -22328,7 +22142,7 @@
               </a:rPr>
               <a:t>reception</a:t>
             </a:r>
-            <a:endParaRPr sz="2400">
+            <a:endParaRPr sz="2400" dirty="0">
               <a:latin typeface="Franklin Gothic Medium"/>
               <a:cs typeface="Franklin Gothic Medium"/>
             </a:endParaRPr>
@@ -22570,7 +22384,7 @@
               </a:rPr>
               <a:t>device</a:t>
             </a:r>
-            <a:endParaRPr sz="2400">
+            <a:endParaRPr sz="2400" dirty="0">
               <a:latin typeface="Franklin Gothic Medium"/>
               <a:cs typeface="Franklin Gothic Medium"/>
             </a:endParaRPr>
@@ -22672,7 +22486,7 @@
               </a:rPr>
               <a:t>per</a:t>
             </a:r>
-            <a:endParaRPr sz="2400">
+            <a:endParaRPr sz="2400" dirty="0">
               <a:latin typeface="Franklin Gothic Medium"/>
               <a:cs typeface="Franklin Gothic Medium"/>
             </a:endParaRPr>
@@ -22743,7 +22557,7 @@
               </a:rPr>
               <a:t>device</a:t>
             </a:r>
-            <a:endParaRPr sz="2400">
+            <a:endParaRPr sz="2400" dirty="0">
               <a:latin typeface="Franklin Gothic Medium"/>
               <a:cs typeface="Franklin Gothic Medium"/>
             </a:endParaRPr>
@@ -22787,7 +22601,7 @@
         </p:nvSpPr>
         <p:spPr>
           <a:xfrm>
-            <a:off x="3521074" y="146019"/>
+            <a:off x="3555193" y="426585"/>
             <a:ext cx="5426710" cy="756920"/>
           </a:xfrm>
           <a:prstGeom prst="rect">
@@ -22858,7 +22672,7 @@
         </p:blipFill>
         <p:spPr>
           <a:xfrm>
-            <a:off x="2198370" y="1600200"/>
+            <a:off x="2562125" y="1752600"/>
             <a:ext cx="7795259" cy="4300355"/>
           </a:xfrm>
           <a:prstGeom prst="rect">
